--- a/Präsentation_prototyp/Präsentation_prototyp_siai.pptx
+++ b/Präsentation_prototyp/Präsentation_prototyp_siai.pptx
@@ -164,7 +164,7 @@
           <a:noFill/>
           <a:extLst>
             <a:ext uri="{909E8E84-426E-40dd-AFC4-6F175D3DCCD1}">
-              <a14:hiddenFill xmlns="" xmlns:a14="http://schemas.microsoft.com/office/drawing/2010/main">
+              <a14:hiddenFill xmlns:a14="http://schemas.microsoft.com/office/drawing/2010/main" xmlns="">
                 <a:solidFill>
                   <a:srgbClr val="FFFFFF"/>
                 </a:solidFill>
@@ -224,7 +224,7 @@
             </a:ln>
             <a:extLst>
               <a:ext uri="{91240B29-F687-4f45-9708-019B960494DF}">
-                <a14:hiddenLine xmlns="" xmlns:a14="http://schemas.microsoft.com/office/drawing/2010/main" w="9525">
+                <a14:hiddenLine xmlns:a14="http://schemas.microsoft.com/office/drawing/2010/main" xmlns="" w="9525">
                   <a:solidFill>
                     <a:srgbClr val="000000"/>
                   </a:solidFill>
@@ -314,7 +314,7 @@
             </a:ln>
             <a:extLst>
               <a:ext uri="{91240B29-F687-4f45-9708-019B960494DF}">
-                <a14:hiddenLine xmlns="" xmlns:a14="http://schemas.microsoft.com/office/drawing/2010/main" w="9525">
+                <a14:hiddenLine xmlns:a14="http://schemas.microsoft.com/office/drawing/2010/main" xmlns="" w="9525">
                   <a:solidFill>
                     <a:srgbClr val="000000"/>
                   </a:solidFill>
@@ -404,7 +404,7 @@
             </a:ln>
             <a:extLst>
               <a:ext uri="{91240B29-F687-4f45-9708-019B960494DF}">
-                <a14:hiddenLine xmlns="" xmlns:a14="http://schemas.microsoft.com/office/drawing/2010/main" w="9525">
+                <a14:hiddenLine xmlns:a14="http://schemas.microsoft.com/office/drawing/2010/main" xmlns="" w="9525">
                   <a:solidFill>
                     <a:srgbClr val="000000"/>
                   </a:solidFill>
@@ -438,7 +438,7 @@
             </a:ln>
             <a:extLst>
               <a:ext uri="{91240B29-F687-4f45-9708-019B960494DF}">
-                <a14:hiddenLine xmlns="" xmlns:a14="http://schemas.microsoft.com/office/drawing/2010/main" w="9525">
+                <a14:hiddenLine xmlns:a14="http://schemas.microsoft.com/office/drawing/2010/main" xmlns="" w="9525">
                   <a:solidFill>
                     <a:srgbClr val="000000"/>
                   </a:solidFill>
@@ -528,7 +528,7 @@
             </a:ln>
             <a:extLst>
               <a:ext uri="{91240B29-F687-4f45-9708-019B960494DF}">
-                <a14:hiddenLine xmlns="" xmlns:a14="http://schemas.microsoft.com/office/drawing/2010/main" w="9525">
+                <a14:hiddenLine xmlns:a14="http://schemas.microsoft.com/office/drawing/2010/main" xmlns="" w="9525">
                   <a:solidFill>
                     <a:srgbClr val="000000"/>
                   </a:solidFill>
@@ -590,7 +590,7 @@
             </a:ln>
             <a:extLst>
               <a:ext uri="{91240B29-F687-4f45-9708-019B960494DF}">
-                <a14:hiddenLine xmlns="" xmlns:a14="http://schemas.microsoft.com/office/drawing/2010/main" w="9525">
+                <a14:hiddenLine xmlns:a14="http://schemas.microsoft.com/office/drawing/2010/main" xmlns="" w="9525">
                   <a:solidFill>
                     <a:srgbClr val="000000"/>
                   </a:solidFill>
@@ -652,7 +652,7 @@
             </a:ln>
             <a:extLst>
               <a:ext uri="{91240B29-F687-4f45-9708-019B960494DF}">
-                <a14:hiddenLine xmlns="" xmlns:a14="http://schemas.microsoft.com/office/drawing/2010/main" w="9525">
+                <a14:hiddenLine xmlns:a14="http://schemas.microsoft.com/office/drawing/2010/main" xmlns="" w="9525">
                   <a:solidFill>
                     <a:srgbClr val="000000"/>
                   </a:solidFill>
@@ -742,7 +742,7 @@
             </a:ln>
             <a:extLst>
               <a:ext uri="{91240B29-F687-4f45-9708-019B960494DF}">
-                <a14:hiddenLine xmlns="" xmlns:a14="http://schemas.microsoft.com/office/drawing/2010/main" w="9525">
+                <a14:hiddenLine xmlns:a14="http://schemas.microsoft.com/office/drawing/2010/main" xmlns="" w="9525">
                   <a:solidFill>
                     <a:srgbClr val="000000"/>
                   </a:solidFill>
@@ -804,7 +804,7 @@
             </a:ln>
             <a:extLst>
               <a:ext uri="{91240B29-F687-4f45-9708-019B960494DF}">
-                <a14:hiddenLine xmlns="" xmlns:a14="http://schemas.microsoft.com/office/drawing/2010/main" w="9525">
+                <a14:hiddenLine xmlns:a14="http://schemas.microsoft.com/office/drawing/2010/main" xmlns="" w="9525">
                   <a:solidFill>
                     <a:srgbClr val="000000"/>
                   </a:solidFill>
@@ -866,7 +866,7 @@
             </a:ln>
             <a:extLst>
               <a:ext uri="{91240B29-F687-4f45-9708-019B960494DF}">
-                <a14:hiddenLine xmlns="" xmlns:a14="http://schemas.microsoft.com/office/drawing/2010/main" w="9525">
+                <a14:hiddenLine xmlns:a14="http://schemas.microsoft.com/office/drawing/2010/main" xmlns="" w="9525">
                   <a:solidFill>
                     <a:srgbClr val="000000"/>
                   </a:solidFill>
@@ -956,7 +956,7 @@
             </a:ln>
             <a:extLst>
               <a:ext uri="{91240B29-F687-4f45-9708-019B960494DF}">
-                <a14:hiddenLine xmlns="" xmlns:a14="http://schemas.microsoft.com/office/drawing/2010/main" w="9525">
+                <a14:hiddenLine xmlns:a14="http://schemas.microsoft.com/office/drawing/2010/main" xmlns="" w="9525">
                   <a:solidFill>
                     <a:srgbClr val="000000"/>
                   </a:solidFill>
@@ -1046,7 +1046,7 @@
             </a:ln>
             <a:extLst>
               <a:ext uri="{91240B29-F687-4f45-9708-019B960494DF}">
-                <a14:hiddenLine xmlns="" xmlns:a14="http://schemas.microsoft.com/office/drawing/2010/main" w="9525">
+                <a14:hiddenLine xmlns:a14="http://schemas.microsoft.com/office/drawing/2010/main" xmlns="" w="9525">
                   <a:solidFill>
                     <a:srgbClr val="000000"/>
                   </a:solidFill>
@@ -1108,7 +1108,7 @@
             </a:ln>
             <a:extLst>
               <a:ext uri="{91240B29-F687-4f45-9708-019B960494DF}">
-                <a14:hiddenLine xmlns="" xmlns:a14="http://schemas.microsoft.com/office/drawing/2010/main" w="9525">
+                <a14:hiddenLine xmlns:a14="http://schemas.microsoft.com/office/drawing/2010/main" xmlns="" w="9525">
                   <a:solidFill>
                     <a:srgbClr val="000000"/>
                   </a:solidFill>
@@ -1218,7 +1218,7 @@
             </a:ln>
             <a:extLst>
               <a:ext uri="{91240B29-F687-4f45-9708-019B960494DF}">
-                <a14:hiddenLine xmlns="" xmlns:a14="http://schemas.microsoft.com/office/drawing/2010/main" w="9525">
+                <a14:hiddenLine xmlns:a14="http://schemas.microsoft.com/office/drawing/2010/main" xmlns="" w="9525">
                   <a:solidFill>
                     <a:srgbClr val="000000"/>
                   </a:solidFill>
@@ -1280,7 +1280,7 @@
             </a:ln>
             <a:extLst>
               <a:ext uri="{91240B29-F687-4f45-9708-019B960494DF}">
-                <a14:hiddenLine xmlns="" xmlns:a14="http://schemas.microsoft.com/office/drawing/2010/main" w="9525">
+                <a14:hiddenLine xmlns:a14="http://schemas.microsoft.com/office/drawing/2010/main" xmlns="" w="9525">
                   <a:solidFill>
                     <a:srgbClr val="000000"/>
                   </a:solidFill>
@@ -1370,7 +1370,7 @@
             </a:ln>
             <a:extLst>
               <a:ext uri="{91240B29-F687-4f45-9708-019B960494DF}">
-                <a14:hiddenLine xmlns="" xmlns:a14="http://schemas.microsoft.com/office/drawing/2010/main" w="9525">
+                <a14:hiddenLine xmlns:a14="http://schemas.microsoft.com/office/drawing/2010/main" xmlns="" w="9525">
                   <a:solidFill>
                     <a:srgbClr val="000000"/>
                   </a:solidFill>
@@ -1460,7 +1460,7 @@
             </a:ln>
             <a:extLst>
               <a:ext uri="{91240B29-F687-4f45-9708-019B960494DF}">
-                <a14:hiddenLine xmlns="" xmlns:a14="http://schemas.microsoft.com/office/drawing/2010/main" w="9525">
+                <a14:hiddenLine xmlns:a14="http://schemas.microsoft.com/office/drawing/2010/main" xmlns="" w="9525">
                   <a:solidFill>
                     <a:srgbClr val="000000"/>
                   </a:solidFill>
@@ -1522,7 +1522,7 @@
             </a:ln>
             <a:extLst>
               <a:ext uri="{91240B29-F687-4f45-9708-019B960494DF}">
-                <a14:hiddenLine xmlns="" xmlns:a14="http://schemas.microsoft.com/office/drawing/2010/main" w="9525">
+                <a14:hiddenLine xmlns:a14="http://schemas.microsoft.com/office/drawing/2010/main" xmlns="" w="9525">
                   <a:solidFill>
                     <a:srgbClr val="000000"/>
                   </a:solidFill>
@@ -1612,7 +1612,7 @@
             </a:ln>
             <a:extLst>
               <a:ext uri="{91240B29-F687-4f45-9708-019B960494DF}">
-                <a14:hiddenLine xmlns="" xmlns:a14="http://schemas.microsoft.com/office/drawing/2010/main" w="9525">
+                <a14:hiddenLine xmlns:a14="http://schemas.microsoft.com/office/drawing/2010/main" xmlns="" w="9525">
                   <a:solidFill>
                     <a:srgbClr val="000000"/>
                   </a:solidFill>
@@ -1702,7 +1702,7 @@
             </a:ln>
             <a:extLst>
               <a:ext uri="{91240B29-F687-4f45-9708-019B960494DF}">
-                <a14:hiddenLine xmlns="" xmlns:a14="http://schemas.microsoft.com/office/drawing/2010/main" w="9525">
+                <a14:hiddenLine xmlns:a14="http://schemas.microsoft.com/office/drawing/2010/main" xmlns="" w="9525">
                   <a:solidFill>
                     <a:srgbClr val="000000"/>
                   </a:solidFill>
@@ -1758,7 +1758,7 @@
             </a:ln>
             <a:extLst>
               <a:ext uri="{91240B29-F687-4f45-9708-019B960494DF}">
-                <a14:hiddenLine xmlns="" xmlns:a14="http://schemas.microsoft.com/office/drawing/2010/main" w="9525">
+                <a14:hiddenLine xmlns:a14="http://schemas.microsoft.com/office/drawing/2010/main" xmlns="" w="9525">
                   <a:solidFill>
                     <a:srgbClr val="000000"/>
                   </a:solidFill>
@@ -1848,7 +1848,7 @@
             </a:ln>
             <a:extLst>
               <a:ext uri="{91240B29-F687-4f45-9708-019B960494DF}">
-                <a14:hiddenLine xmlns="" xmlns:a14="http://schemas.microsoft.com/office/drawing/2010/main" w="9525">
+                <a14:hiddenLine xmlns:a14="http://schemas.microsoft.com/office/drawing/2010/main" xmlns="" w="9525">
                   <a:solidFill>
                     <a:srgbClr val="000000"/>
                   </a:solidFill>
@@ -1904,7 +1904,7 @@
             </a:ln>
             <a:extLst>
               <a:ext uri="{91240B29-F687-4f45-9708-019B960494DF}">
-                <a14:hiddenLine xmlns="" xmlns:a14="http://schemas.microsoft.com/office/drawing/2010/main" w="9525">
+                <a14:hiddenLine xmlns:a14="http://schemas.microsoft.com/office/drawing/2010/main" xmlns="" w="9525">
                   <a:solidFill>
                     <a:srgbClr val="000000"/>
                   </a:solidFill>
@@ -1994,7 +1994,7 @@
             </a:ln>
             <a:extLst>
               <a:ext uri="{91240B29-F687-4f45-9708-019B960494DF}">
-                <a14:hiddenLine xmlns="" xmlns:a14="http://schemas.microsoft.com/office/drawing/2010/main" w="9525">
+                <a14:hiddenLine xmlns:a14="http://schemas.microsoft.com/office/drawing/2010/main" xmlns="" w="9525">
                   <a:solidFill>
                     <a:srgbClr val="000000"/>
                   </a:solidFill>
@@ -2062,7 +2062,7 @@
             </a:ln>
             <a:extLst>
               <a:ext uri="{91240B29-F687-4f45-9708-019B960494DF}">
-                <a14:hiddenLine xmlns="" xmlns:a14="http://schemas.microsoft.com/office/drawing/2010/main" w="9525">
+                <a14:hiddenLine xmlns:a14="http://schemas.microsoft.com/office/drawing/2010/main" xmlns="" w="9525">
                   <a:solidFill>
                     <a:srgbClr val="000000"/>
                   </a:solidFill>
@@ -2152,7 +2152,7 @@
             </a:ln>
             <a:extLst>
               <a:ext uri="{91240B29-F687-4f45-9708-019B960494DF}">
-                <a14:hiddenLine xmlns="" xmlns:a14="http://schemas.microsoft.com/office/drawing/2010/main" w="9525">
+                <a14:hiddenLine xmlns:a14="http://schemas.microsoft.com/office/drawing/2010/main" xmlns="" w="9525">
                   <a:solidFill>
                     <a:srgbClr val="000000"/>
                   </a:solidFill>
@@ -2220,7 +2220,7 @@
             </a:ln>
             <a:extLst>
               <a:ext uri="{91240B29-F687-4f45-9708-019B960494DF}">
-                <a14:hiddenLine xmlns="" xmlns:a14="http://schemas.microsoft.com/office/drawing/2010/main" w="9525">
+                <a14:hiddenLine xmlns:a14="http://schemas.microsoft.com/office/drawing/2010/main" xmlns="" w="9525">
                   <a:solidFill>
                     <a:srgbClr val="000000"/>
                   </a:solidFill>
@@ -2310,7 +2310,7 @@
             </a:ln>
             <a:extLst>
               <a:ext uri="{91240B29-F687-4f45-9708-019B960494DF}">
-                <a14:hiddenLine xmlns="" xmlns:a14="http://schemas.microsoft.com/office/drawing/2010/main" w="9525">
+                <a14:hiddenLine xmlns:a14="http://schemas.microsoft.com/office/drawing/2010/main" xmlns="" w="9525">
                   <a:solidFill>
                     <a:srgbClr val="000000"/>
                   </a:solidFill>
@@ -2344,7 +2344,7 @@
             </a:ln>
             <a:extLst>
               <a:ext uri="{91240B29-F687-4f45-9708-019B960494DF}">
-                <a14:hiddenLine xmlns="" xmlns:a14="http://schemas.microsoft.com/office/drawing/2010/main" w="9525">
+                <a14:hiddenLine xmlns:a14="http://schemas.microsoft.com/office/drawing/2010/main" xmlns="" w="9525">
                   <a:solidFill>
                     <a:srgbClr val="000000"/>
                   </a:solidFill>
@@ -2434,7 +2434,7 @@
             </a:ln>
             <a:extLst>
               <a:ext uri="{91240B29-F687-4f45-9708-019B960494DF}">
-                <a14:hiddenLine xmlns="" xmlns:a14="http://schemas.microsoft.com/office/drawing/2010/main" w="9525">
+                <a14:hiddenLine xmlns:a14="http://schemas.microsoft.com/office/drawing/2010/main" xmlns="" w="9525">
                   <a:solidFill>
                     <a:srgbClr val="000000"/>
                   </a:solidFill>
@@ -2496,7 +2496,7 @@
             </a:ln>
             <a:extLst>
               <a:ext uri="{91240B29-F687-4f45-9708-019B960494DF}">
-                <a14:hiddenLine xmlns="" xmlns:a14="http://schemas.microsoft.com/office/drawing/2010/main" w="9525">
+                <a14:hiddenLine xmlns:a14="http://schemas.microsoft.com/office/drawing/2010/main" xmlns="" w="9525">
                   <a:solidFill>
                     <a:srgbClr val="000000"/>
                   </a:solidFill>
@@ -2558,7 +2558,7 @@
             </a:ln>
             <a:extLst>
               <a:ext uri="{91240B29-F687-4f45-9708-019B960494DF}">
-                <a14:hiddenLine xmlns="" xmlns:a14="http://schemas.microsoft.com/office/drawing/2010/main" w="9525">
+                <a14:hiddenLine xmlns:a14="http://schemas.microsoft.com/office/drawing/2010/main" xmlns="" w="9525">
                   <a:solidFill>
                     <a:srgbClr val="000000"/>
                   </a:solidFill>
@@ -2648,7 +2648,7 @@
             </a:ln>
             <a:extLst>
               <a:ext uri="{91240B29-F687-4f45-9708-019B960494DF}">
-                <a14:hiddenLine xmlns="" xmlns:a14="http://schemas.microsoft.com/office/drawing/2010/main" w="9525">
+                <a14:hiddenLine xmlns:a14="http://schemas.microsoft.com/office/drawing/2010/main" xmlns="" w="9525">
                   <a:solidFill>
                     <a:srgbClr val="000000"/>
                   </a:solidFill>
@@ -2716,7 +2716,7 @@
             </a:ln>
             <a:extLst>
               <a:ext uri="{91240B29-F687-4f45-9708-019B960494DF}">
-                <a14:hiddenLine xmlns="" xmlns:a14="http://schemas.microsoft.com/office/drawing/2010/main" w="9525">
+                <a14:hiddenLine xmlns:a14="http://schemas.microsoft.com/office/drawing/2010/main" xmlns="" w="9525">
                   <a:solidFill>
                     <a:srgbClr val="000000"/>
                   </a:solidFill>
@@ -2778,7 +2778,7 @@
             </a:ln>
             <a:extLst>
               <a:ext uri="{91240B29-F687-4f45-9708-019B960494DF}">
-                <a14:hiddenLine xmlns="" xmlns:a14="http://schemas.microsoft.com/office/drawing/2010/main" w="9525">
+                <a14:hiddenLine xmlns:a14="http://schemas.microsoft.com/office/drawing/2010/main" xmlns="" w="9525">
                   <a:solidFill>
                     <a:srgbClr val="000000"/>
                   </a:solidFill>
@@ -2868,7 +2868,7 @@
             </a:ln>
             <a:extLst>
               <a:ext uri="{91240B29-F687-4f45-9708-019B960494DF}">
-                <a14:hiddenLine xmlns="" xmlns:a14="http://schemas.microsoft.com/office/drawing/2010/main" w="9525">
+                <a14:hiddenLine xmlns:a14="http://schemas.microsoft.com/office/drawing/2010/main" xmlns="" w="9525">
                   <a:solidFill>
                     <a:srgbClr val="000000"/>
                   </a:solidFill>
@@ -2930,7 +2930,7 @@
             </a:ln>
             <a:extLst>
               <a:ext uri="{91240B29-F687-4f45-9708-019B960494DF}">
-                <a14:hiddenLine xmlns="" xmlns:a14="http://schemas.microsoft.com/office/drawing/2010/main" w="9525">
+                <a14:hiddenLine xmlns:a14="http://schemas.microsoft.com/office/drawing/2010/main" xmlns="" w="9525">
                   <a:solidFill>
                     <a:srgbClr val="000000"/>
                   </a:solidFill>
@@ -3020,7 +3020,7 @@
             </a:ln>
             <a:extLst>
               <a:ext uri="{91240B29-F687-4f45-9708-019B960494DF}">
-                <a14:hiddenLine xmlns="" xmlns:a14="http://schemas.microsoft.com/office/drawing/2010/main" w="9525">
+                <a14:hiddenLine xmlns:a14="http://schemas.microsoft.com/office/drawing/2010/main" xmlns="" w="9525">
                   <a:solidFill>
                     <a:srgbClr val="000000"/>
                   </a:solidFill>
@@ -3082,7 +3082,7 @@
             </a:ln>
             <a:extLst>
               <a:ext uri="{91240B29-F687-4f45-9708-019B960494DF}">
-                <a14:hiddenLine xmlns="" xmlns:a14="http://schemas.microsoft.com/office/drawing/2010/main" w="9525">
+                <a14:hiddenLine xmlns:a14="http://schemas.microsoft.com/office/drawing/2010/main" xmlns="" w="9525">
                   <a:solidFill>
                     <a:srgbClr val="000000"/>
                   </a:solidFill>
@@ -3172,7 +3172,7 @@
             </a:ln>
             <a:extLst>
               <a:ext uri="{91240B29-F687-4f45-9708-019B960494DF}">
-                <a14:hiddenLine xmlns="" xmlns:a14="http://schemas.microsoft.com/office/drawing/2010/main" w="9525">
+                <a14:hiddenLine xmlns:a14="http://schemas.microsoft.com/office/drawing/2010/main" xmlns="" w="9525">
                   <a:solidFill>
                     <a:srgbClr val="000000"/>
                   </a:solidFill>
@@ -3206,7 +3206,7 @@
             </a:ln>
             <a:extLst>
               <a:ext uri="{91240B29-F687-4f45-9708-019B960494DF}">
-                <a14:hiddenLine xmlns="" xmlns:a14="http://schemas.microsoft.com/office/drawing/2010/main" w="9525">
+                <a14:hiddenLine xmlns:a14="http://schemas.microsoft.com/office/drawing/2010/main" xmlns="" w="9525">
                   <a:solidFill>
                     <a:srgbClr val="000000"/>
                   </a:solidFill>
@@ -3271,7 +3271,7 @@
             </a:ln>
             <a:extLst>
               <a:ext uri="{91240B29-F687-4f45-9708-019B960494DF}">
-                <a14:hiddenLine xmlns="" xmlns:a14="http://schemas.microsoft.com/office/drawing/2010/main" w="9525">
+                <a14:hiddenLine xmlns:a14="http://schemas.microsoft.com/office/drawing/2010/main" xmlns="" w="9525">
                   <a:solidFill>
                     <a:srgbClr val="000000"/>
                   </a:solidFill>
@@ -3361,7 +3361,7 @@
             </a:ln>
             <a:extLst>
               <a:ext uri="{91240B29-F687-4f45-9708-019B960494DF}">
-                <a14:hiddenLine xmlns="" xmlns:a14="http://schemas.microsoft.com/office/drawing/2010/main" w="9525">
+                <a14:hiddenLine xmlns:a14="http://schemas.microsoft.com/office/drawing/2010/main" xmlns="" w="9525">
                   <a:solidFill>
                     <a:srgbClr val="000000"/>
                   </a:solidFill>
@@ -3423,7 +3423,7 @@
             </a:ln>
             <a:extLst>
               <a:ext uri="{91240B29-F687-4f45-9708-019B960494DF}">
-                <a14:hiddenLine xmlns="" xmlns:a14="http://schemas.microsoft.com/office/drawing/2010/main" w="9525">
+                <a14:hiddenLine xmlns:a14="http://schemas.microsoft.com/office/drawing/2010/main" xmlns="" w="9525">
                   <a:solidFill>
                     <a:srgbClr val="000000"/>
                   </a:solidFill>
@@ -3513,7 +3513,7 @@
             </a:ln>
             <a:extLst>
               <a:ext uri="{91240B29-F687-4f45-9708-019B960494DF}">
-                <a14:hiddenLine xmlns="" xmlns:a14="http://schemas.microsoft.com/office/drawing/2010/main" w="9525">
+                <a14:hiddenLine xmlns:a14="http://schemas.microsoft.com/office/drawing/2010/main" xmlns="" w="9525">
                   <a:solidFill>
                     <a:srgbClr val="000000"/>
                   </a:solidFill>
@@ -3603,7 +3603,7 @@
             </a:ln>
             <a:extLst>
               <a:ext uri="{91240B29-F687-4f45-9708-019B960494DF}">
-                <a14:hiddenLine xmlns="" xmlns:a14="http://schemas.microsoft.com/office/drawing/2010/main" w="9525">
+                <a14:hiddenLine xmlns:a14="http://schemas.microsoft.com/office/drawing/2010/main" xmlns="" w="9525">
                   <a:solidFill>
                     <a:srgbClr val="000000"/>
                   </a:solidFill>
@@ -3668,7 +3668,7 @@
             </a:ln>
             <a:extLst>
               <a:ext uri="{91240B29-F687-4f45-9708-019B960494DF}">
-                <a14:hiddenLine xmlns="" xmlns:a14="http://schemas.microsoft.com/office/drawing/2010/main" w="9525">
+                <a14:hiddenLine xmlns:a14="http://schemas.microsoft.com/office/drawing/2010/main" xmlns="" w="9525">
                   <a:solidFill>
                     <a:srgbClr val="000000"/>
                   </a:solidFill>
@@ -3730,7 +3730,7 @@
             </a:ln>
             <a:extLst>
               <a:ext uri="{91240B29-F687-4f45-9708-019B960494DF}">
-                <a14:hiddenLine xmlns="" xmlns:a14="http://schemas.microsoft.com/office/drawing/2010/main" w="9525">
+                <a14:hiddenLine xmlns:a14="http://schemas.microsoft.com/office/drawing/2010/main" xmlns="" w="9525">
                   <a:solidFill>
                     <a:srgbClr val="000000"/>
                   </a:solidFill>
@@ -3820,7 +3820,7 @@
             </a:ln>
             <a:extLst>
               <a:ext uri="{91240B29-F687-4f45-9708-019B960494DF}">
-                <a14:hiddenLine xmlns="" xmlns:a14="http://schemas.microsoft.com/office/drawing/2010/main" w="9525">
+                <a14:hiddenLine xmlns:a14="http://schemas.microsoft.com/office/drawing/2010/main" xmlns="" w="9525">
                   <a:solidFill>
                     <a:srgbClr val="000000"/>
                   </a:solidFill>
@@ -3910,7 +3910,7 @@
             </a:ln>
             <a:extLst>
               <a:ext uri="{91240B29-F687-4f45-9708-019B960494DF}">
-                <a14:hiddenLine xmlns="" xmlns:a14="http://schemas.microsoft.com/office/drawing/2010/main" w="9525">
+                <a14:hiddenLine xmlns:a14="http://schemas.microsoft.com/office/drawing/2010/main" xmlns="" w="9525">
                   <a:solidFill>
                     <a:srgbClr val="000000"/>
                   </a:solidFill>
@@ -3972,7 +3972,7 @@
             </a:ln>
             <a:extLst>
               <a:ext uri="{91240B29-F687-4f45-9708-019B960494DF}">
-                <a14:hiddenLine xmlns="" xmlns:a14="http://schemas.microsoft.com/office/drawing/2010/main" w="9525">
+                <a14:hiddenLine xmlns:a14="http://schemas.microsoft.com/office/drawing/2010/main" xmlns="" w="9525">
                   <a:solidFill>
                     <a:srgbClr val="000000"/>
                   </a:solidFill>
@@ -4092,7 +4092,7 @@
             </a:ln>
             <a:extLst>
               <a:ext uri="{91240B29-F687-4f45-9708-019B960494DF}">
-                <a14:hiddenLine xmlns="" xmlns:a14="http://schemas.microsoft.com/office/drawing/2010/main" w="9525">
+                <a14:hiddenLine xmlns:a14="http://schemas.microsoft.com/office/drawing/2010/main" xmlns="" w="9525">
                   <a:solidFill>
                     <a:srgbClr val="000000"/>
                   </a:solidFill>
@@ -4160,7 +4160,7 @@
             </a:ln>
             <a:extLst>
               <a:ext uri="{91240B29-F687-4f45-9708-019B960494DF}">
-                <a14:hiddenLine xmlns="" xmlns:a14="http://schemas.microsoft.com/office/drawing/2010/main" w="9525">
+                <a14:hiddenLine xmlns:a14="http://schemas.microsoft.com/office/drawing/2010/main" xmlns="" w="9525">
                   <a:solidFill>
                     <a:srgbClr val="000000"/>
                   </a:solidFill>
@@ -4250,7 +4250,7 @@
             </a:ln>
             <a:extLst>
               <a:ext uri="{91240B29-F687-4f45-9708-019B960494DF}">
-                <a14:hiddenLine xmlns="" xmlns:a14="http://schemas.microsoft.com/office/drawing/2010/main" w="9525">
+                <a14:hiddenLine xmlns:a14="http://schemas.microsoft.com/office/drawing/2010/main" xmlns="" w="9525">
                   <a:solidFill>
                     <a:srgbClr val="000000"/>
                   </a:solidFill>
@@ -8972,7 +8972,7 @@
           <a:noFill/>
           <a:extLst>
             <a:ext uri="{909E8E84-426E-40dd-AFC4-6F175D3DCCD1}">
-              <a14:hiddenFill xmlns="" xmlns:a14="http://schemas.microsoft.com/office/drawing/2010/main">
+              <a14:hiddenFill xmlns:a14="http://schemas.microsoft.com/office/drawing/2010/main" xmlns="">
                 <a:solidFill>
                   <a:srgbClr val="FFFFFF"/>
                 </a:solidFill>
@@ -9046,7 +9046,7 @@
               </a:ln>
               <a:extLst>
                 <a:ext uri="{91240B29-F687-4f45-9708-019B960494DF}">
-                  <a14:hiddenLine xmlns="" xmlns:a14="http://schemas.microsoft.com/office/drawing/2010/main" w="9525">
+                  <a14:hiddenLine xmlns:a14="http://schemas.microsoft.com/office/drawing/2010/main" xmlns="" w="9525">
                     <a:solidFill>
                       <a:srgbClr val="000000"/>
                     </a:solidFill>
@@ -9136,7 +9136,7 @@
               </a:ln>
               <a:extLst>
                 <a:ext uri="{91240B29-F687-4f45-9708-019B960494DF}">
-                  <a14:hiddenLine xmlns="" xmlns:a14="http://schemas.microsoft.com/office/drawing/2010/main" w="9525">
+                  <a14:hiddenLine xmlns:a14="http://schemas.microsoft.com/office/drawing/2010/main" xmlns="" w="9525">
                     <a:solidFill>
                       <a:srgbClr val="000000"/>
                     </a:solidFill>
@@ -9226,7 +9226,7 @@
               </a:ln>
               <a:extLst>
                 <a:ext uri="{91240B29-F687-4f45-9708-019B960494DF}">
-                  <a14:hiddenLine xmlns="" xmlns:a14="http://schemas.microsoft.com/office/drawing/2010/main" w="9525">
+                  <a14:hiddenLine xmlns:a14="http://schemas.microsoft.com/office/drawing/2010/main" xmlns="" w="9525">
                     <a:solidFill>
                       <a:srgbClr val="000000"/>
                     </a:solidFill>
@@ -9288,7 +9288,7 @@
               </a:ln>
               <a:extLst>
                 <a:ext uri="{91240B29-F687-4f45-9708-019B960494DF}">
-                  <a14:hiddenLine xmlns="" xmlns:a14="http://schemas.microsoft.com/office/drawing/2010/main" w="9525">
+                  <a14:hiddenLine xmlns:a14="http://schemas.microsoft.com/office/drawing/2010/main" xmlns="" w="9525">
                     <a:solidFill>
                       <a:srgbClr val="000000"/>
                     </a:solidFill>
@@ -9378,7 +9378,7 @@
               </a:ln>
               <a:extLst>
                 <a:ext uri="{91240B29-F687-4f45-9708-019B960494DF}">
-                  <a14:hiddenLine xmlns="" xmlns:a14="http://schemas.microsoft.com/office/drawing/2010/main" w="9525">
+                  <a14:hiddenLine xmlns:a14="http://schemas.microsoft.com/office/drawing/2010/main" xmlns="" w="9525">
                     <a:solidFill>
                       <a:srgbClr val="000000"/>
                     </a:solidFill>
@@ -9440,7 +9440,7 @@
               </a:ln>
               <a:extLst>
                 <a:ext uri="{91240B29-F687-4f45-9708-019B960494DF}">
-                  <a14:hiddenLine xmlns="" xmlns:a14="http://schemas.microsoft.com/office/drawing/2010/main" w="9525">
+                  <a14:hiddenLine xmlns:a14="http://schemas.microsoft.com/office/drawing/2010/main" xmlns="" w="9525">
                     <a:solidFill>
                       <a:srgbClr val="000000"/>
                     </a:solidFill>
@@ -9502,7 +9502,7 @@
               </a:ln>
               <a:extLst>
                 <a:ext uri="{91240B29-F687-4f45-9708-019B960494DF}">
-                  <a14:hiddenLine xmlns="" xmlns:a14="http://schemas.microsoft.com/office/drawing/2010/main" w="9525">
+                  <a14:hiddenLine xmlns:a14="http://schemas.microsoft.com/office/drawing/2010/main" xmlns="" w="9525">
                     <a:solidFill>
                       <a:srgbClr val="000000"/>
                     </a:solidFill>
@@ -9592,7 +9592,7 @@
               </a:ln>
               <a:extLst>
                 <a:ext uri="{91240B29-F687-4f45-9708-019B960494DF}">
-                  <a14:hiddenLine xmlns="" xmlns:a14="http://schemas.microsoft.com/office/drawing/2010/main" w="9525">
+                  <a14:hiddenLine xmlns:a14="http://schemas.microsoft.com/office/drawing/2010/main" xmlns="" w="9525">
                     <a:solidFill>
                       <a:srgbClr val="000000"/>
                     </a:solidFill>
@@ -9682,7 +9682,7 @@
               </a:ln>
               <a:extLst>
                 <a:ext uri="{91240B29-F687-4f45-9708-019B960494DF}">
-                  <a14:hiddenLine xmlns="" xmlns:a14="http://schemas.microsoft.com/office/drawing/2010/main" w="9525">
+                  <a14:hiddenLine xmlns:a14="http://schemas.microsoft.com/office/drawing/2010/main" xmlns="" w="9525">
                     <a:solidFill>
                       <a:srgbClr val="000000"/>
                     </a:solidFill>
@@ -9744,7 +9744,7 @@
               </a:ln>
               <a:extLst>
                 <a:ext uri="{91240B29-F687-4f45-9708-019B960494DF}">
-                  <a14:hiddenLine xmlns="" xmlns:a14="http://schemas.microsoft.com/office/drawing/2010/main" w="9525">
+                  <a14:hiddenLine xmlns:a14="http://schemas.microsoft.com/office/drawing/2010/main" xmlns="" w="9525">
                     <a:solidFill>
                       <a:srgbClr val="000000"/>
                     </a:solidFill>
@@ -9854,7 +9854,7 @@
               </a:ln>
               <a:extLst>
                 <a:ext uri="{91240B29-F687-4f45-9708-019B960494DF}">
-                  <a14:hiddenLine xmlns="" xmlns:a14="http://schemas.microsoft.com/office/drawing/2010/main" w="9525">
+                  <a14:hiddenLine xmlns:a14="http://schemas.microsoft.com/office/drawing/2010/main" xmlns="" w="9525">
                     <a:solidFill>
                       <a:srgbClr val="000000"/>
                     </a:solidFill>
@@ -9938,7 +9938,7 @@
               </a:ln>
               <a:extLst>
                 <a:ext uri="{91240B29-F687-4f45-9708-019B960494DF}">
-                  <a14:hiddenLine xmlns="" xmlns:a14="http://schemas.microsoft.com/office/drawing/2010/main" w="9525">
+                  <a14:hiddenLine xmlns:a14="http://schemas.microsoft.com/office/drawing/2010/main" xmlns="" w="9525">
                     <a:solidFill>
                       <a:srgbClr val="000000"/>
                     </a:solidFill>
@@ -10000,7 +10000,7 @@
               </a:ln>
               <a:extLst>
                 <a:ext uri="{91240B29-F687-4f45-9708-019B960494DF}">
-                  <a14:hiddenLine xmlns="" xmlns:a14="http://schemas.microsoft.com/office/drawing/2010/main" w="9525">
+                  <a14:hiddenLine xmlns:a14="http://schemas.microsoft.com/office/drawing/2010/main" xmlns="" w="9525">
                     <a:solidFill>
                       <a:srgbClr val="000000"/>
                     </a:solidFill>
@@ -10062,7 +10062,7 @@
               </a:ln>
               <a:extLst>
                 <a:ext uri="{91240B29-F687-4f45-9708-019B960494DF}">
-                  <a14:hiddenLine xmlns="" xmlns:a14="http://schemas.microsoft.com/office/drawing/2010/main" w="9525">
+                  <a14:hiddenLine xmlns:a14="http://schemas.microsoft.com/office/drawing/2010/main" xmlns="" w="9525">
                     <a:solidFill>
                       <a:srgbClr val="000000"/>
                     </a:solidFill>
@@ -10152,7 +10152,7 @@
               </a:ln>
               <a:extLst>
                 <a:ext uri="{91240B29-F687-4f45-9708-019B960494DF}">
-                  <a14:hiddenLine xmlns="" xmlns:a14="http://schemas.microsoft.com/office/drawing/2010/main" w="9525">
+                  <a14:hiddenLine xmlns:a14="http://schemas.microsoft.com/office/drawing/2010/main" xmlns="" w="9525">
                     <a:solidFill>
                       <a:srgbClr val="000000"/>
                     </a:solidFill>
@@ -10186,7 +10186,7 @@
               </a:ln>
               <a:extLst>
                 <a:ext uri="{91240B29-F687-4f45-9708-019B960494DF}">
-                  <a14:hiddenLine xmlns="" xmlns:a14="http://schemas.microsoft.com/office/drawing/2010/main" w="9525">
+                  <a14:hiddenLine xmlns:a14="http://schemas.microsoft.com/office/drawing/2010/main" xmlns="" w="9525">
                     <a:solidFill>
                       <a:srgbClr val="000000"/>
                     </a:solidFill>
@@ -10251,7 +10251,7 @@
               </a:ln>
               <a:extLst>
                 <a:ext uri="{91240B29-F687-4f45-9708-019B960494DF}">
-                  <a14:hiddenLine xmlns="" xmlns:a14="http://schemas.microsoft.com/office/drawing/2010/main" w="9525">
+                  <a14:hiddenLine xmlns:a14="http://schemas.microsoft.com/office/drawing/2010/main" xmlns="" w="9525">
                     <a:solidFill>
                       <a:srgbClr val="000000"/>
                     </a:solidFill>
@@ -10341,7 +10341,7 @@
               </a:ln>
               <a:extLst>
                 <a:ext uri="{91240B29-F687-4f45-9708-019B960494DF}">
-                  <a14:hiddenLine xmlns="" xmlns:a14="http://schemas.microsoft.com/office/drawing/2010/main" w="9525">
+                  <a14:hiddenLine xmlns:a14="http://schemas.microsoft.com/office/drawing/2010/main" xmlns="" w="9525">
                     <a:solidFill>
                       <a:srgbClr val="000000"/>
                     </a:solidFill>
@@ -10403,7 +10403,7 @@
               </a:ln>
               <a:extLst>
                 <a:ext uri="{91240B29-F687-4f45-9708-019B960494DF}">
-                  <a14:hiddenLine xmlns="" xmlns:a14="http://schemas.microsoft.com/office/drawing/2010/main" w="9525">
+                  <a14:hiddenLine xmlns:a14="http://schemas.microsoft.com/office/drawing/2010/main" xmlns="" w="9525">
                     <a:solidFill>
                       <a:srgbClr val="000000"/>
                     </a:solidFill>
@@ -10493,7 +10493,7 @@
               </a:ln>
               <a:extLst>
                 <a:ext uri="{91240B29-F687-4f45-9708-019B960494DF}">
-                  <a14:hiddenLine xmlns="" xmlns:a14="http://schemas.microsoft.com/office/drawing/2010/main" w="9525">
+                  <a14:hiddenLine xmlns:a14="http://schemas.microsoft.com/office/drawing/2010/main" xmlns="" w="9525">
                     <a:solidFill>
                       <a:srgbClr val="000000"/>
                     </a:solidFill>
@@ -10558,7 +10558,7 @@
               </a:ln>
               <a:extLst>
                 <a:ext uri="{91240B29-F687-4f45-9708-019B960494DF}">
-                  <a14:hiddenLine xmlns="" xmlns:a14="http://schemas.microsoft.com/office/drawing/2010/main" w="9525">
+                  <a14:hiddenLine xmlns:a14="http://schemas.microsoft.com/office/drawing/2010/main" xmlns="" w="9525">
                     <a:solidFill>
                       <a:srgbClr val="000000"/>
                     </a:solidFill>
@@ -10620,7 +10620,7 @@
               </a:ln>
               <a:extLst>
                 <a:ext uri="{91240B29-F687-4f45-9708-019B960494DF}">
-                  <a14:hiddenLine xmlns="" xmlns:a14="http://schemas.microsoft.com/office/drawing/2010/main" w="9525">
+                  <a14:hiddenLine xmlns:a14="http://schemas.microsoft.com/office/drawing/2010/main" xmlns="" w="9525">
                     <a:solidFill>
                       <a:srgbClr val="000000"/>
                     </a:solidFill>
@@ -10710,7 +10710,7 @@
               </a:ln>
               <a:extLst>
                 <a:ext uri="{91240B29-F687-4f45-9708-019B960494DF}">
-                  <a14:hiddenLine xmlns="" xmlns:a14="http://schemas.microsoft.com/office/drawing/2010/main" w="9525">
+                  <a14:hiddenLine xmlns:a14="http://schemas.microsoft.com/office/drawing/2010/main" xmlns="" w="9525">
                     <a:solidFill>
                       <a:srgbClr val="000000"/>
                     </a:solidFill>
@@ -10800,7 +10800,7 @@
               </a:ln>
               <a:extLst>
                 <a:ext uri="{91240B29-F687-4f45-9708-019B960494DF}">
-                  <a14:hiddenLine xmlns="" xmlns:a14="http://schemas.microsoft.com/office/drawing/2010/main" w="9525">
+                  <a14:hiddenLine xmlns:a14="http://schemas.microsoft.com/office/drawing/2010/main" xmlns="" w="9525">
                     <a:solidFill>
                       <a:srgbClr val="000000"/>
                     </a:solidFill>
@@ -10865,7 +10865,7 @@
               </a:ln>
               <a:extLst>
                 <a:ext uri="{91240B29-F687-4f45-9708-019B960494DF}">
-                  <a14:hiddenLine xmlns="" xmlns:a14="http://schemas.microsoft.com/office/drawing/2010/main" w="9525">
+                  <a14:hiddenLine xmlns:a14="http://schemas.microsoft.com/office/drawing/2010/main" xmlns="" w="9525">
                     <a:solidFill>
                       <a:srgbClr val="000000"/>
                     </a:solidFill>
@@ -10985,7 +10985,7 @@
               </a:ln>
               <a:extLst>
                 <a:ext uri="{91240B29-F687-4f45-9708-019B960494DF}">
-                  <a14:hiddenLine xmlns="" xmlns:a14="http://schemas.microsoft.com/office/drawing/2010/main" w="9525">
+                  <a14:hiddenLine xmlns:a14="http://schemas.microsoft.com/office/drawing/2010/main" xmlns="" w="9525">
                     <a:solidFill>
                       <a:srgbClr val="000000"/>
                     </a:solidFill>
@@ -11083,7 +11083,7 @@
               </a:ln>
               <a:extLst>
                 <a:ext uri="{91240B29-F687-4f45-9708-019B960494DF}">
-                  <a14:hiddenLine xmlns="" xmlns:a14="http://schemas.microsoft.com/office/drawing/2010/main" w="9525">
+                  <a14:hiddenLine xmlns:a14="http://schemas.microsoft.com/office/drawing/2010/main" xmlns="" w="9525">
                     <a:solidFill>
                       <a:srgbClr val="000000"/>
                     </a:solidFill>
@@ -11198,7 +11198,7 @@
               </a:ln>
               <a:extLst>
                 <a:ext uri="{91240B29-F687-4f45-9708-019B960494DF}">
-                  <a14:hiddenLine xmlns="" xmlns:a14="http://schemas.microsoft.com/office/drawing/2010/main" w="9525">
+                  <a14:hiddenLine xmlns:a14="http://schemas.microsoft.com/office/drawing/2010/main" xmlns="" w="9525">
                     <a:solidFill>
                       <a:srgbClr val="000000"/>
                     </a:solidFill>
@@ -11288,7 +11288,7 @@
               </a:ln>
               <a:extLst>
                 <a:ext uri="{91240B29-F687-4f45-9708-019B960494DF}">
-                  <a14:hiddenLine xmlns="" xmlns:a14="http://schemas.microsoft.com/office/drawing/2010/main" w="9525">
+                  <a14:hiddenLine xmlns:a14="http://schemas.microsoft.com/office/drawing/2010/main" xmlns="" w="9525">
                     <a:solidFill>
                       <a:srgbClr val="000000"/>
                     </a:solidFill>
@@ -11353,7 +11353,7 @@
               </a:ln>
               <a:extLst>
                 <a:ext uri="{91240B29-F687-4f45-9708-019B960494DF}">
-                  <a14:hiddenLine xmlns="" xmlns:a14="http://schemas.microsoft.com/office/drawing/2010/main" w="9525">
+                  <a14:hiddenLine xmlns:a14="http://schemas.microsoft.com/office/drawing/2010/main" xmlns="" w="9525">
                     <a:solidFill>
                       <a:srgbClr val="000000"/>
                     </a:solidFill>
@@ -11443,7 +11443,7 @@
               </a:ln>
               <a:extLst>
                 <a:ext uri="{91240B29-F687-4f45-9708-019B960494DF}">
-                  <a14:hiddenLine xmlns="" xmlns:a14="http://schemas.microsoft.com/office/drawing/2010/main" w="9525">
+                  <a14:hiddenLine xmlns:a14="http://schemas.microsoft.com/office/drawing/2010/main" xmlns="" w="9525">
                     <a:solidFill>
                       <a:srgbClr val="000000"/>
                     </a:solidFill>
@@ -11511,7 +11511,7 @@
               </a:ln>
               <a:extLst>
                 <a:ext uri="{91240B29-F687-4f45-9708-019B960494DF}">
-                  <a14:hiddenLine xmlns="" xmlns:a14="http://schemas.microsoft.com/office/drawing/2010/main" w="9525">
+                  <a14:hiddenLine xmlns:a14="http://schemas.microsoft.com/office/drawing/2010/main" xmlns="" w="9525">
                     <a:solidFill>
                       <a:srgbClr val="000000"/>
                     </a:solidFill>
@@ -11601,7 +11601,7 @@
               </a:ln>
               <a:extLst>
                 <a:ext uri="{91240B29-F687-4f45-9708-019B960494DF}">
-                  <a14:hiddenLine xmlns="" xmlns:a14="http://schemas.microsoft.com/office/drawing/2010/main" w="9525">
+                  <a14:hiddenLine xmlns:a14="http://schemas.microsoft.com/office/drawing/2010/main" xmlns="" w="9525">
                     <a:solidFill>
                       <a:srgbClr val="000000"/>
                     </a:solidFill>
@@ -11669,7 +11669,7 @@
               </a:ln>
               <a:extLst>
                 <a:ext uri="{91240B29-F687-4f45-9708-019B960494DF}">
-                  <a14:hiddenLine xmlns="" xmlns:a14="http://schemas.microsoft.com/office/drawing/2010/main" w="9525">
+                  <a14:hiddenLine xmlns:a14="http://schemas.microsoft.com/office/drawing/2010/main" xmlns="" w="9525">
                     <a:solidFill>
                       <a:srgbClr val="000000"/>
                     </a:solidFill>
@@ -11759,7 +11759,7 @@
               </a:ln>
               <a:extLst>
                 <a:ext uri="{91240B29-F687-4f45-9708-019B960494DF}">
-                  <a14:hiddenLine xmlns="" xmlns:a14="http://schemas.microsoft.com/office/drawing/2010/main" w="9525">
+                  <a14:hiddenLine xmlns:a14="http://schemas.microsoft.com/office/drawing/2010/main" xmlns="" w="9525">
                     <a:solidFill>
                       <a:srgbClr val="000000"/>
                     </a:solidFill>
@@ -11793,7 +11793,7 @@
               </a:ln>
               <a:extLst>
                 <a:ext uri="{91240B29-F687-4f45-9708-019B960494DF}">
-                  <a14:hiddenLine xmlns="" xmlns:a14="http://schemas.microsoft.com/office/drawing/2010/main" w="9525">
+                  <a14:hiddenLine xmlns:a14="http://schemas.microsoft.com/office/drawing/2010/main" xmlns="" w="9525">
                     <a:solidFill>
                       <a:srgbClr val="000000"/>
                     </a:solidFill>
@@ -12570,16 +12570,15 @@
           <a:lstStyle/>
           <a:p>
             <a:r>
-              <a:rPr lang="de-DE"/>
-              <a:t>Website Prototyp</a:t>
+              <a:rPr lang="de-DE" dirty="0"/>
+              <a:t>Prototyp</a:t>
             </a:r>
           </a:p>
           <a:p>
             <a:r>
-              <a:rPr lang="de-DE"/>
+              <a:rPr lang="de-DE" dirty="0"/>
               <a:t>Usability Tests</a:t>
             </a:r>
-            <a:endParaRPr lang="de-DE" dirty="0"/>
           </a:p>
         </p:txBody>
       </p:sp>
@@ -12746,7 +12745,7 @@
           <a:noFill/>
           <a:extLst>
             <a:ext uri="{909E8E84-426E-40dd-AFC4-6F175D3DCCD1}">
-              <a14:hiddenFill xmlns="" xmlns:a16="http://schemas.microsoft.com/office/drawing/2014/main" xmlns:p14="http://schemas.microsoft.com/office/powerpoint/2010/main" xmlns:a14="http://schemas.microsoft.com/office/drawing/2010/main">
+              <a14:hiddenFill xmlns:a14="http://schemas.microsoft.com/office/drawing/2010/main" xmlns:p14="http://schemas.microsoft.com/office/powerpoint/2010/main" xmlns:a16="http://schemas.microsoft.com/office/drawing/2014/main" xmlns="">
                 <a:solidFill>
                   <a:srgbClr val="FFFFFF"/>
                 </a:solidFill>
@@ -12840,58 +12839,35 @@
             </a:r>
             <a:endParaRPr lang="en-US" sz="2000" dirty="0"/>
           </a:p>
+          <a:p>
+            <a:endParaRPr lang="en-US" sz="2000" dirty="0"/>
+          </a:p>
+          <a:p>
+            <a:endParaRPr lang="en-US" sz="2000" dirty="0"/>
+          </a:p>
+          <a:p>
+            <a:endParaRPr lang="en-US" sz="2000" dirty="0"/>
+          </a:p>
+          <a:p>
+            <a:endParaRPr lang="en-US" sz="2000" dirty="0"/>
+          </a:p>
+          <a:p>
+            <a:r>
+              <a:rPr lang="en-US" sz="2000" dirty="0" err="1"/>
+              <a:t>Scrollbarkeit</a:t>
+            </a:r>
+            <a:r>
+              <a:rPr lang="en-US" sz="2000" dirty="0"/>
+              <a:t> </a:t>
+            </a:r>
+            <a:r>
+              <a:rPr lang="en-US" sz="2000" dirty="0" err="1"/>
+              <a:t>verdeutlichen</a:t>
+            </a:r>
+            <a:endParaRPr lang="en-US" sz="2000" dirty="0"/>
+          </a:p>
         </p:txBody>
       </p:sp>
-      <p:pic>
-        <p:nvPicPr>
-          <p:cNvPr id="8" name="Inhaltsplatzhalter 4">
-            <a:extLst>
-              <a:ext uri="{FF2B5EF4-FFF2-40B4-BE49-F238E27FC236}">
-                <a16:creationId xmlns:a16="http://schemas.microsoft.com/office/drawing/2014/main" id="{D2E8BC4D-B87A-4894-B4BA-6B1C093E741C}"/>
-              </a:ext>
-            </a:extLst>
-          </p:cNvPr>
-          <p:cNvPicPr>
-            <a:picLocks noChangeAspect="1"/>
-          </p:cNvPicPr>
-          <p:nvPr/>
-        </p:nvPicPr>
-        <p:blipFill>
-          <a:blip r:embed="rId4"/>
-          <a:stretch>
-            <a:fillRect/>
-          </a:stretch>
-        </p:blipFill>
-        <p:spPr>
-          <a:xfrm>
-            <a:off x="6096000" y="1896269"/>
-            <a:ext cx="5456279" cy="1855134"/>
-          </a:xfrm>
-          <a:prstGeom prst="round2DiagRect">
-            <a:avLst>
-              <a:gd name="adj1" fmla="val 5608"/>
-              <a:gd name="adj2" fmla="val 0"/>
-            </a:avLst>
-          </a:prstGeom>
-          <a:ln w="19050" cap="sq">
-            <a:solidFill>
-              <a:schemeClr val="tx2">
-                <a:lumMod val="60000"/>
-                <a:lumOff val="40000"/>
-                <a:alpha val="60000"/>
-              </a:schemeClr>
-            </a:solidFill>
-            <a:miter lim="800000"/>
-          </a:ln>
-          <a:effectLst>
-            <a:outerShdw blurRad="88900" dist="38100" dir="5400000" algn="t" rotWithShape="0">
-              <a:prstClr val="black">
-                <a:alpha val="40000"/>
-              </a:prstClr>
-            </a:outerShdw>
-          </a:effectLst>
-        </p:spPr>
-      </p:pic>
       <p:grpSp>
         <p:nvGrpSpPr>
           <p:cNvPr id="17" name="Group 16">
@@ -12975,7 +12951,7 @@
             </a:ln>
             <a:extLst>
               <a:ext uri="{91240B29-F687-4f45-9708-019B960494DF}">
-                <a14:hiddenLine xmlns="" xmlns:a16="http://schemas.microsoft.com/office/drawing/2014/main" xmlns:p14="http://schemas.microsoft.com/office/powerpoint/2010/main" xmlns:a14="http://schemas.microsoft.com/office/drawing/2010/main" w="9525">
+                <a14:hiddenLine xmlns:a14="http://schemas.microsoft.com/office/drawing/2010/main" xmlns:p14="http://schemas.microsoft.com/office/powerpoint/2010/main" xmlns:a16="http://schemas.microsoft.com/office/drawing/2014/main" xmlns="" w="9525">
                   <a:solidFill>
                     <a:srgbClr val="000000"/>
                   </a:solidFill>
@@ -13080,7 +13056,7 @@
             </a:ln>
             <a:extLst>
               <a:ext uri="{91240B29-F687-4f45-9708-019B960494DF}">
-                <a14:hiddenLine xmlns="" xmlns:a16="http://schemas.microsoft.com/office/drawing/2014/main" xmlns:p14="http://schemas.microsoft.com/office/powerpoint/2010/main" xmlns:a14="http://schemas.microsoft.com/office/drawing/2010/main" w="9525">
+                <a14:hiddenLine xmlns:a14="http://schemas.microsoft.com/office/drawing/2010/main" xmlns:p14="http://schemas.microsoft.com/office/powerpoint/2010/main" xmlns:a16="http://schemas.microsoft.com/office/drawing/2014/main" xmlns="" w="9525">
                   <a:solidFill>
                     <a:srgbClr val="000000"/>
                   </a:solidFill>
@@ -13185,7 +13161,7 @@
             </a:ln>
             <a:extLst>
               <a:ext uri="{91240B29-F687-4f45-9708-019B960494DF}">
-                <a14:hiddenLine xmlns="" xmlns:a16="http://schemas.microsoft.com/office/drawing/2014/main" xmlns:p14="http://schemas.microsoft.com/office/powerpoint/2010/main" xmlns:a14="http://schemas.microsoft.com/office/drawing/2010/main" w="9525">
+                <a14:hiddenLine xmlns:a14="http://schemas.microsoft.com/office/drawing/2010/main" xmlns:p14="http://schemas.microsoft.com/office/powerpoint/2010/main" xmlns:a16="http://schemas.microsoft.com/office/drawing/2014/main" xmlns="" w="9525">
                   <a:solidFill>
                     <a:srgbClr val="000000"/>
                   </a:solidFill>
@@ -13262,7 +13238,7 @@
             </a:ln>
             <a:extLst>
               <a:ext uri="{91240B29-F687-4f45-9708-019B960494DF}">
-                <a14:hiddenLine xmlns="" xmlns:a16="http://schemas.microsoft.com/office/drawing/2014/main" xmlns:p14="http://schemas.microsoft.com/office/powerpoint/2010/main" xmlns:a14="http://schemas.microsoft.com/office/drawing/2010/main" w="9525">
+                <a14:hiddenLine xmlns:a14="http://schemas.microsoft.com/office/drawing/2010/main" xmlns:p14="http://schemas.microsoft.com/office/powerpoint/2010/main" xmlns:a16="http://schemas.microsoft.com/office/drawing/2014/main" xmlns="" w="9525">
                   <a:solidFill>
                     <a:srgbClr val="000000"/>
                   </a:solidFill>
@@ -13367,7 +13343,7 @@
             </a:ln>
             <a:extLst>
               <a:ext uri="{91240B29-F687-4f45-9708-019B960494DF}">
-                <a14:hiddenLine xmlns="" xmlns:a16="http://schemas.microsoft.com/office/drawing/2014/main" xmlns:p14="http://schemas.microsoft.com/office/powerpoint/2010/main" xmlns:a14="http://schemas.microsoft.com/office/drawing/2010/main" w="9525">
+                <a14:hiddenLine xmlns:a14="http://schemas.microsoft.com/office/drawing/2010/main" xmlns:p14="http://schemas.microsoft.com/office/powerpoint/2010/main" xmlns:a16="http://schemas.microsoft.com/office/drawing/2014/main" xmlns="" w="9525">
                   <a:solidFill>
                     <a:srgbClr val="000000"/>
                   </a:solidFill>
@@ -13444,7 +13420,7 @@
             </a:ln>
             <a:extLst>
               <a:ext uri="{91240B29-F687-4f45-9708-019B960494DF}">
-                <a14:hiddenLine xmlns="" xmlns:a16="http://schemas.microsoft.com/office/drawing/2014/main" xmlns:p14="http://schemas.microsoft.com/office/powerpoint/2010/main" xmlns:a14="http://schemas.microsoft.com/office/drawing/2010/main" w="9525">
+                <a14:hiddenLine xmlns:a14="http://schemas.microsoft.com/office/drawing/2010/main" xmlns:p14="http://schemas.microsoft.com/office/powerpoint/2010/main" xmlns:a16="http://schemas.microsoft.com/office/drawing/2014/main" xmlns="" w="9525">
                   <a:solidFill>
                     <a:srgbClr val="000000"/>
                   </a:solidFill>
@@ -13521,7 +13497,7 @@
             </a:ln>
             <a:extLst>
               <a:ext uri="{91240B29-F687-4f45-9708-019B960494DF}">
-                <a14:hiddenLine xmlns="" xmlns:a16="http://schemas.microsoft.com/office/drawing/2014/main" xmlns:p14="http://schemas.microsoft.com/office/powerpoint/2010/main" xmlns:a14="http://schemas.microsoft.com/office/drawing/2010/main" w="9525">
+                <a14:hiddenLine xmlns:a14="http://schemas.microsoft.com/office/drawing/2010/main" xmlns:p14="http://schemas.microsoft.com/office/powerpoint/2010/main" xmlns:a16="http://schemas.microsoft.com/office/drawing/2014/main" xmlns="" w="9525">
                   <a:solidFill>
                     <a:srgbClr val="000000"/>
                   </a:solidFill>
@@ -13626,7 +13602,7 @@
             </a:ln>
             <a:extLst>
               <a:ext uri="{91240B29-F687-4f45-9708-019B960494DF}">
-                <a14:hiddenLine xmlns="" xmlns:a16="http://schemas.microsoft.com/office/drawing/2014/main" xmlns:p14="http://schemas.microsoft.com/office/powerpoint/2010/main" xmlns:a14="http://schemas.microsoft.com/office/drawing/2010/main" w="9525">
+                <a14:hiddenLine xmlns:a14="http://schemas.microsoft.com/office/drawing/2010/main" xmlns:p14="http://schemas.microsoft.com/office/powerpoint/2010/main" xmlns:a16="http://schemas.microsoft.com/office/drawing/2014/main" xmlns="" w="9525">
                   <a:solidFill>
                     <a:srgbClr val="000000"/>
                   </a:solidFill>
@@ -13731,7 +13707,7 @@
             </a:ln>
             <a:extLst>
               <a:ext uri="{91240B29-F687-4f45-9708-019B960494DF}">
-                <a14:hiddenLine xmlns="" xmlns:a16="http://schemas.microsoft.com/office/drawing/2014/main" xmlns:p14="http://schemas.microsoft.com/office/powerpoint/2010/main" xmlns:a14="http://schemas.microsoft.com/office/drawing/2010/main" w="9525">
+                <a14:hiddenLine xmlns:a14="http://schemas.microsoft.com/office/drawing/2010/main" xmlns:p14="http://schemas.microsoft.com/office/powerpoint/2010/main" xmlns:a16="http://schemas.microsoft.com/office/drawing/2014/main" xmlns="" w="9525">
                   <a:solidFill>
                     <a:srgbClr val="000000"/>
                   </a:solidFill>
@@ -13808,7 +13784,7 @@
             </a:ln>
             <a:extLst>
               <a:ext uri="{91240B29-F687-4f45-9708-019B960494DF}">
-                <a14:hiddenLine xmlns="" xmlns:a16="http://schemas.microsoft.com/office/drawing/2014/main" xmlns:p14="http://schemas.microsoft.com/office/powerpoint/2010/main" xmlns:a14="http://schemas.microsoft.com/office/drawing/2010/main" w="9525">
+                <a14:hiddenLine xmlns:a14="http://schemas.microsoft.com/office/drawing/2010/main" xmlns:p14="http://schemas.microsoft.com/office/powerpoint/2010/main" xmlns:a16="http://schemas.microsoft.com/office/drawing/2014/main" xmlns="" w="9525">
                   <a:solidFill>
                     <a:srgbClr val="000000"/>
                   </a:solidFill>
@@ -13933,7 +13909,7 @@
             </a:ln>
             <a:extLst>
               <a:ext uri="{91240B29-F687-4f45-9708-019B960494DF}">
-                <a14:hiddenLine xmlns="" xmlns:a16="http://schemas.microsoft.com/office/drawing/2014/main" xmlns:p14="http://schemas.microsoft.com/office/powerpoint/2010/main" xmlns:a14="http://schemas.microsoft.com/office/drawing/2010/main" w="9525">
+                <a14:hiddenLine xmlns:a14="http://schemas.microsoft.com/office/drawing/2010/main" xmlns:p14="http://schemas.microsoft.com/office/powerpoint/2010/main" xmlns:a16="http://schemas.microsoft.com/office/drawing/2014/main" xmlns="" w="9525">
                   <a:solidFill>
                     <a:srgbClr val="000000"/>
                   </a:solidFill>
@@ -14047,7 +14023,7 @@
             </a:ln>
             <a:extLst>
               <a:ext uri="{91240B29-F687-4f45-9708-019B960494DF}">
-                <a14:hiddenLine xmlns="" xmlns:a16="http://schemas.microsoft.com/office/drawing/2014/main" xmlns:p14="http://schemas.microsoft.com/office/powerpoint/2010/main" xmlns:a14="http://schemas.microsoft.com/office/drawing/2010/main" w="9525">
+                <a14:hiddenLine xmlns:a14="http://schemas.microsoft.com/office/drawing/2010/main" xmlns:p14="http://schemas.microsoft.com/office/powerpoint/2010/main" xmlns:a16="http://schemas.microsoft.com/office/drawing/2014/main" xmlns="" w="9525">
                   <a:solidFill>
                     <a:srgbClr val="000000"/>
                   </a:solidFill>
@@ -14124,7 +14100,7 @@
             </a:ln>
             <a:extLst>
               <a:ext uri="{91240B29-F687-4f45-9708-019B960494DF}">
-                <a14:hiddenLine xmlns="" xmlns:a16="http://schemas.microsoft.com/office/drawing/2014/main" xmlns:p14="http://schemas.microsoft.com/office/powerpoint/2010/main" xmlns:a14="http://schemas.microsoft.com/office/drawing/2010/main" w="9525">
+                <a14:hiddenLine xmlns:a14="http://schemas.microsoft.com/office/drawing/2010/main" xmlns:p14="http://schemas.microsoft.com/office/powerpoint/2010/main" xmlns:a16="http://schemas.microsoft.com/office/drawing/2014/main" xmlns="" w="9525">
                   <a:solidFill>
                     <a:srgbClr val="000000"/>
                   </a:solidFill>
@@ -14201,7 +14177,7 @@
             </a:ln>
             <a:extLst>
               <a:ext uri="{91240B29-F687-4f45-9708-019B960494DF}">
-                <a14:hiddenLine xmlns="" xmlns:a16="http://schemas.microsoft.com/office/drawing/2014/main" xmlns:p14="http://schemas.microsoft.com/office/powerpoint/2010/main" xmlns:a14="http://schemas.microsoft.com/office/drawing/2010/main" w="9525">
+                <a14:hiddenLine xmlns:a14="http://schemas.microsoft.com/office/drawing/2010/main" xmlns:p14="http://schemas.microsoft.com/office/powerpoint/2010/main" xmlns:a16="http://schemas.microsoft.com/office/drawing/2014/main" xmlns="" w="9525">
                   <a:solidFill>
                     <a:srgbClr val="000000"/>
                   </a:solidFill>
@@ -14306,7 +14282,7 @@
             </a:ln>
             <a:extLst>
               <a:ext uri="{91240B29-F687-4f45-9708-019B960494DF}">
-                <a14:hiddenLine xmlns="" xmlns:a16="http://schemas.microsoft.com/office/drawing/2014/main" xmlns:p14="http://schemas.microsoft.com/office/powerpoint/2010/main" xmlns:a14="http://schemas.microsoft.com/office/drawing/2010/main" w="9525">
+                <a14:hiddenLine xmlns:a14="http://schemas.microsoft.com/office/drawing/2010/main" xmlns:p14="http://schemas.microsoft.com/office/powerpoint/2010/main" xmlns:a16="http://schemas.microsoft.com/office/drawing/2014/main" xmlns="" w="9525">
                   <a:solidFill>
                     <a:srgbClr val="000000"/>
                   </a:solidFill>
@@ -14355,7 +14331,7 @@
             </a:ln>
             <a:extLst>
               <a:ext uri="{91240B29-F687-4f45-9708-019B960494DF}">
-                <a14:hiddenLine xmlns="" xmlns:a16="http://schemas.microsoft.com/office/drawing/2014/main" xmlns:p14="http://schemas.microsoft.com/office/powerpoint/2010/main" xmlns:a14="http://schemas.microsoft.com/office/drawing/2010/main" w="9525">
+                <a14:hiddenLine xmlns:a14="http://schemas.microsoft.com/office/drawing/2010/main" xmlns:p14="http://schemas.microsoft.com/office/powerpoint/2010/main" xmlns:a16="http://schemas.microsoft.com/office/drawing/2014/main" xmlns="" w="9525">
                   <a:solidFill>
                     <a:srgbClr val="000000"/>
                   </a:solidFill>
@@ -14435,7 +14411,7 @@
             </a:ln>
             <a:extLst>
               <a:ext uri="{91240B29-F687-4f45-9708-019B960494DF}">
-                <a14:hiddenLine xmlns="" xmlns:a16="http://schemas.microsoft.com/office/drawing/2014/main" xmlns:p14="http://schemas.microsoft.com/office/powerpoint/2010/main" xmlns:a14="http://schemas.microsoft.com/office/drawing/2010/main" w="9525">
+                <a14:hiddenLine xmlns:a14="http://schemas.microsoft.com/office/drawing/2010/main" xmlns:p14="http://schemas.microsoft.com/office/powerpoint/2010/main" xmlns:a16="http://schemas.microsoft.com/office/drawing/2014/main" xmlns="" w="9525">
                   <a:solidFill>
                     <a:srgbClr val="000000"/>
                   </a:solidFill>
@@ -14540,7 +14516,7 @@
             </a:ln>
             <a:extLst>
               <a:ext uri="{91240B29-F687-4f45-9708-019B960494DF}">
-                <a14:hiddenLine xmlns="" xmlns:a16="http://schemas.microsoft.com/office/drawing/2014/main" xmlns:p14="http://schemas.microsoft.com/office/powerpoint/2010/main" xmlns:a14="http://schemas.microsoft.com/office/drawing/2010/main" w="9525">
+                <a14:hiddenLine xmlns:a14="http://schemas.microsoft.com/office/drawing/2010/main" xmlns:p14="http://schemas.microsoft.com/office/powerpoint/2010/main" xmlns:a16="http://schemas.microsoft.com/office/drawing/2014/main" xmlns="" w="9525">
                   <a:solidFill>
                     <a:srgbClr val="000000"/>
                   </a:solidFill>
@@ -14617,7 +14593,7 @@
             </a:ln>
             <a:extLst>
               <a:ext uri="{91240B29-F687-4f45-9708-019B960494DF}">
-                <a14:hiddenLine xmlns="" xmlns:a16="http://schemas.microsoft.com/office/drawing/2014/main" xmlns:p14="http://schemas.microsoft.com/office/powerpoint/2010/main" xmlns:a14="http://schemas.microsoft.com/office/drawing/2010/main" w="9525">
+                <a14:hiddenLine xmlns:a14="http://schemas.microsoft.com/office/drawing/2010/main" xmlns:p14="http://schemas.microsoft.com/office/powerpoint/2010/main" xmlns:a16="http://schemas.microsoft.com/office/drawing/2014/main" xmlns="" w="9525">
                   <a:solidFill>
                     <a:srgbClr val="000000"/>
                   </a:solidFill>
@@ -14722,7 +14698,7 @@
             </a:ln>
             <a:extLst>
               <a:ext uri="{91240B29-F687-4f45-9708-019B960494DF}">
-                <a14:hiddenLine xmlns="" xmlns:a16="http://schemas.microsoft.com/office/drawing/2014/main" xmlns:p14="http://schemas.microsoft.com/office/powerpoint/2010/main" xmlns:a14="http://schemas.microsoft.com/office/drawing/2010/main" w="9525">
+                <a14:hiddenLine xmlns:a14="http://schemas.microsoft.com/office/drawing/2010/main" xmlns:p14="http://schemas.microsoft.com/office/powerpoint/2010/main" xmlns:a16="http://schemas.microsoft.com/office/drawing/2014/main" xmlns="" w="9525">
                   <a:solidFill>
                     <a:srgbClr val="000000"/>
                   </a:solidFill>
@@ -14802,7 +14778,7 @@
             </a:ln>
             <a:extLst>
               <a:ext uri="{91240B29-F687-4f45-9708-019B960494DF}">
-                <a14:hiddenLine xmlns="" xmlns:a16="http://schemas.microsoft.com/office/drawing/2014/main" xmlns:p14="http://schemas.microsoft.com/office/powerpoint/2010/main" xmlns:a14="http://schemas.microsoft.com/office/drawing/2010/main" w="9525">
+                <a14:hiddenLine xmlns:a14="http://schemas.microsoft.com/office/drawing/2010/main" xmlns:p14="http://schemas.microsoft.com/office/powerpoint/2010/main" xmlns:a16="http://schemas.microsoft.com/office/drawing/2014/main" xmlns="" w="9525">
                   <a:solidFill>
                     <a:srgbClr val="000000"/>
                   </a:solidFill>
@@ -14879,7 +14855,7 @@
             </a:ln>
             <a:extLst>
               <a:ext uri="{91240B29-F687-4f45-9708-019B960494DF}">
-                <a14:hiddenLine xmlns="" xmlns:a16="http://schemas.microsoft.com/office/drawing/2014/main" xmlns:p14="http://schemas.microsoft.com/office/powerpoint/2010/main" xmlns:a14="http://schemas.microsoft.com/office/drawing/2010/main" w="9525">
+                <a14:hiddenLine xmlns:a14="http://schemas.microsoft.com/office/drawing/2010/main" xmlns:p14="http://schemas.microsoft.com/office/powerpoint/2010/main" xmlns:a16="http://schemas.microsoft.com/office/drawing/2014/main" xmlns="" w="9525">
                   <a:solidFill>
                     <a:srgbClr val="000000"/>
                   </a:solidFill>
@@ -14984,7 +14960,7 @@
             </a:ln>
             <a:extLst>
               <a:ext uri="{91240B29-F687-4f45-9708-019B960494DF}">
-                <a14:hiddenLine xmlns="" xmlns:a16="http://schemas.microsoft.com/office/drawing/2014/main" xmlns:p14="http://schemas.microsoft.com/office/powerpoint/2010/main" xmlns:a14="http://schemas.microsoft.com/office/drawing/2010/main" w="9525">
+                <a14:hiddenLine xmlns:a14="http://schemas.microsoft.com/office/drawing/2010/main" xmlns:p14="http://schemas.microsoft.com/office/powerpoint/2010/main" xmlns:a16="http://schemas.microsoft.com/office/drawing/2014/main" xmlns="" w="9525">
                   <a:solidFill>
                     <a:srgbClr val="000000"/>
                   </a:solidFill>
@@ -15089,7 +15065,7 @@
             </a:ln>
             <a:extLst>
               <a:ext uri="{91240B29-F687-4f45-9708-019B960494DF}">
-                <a14:hiddenLine xmlns="" xmlns:a16="http://schemas.microsoft.com/office/drawing/2014/main" xmlns:p14="http://schemas.microsoft.com/office/powerpoint/2010/main" xmlns:a14="http://schemas.microsoft.com/office/drawing/2010/main" w="9525">
+                <a14:hiddenLine xmlns:a14="http://schemas.microsoft.com/office/drawing/2010/main" xmlns:p14="http://schemas.microsoft.com/office/powerpoint/2010/main" xmlns:a16="http://schemas.microsoft.com/office/drawing/2014/main" xmlns="" w="9525">
                   <a:solidFill>
                     <a:srgbClr val="000000"/>
                   </a:solidFill>
@@ -15169,7 +15145,7 @@
             </a:ln>
             <a:extLst>
               <a:ext uri="{91240B29-F687-4f45-9708-019B960494DF}">
-                <a14:hiddenLine xmlns="" xmlns:a16="http://schemas.microsoft.com/office/drawing/2014/main" xmlns:p14="http://schemas.microsoft.com/office/powerpoint/2010/main" xmlns:a14="http://schemas.microsoft.com/office/drawing/2010/main" w="9525">
+                <a14:hiddenLine xmlns:a14="http://schemas.microsoft.com/office/drawing/2010/main" xmlns:p14="http://schemas.microsoft.com/office/powerpoint/2010/main" xmlns:a16="http://schemas.microsoft.com/office/drawing/2014/main" xmlns="" w="9525">
                   <a:solidFill>
                     <a:srgbClr val="000000"/>
                   </a:solidFill>
@@ -15304,7 +15280,7 @@
             </a:ln>
             <a:extLst>
               <a:ext uri="{91240B29-F687-4f45-9708-019B960494DF}">
-                <a14:hiddenLine xmlns="" xmlns:a16="http://schemas.microsoft.com/office/drawing/2014/main" xmlns:p14="http://schemas.microsoft.com/office/powerpoint/2010/main" xmlns:a14="http://schemas.microsoft.com/office/drawing/2010/main" w="9525">
+                <a14:hiddenLine xmlns:a14="http://schemas.microsoft.com/office/drawing/2010/main" xmlns:p14="http://schemas.microsoft.com/office/powerpoint/2010/main" xmlns:a16="http://schemas.microsoft.com/office/drawing/2014/main" xmlns="" w="9525">
                   <a:solidFill>
                     <a:srgbClr val="000000"/>
                   </a:solidFill>
@@ -15317,6 +15293,66 @@
           </p:spPr>
         </p:sp>
       </p:grpSp>
+      <p:pic>
+        <p:nvPicPr>
+          <p:cNvPr id="4" name="Grafik 3">
+            <a:extLst>
+              <a:ext uri="{FF2B5EF4-FFF2-40B4-BE49-F238E27FC236}">
+                <a16:creationId xmlns:a16="http://schemas.microsoft.com/office/drawing/2014/main" id="{75CA8A08-5AD6-40FE-8DEB-521B4C88AEB9}"/>
+              </a:ext>
+            </a:extLst>
+          </p:cNvPr>
+          <p:cNvPicPr>
+            <a:picLocks noChangeAspect="1"/>
+          </p:cNvPicPr>
+          <p:nvPr/>
+        </p:nvPicPr>
+        <p:blipFill>
+          <a:blip r:embed="rId4"/>
+          <a:stretch>
+            <a:fillRect/>
+          </a:stretch>
+        </p:blipFill>
+        <p:spPr>
+          <a:xfrm>
+            <a:off x="5834817" y="1853454"/>
+            <a:ext cx="5707264" cy="1570342"/>
+          </a:xfrm>
+          <a:prstGeom prst="rect">
+            <a:avLst/>
+          </a:prstGeom>
+        </p:spPr>
+      </p:pic>
+      <p:pic>
+        <p:nvPicPr>
+          <p:cNvPr id="6" name="Grafik 5">
+            <a:extLst>
+              <a:ext uri="{FF2B5EF4-FFF2-40B4-BE49-F238E27FC236}">
+                <a16:creationId xmlns:a16="http://schemas.microsoft.com/office/drawing/2014/main" id="{FCEC72D0-CF28-44B6-8556-24C14DB104B1}"/>
+              </a:ext>
+            </a:extLst>
+          </p:cNvPr>
+          <p:cNvPicPr>
+            <a:picLocks noChangeAspect="1"/>
+          </p:cNvPicPr>
+          <p:nvPr/>
+        </p:nvPicPr>
+        <p:blipFill>
+          <a:blip r:embed="rId5"/>
+          <a:stretch>
+            <a:fillRect/>
+          </a:stretch>
+        </p:blipFill>
+        <p:spPr>
+          <a:xfrm>
+            <a:off x="5924548" y="3801045"/>
+            <a:ext cx="5527802" cy="2679706"/>
+          </a:xfrm>
+          <a:prstGeom prst="rect">
+            <a:avLst/>
+          </a:prstGeom>
+        </p:spPr>
+      </p:pic>
     </p:spTree>
     <p:extLst>
       <p:ext uri="{BB962C8B-B14F-4D97-AF65-F5344CB8AC3E}">

--- a/Präsentation_prototyp/Präsentation_prototyp_siai.pptx
+++ b/Präsentation_prototyp/Präsentation_prototyp_siai.pptx
@@ -7,7 +7,8 @@
   <p:sldIdLst>
     <p:sldId id="257" r:id="rId2"/>
     <p:sldId id="258" r:id="rId3"/>
-    <p:sldId id="259" r:id="rId4"/>
+    <p:sldId id="260" r:id="rId4"/>
+    <p:sldId id="259" r:id="rId5"/>
   </p:sldIdLst>
   <p:sldSz cx="12192000" cy="6858000"/>
   <p:notesSz cx="6858000" cy="9144000"/>
@@ -164,7 +165,7 @@
           <a:noFill/>
           <a:extLst>
             <a:ext uri="{909E8E84-426E-40dd-AFC4-6F175D3DCCD1}">
-              <a14:hiddenFill xmlns:a14="http://schemas.microsoft.com/office/drawing/2010/main" xmlns="">
+              <a14:hiddenFill xmlns="" xmlns:a14="http://schemas.microsoft.com/office/drawing/2010/main">
                 <a:solidFill>
                   <a:srgbClr val="FFFFFF"/>
                 </a:solidFill>
@@ -224,7 +225,7 @@
             </a:ln>
             <a:extLst>
               <a:ext uri="{91240B29-F687-4f45-9708-019B960494DF}">
-                <a14:hiddenLine xmlns:a14="http://schemas.microsoft.com/office/drawing/2010/main" xmlns="" w="9525">
+                <a14:hiddenLine xmlns="" xmlns:a14="http://schemas.microsoft.com/office/drawing/2010/main" w="9525">
                   <a:solidFill>
                     <a:srgbClr val="000000"/>
                   </a:solidFill>
@@ -314,7 +315,7 @@
             </a:ln>
             <a:extLst>
               <a:ext uri="{91240B29-F687-4f45-9708-019B960494DF}">
-                <a14:hiddenLine xmlns:a14="http://schemas.microsoft.com/office/drawing/2010/main" xmlns="" w="9525">
+                <a14:hiddenLine xmlns="" xmlns:a14="http://schemas.microsoft.com/office/drawing/2010/main" w="9525">
                   <a:solidFill>
                     <a:srgbClr val="000000"/>
                   </a:solidFill>
@@ -404,7 +405,7 @@
             </a:ln>
             <a:extLst>
               <a:ext uri="{91240B29-F687-4f45-9708-019B960494DF}">
-                <a14:hiddenLine xmlns:a14="http://schemas.microsoft.com/office/drawing/2010/main" xmlns="" w="9525">
+                <a14:hiddenLine xmlns="" xmlns:a14="http://schemas.microsoft.com/office/drawing/2010/main" w="9525">
                   <a:solidFill>
                     <a:srgbClr val="000000"/>
                   </a:solidFill>
@@ -438,7 +439,7 @@
             </a:ln>
             <a:extLst>
               <a:ext uri="{91240B29-F687-4f45-9708-019B960494DF}">
-                <a14:hiddenLine xmlns:a14="http://schemas.microsoft.com/office/drawing/2010/main" xmlns="" w="9525">
+                <a14:hiddenLine xmlns="" xmlns:a14="http://schemas.microsoft.com/office/drawing/2010/main" w="9525">
                   <a:solidFill>
                     <a:srgbClr val="000000"/>
                   </a:solidFill>
@@ -528,7 +529,7 @@
             </a:ln>
             <a:extLst>
               <a:ext uri="{91240B29-F687-4f45-9708-019B960494DF}">
-                <a14:hiddenLine xmlns:a14="http://schemas.microsoft.com/office/drawing/2010/main" xmlns="" w="9525">
+                <a14:hiddenLine xmlns="" xmlns:a14="http://schemas.microsoft.com/office/drawing/2010/main" w="9525">
                   <a:solidFill>
                     <a:srgbClr val="000000"/>
                   </a:solidFill>
@@ -590,7 +591,7 @@
             </a:ln>
             <a:extLst>
               <a:ext uri="{91240B29-F687-4f45-9708-019B960494DF}">
-                <a14:hiddenLine xmlns:a14="http://schemas.microsoft.com/office/drawing/2010/main" xmlns="" w="9525">
+                <a14:hiddenLine xmlns="" xmlns:a14="http://schemas.microsoft.com/office/drawing/2010/main" w="9525">
                   <a:solidFill>
                     <a:srgbClr val="000000"/>
                   </a:solidFill>
@@ -652,7 +653,7 @@
             </a:ln>
             <a:extLst>
               <a:ext uri="{91240B29-F687-4f45-9708-019B960494DF}">
-                <a14:hiddenLine xmlns:a14="http://schemas.microsoft.com/office/drawing/2010/main" xmlns="" w="9525">
+                <a14:hiddenLine xmlns="" xmlns:a14="http://schemas.microsoft.com/office/drawing/2010/main" w="9525">
                   <a:solidFill>
                     <a:srgbClr val="000000"/>
                   </a:solidFill>
@@ -742,7 +743,7 @@
             </a:ln>
             <a:extLst>
               <a:ext uri="{91240B29-F687-4f45-9708-019B960494DF}">
-                <a14:hiddenLine xmlns:a14="http://schemas.microsoft.com/office/drawing/2010/main" xmlns="" w="9525">
+                <a14:hiddenLine xmlns="" xmlns:a14="http://schemas.microsoft.com/office/drawing/2010/main" w="9525">
                   <a:solidFill>
                     <a:srgbClr val="000000"/>
                   </a:solidFill>
@@ -804,7 +805,7 @@
             </a:ln>
             <a:extLst>
               <a:ext uri="{91240B29-F687-4f45-9708-019B960494DF}">
-                <a14:hiddenLine xmlns:a14="http://schemas.microsoft.com/office/drawing/2010/main" xmlns="" w="9525">
+                <a14:hiddenLine xmlns="" xmlns:a14="http://schemas.microsoft.com/office/drawing/2010/main" w="9525">
                   <a:solidFill>
                     <a:srgbClr val="000000"/>
                   </a:solidFill>
@@ -866,7 +867,7 @@
             </a:ln>
             <a:extLst>
               <a:ext uri="{91240B29-F687-4f45-9708-019B960494DF}">
-                <a14:hiddenLine xmlns:a14="http://schemas.microsoft.com/office/drawing/2010/main" xmlns="" w="9525">
+                <a14:hiddenLine xmlns="" xmlns:a14="http://schemas.microsoft.com/office/drawing/2010/main" w="9525">
                   <a:solidFill>
                     <a:srgbClr val="000000"/>
                   </a:solidFill>
@@ -956,7 +957,7 @@
             </a:ln>
             <a:extLst>
               <a:ext uri="{91240B29-F687-4f45-9708-019B960494DF}">
-                <a14:hiddenLine xmlns:a14="http://schemas.microsoft.com/office/drawing/2010/main" xmlns="" w="9525">
+                <a14:hiddenLine xmlns="" xmlns:a14="http://schemas.microsoft.com/office/drawing/2010/main" w="9525">
                   <a:solidFill>
                     <a:srgbClr val="000000"/>
                   </a:solidFill>
@@ -1046,7 +1047,7 @@
             </a:ln>
             <a:extLst>
               <a:ext uri="{91240B29-F687-4f45-9708-019B960494DF}">
-                <a14:hiddenLine xmlns:a14="http://schemas.microsoft.com/office/drawing/2010/main" xmlns="" w="9525">
+                <a14:hiddenLine xmlns="" xmlns:a14="http://schemas.microsoft.com/office/drawing/2010/main" w="9525">
                   <a:solidFill>
                     <a:srgbClr val="000000"/>
                   </a:solidFill>
@@ -1108,7 +1109,7 @@
             </a:ln>
             <a:extLst>
               <a:ext uri="{91240B29-F687-4f45-9708-019B960494DF}">
-                <a14:hiddenLine xmlns:a14="http://schemas.microsoft.com/office/drawing/2010/main" xmlns="" w="9525">
+                <a14:hiddenLine xmlns="" xmlns:a14="http://schemas.microsoft.com/office/drawing/2010/main" w="9525">
                   <a:solidFill>
                     <a:srgbClr val="000000"/>
                   </a:solidFill>
@@ -1218,7 +1219,7 @@
             </a:ln>
             <a:extLst>
               <a:ext uri="{91240B29-F687-4f45-9708-019B960494DF}">
-                <a14:hiddenLine xmlns:a14="http://schemas.microsoft.com/office/drawing/2010/main" xmlns="" w="9525">
+                <a14:hiddenLine xmlns="" xmlns:a14="http://schemas.microsoft.com/office/drawing/2010/main" w="9525">
                   <a:solidFill>
                     <a:srgbClr val="000000"/>
                   </a:solidFill>
@@ -1280,7 +1281,7 @@
             </a:ln>
             <a:extLst>
               <a:ext uri="{91240B29-F687-4f45-9708-019B960494DF}">
-                <a14:hiddenLine xmlns:a14="http://schemas.microsoft.com/office/drawing/2010/main" xmlns="" w="9525">
+                <a14:hiddenLine xmlns="" xmlns:a14="http://schemas.microsoft.com/office/drawing/2010/main" w="9525">
                   <a:solidFill>
                     <a:srgbClr val="000000"/>
                   </a:solidFill>
@@ -1370,7 +1371,7 @@
             </a:ln>
             <a:extLst>
               <a:ext uri="{91240B29-F687-4f45-9708-019B960494DF}">
-                <a14:hiddenLine xmlns:a14="http://schemas.microsoft.com/office/drawing/2010/main" xmlns="" w="9525">
+                <a14:hiddenLine xmlns="" xmlns:a14="http://schemas.microsoft.com/office/drawing/2010/main" w="9525">
                   <a:solidFill>
                     <a:srgbClr val="000000"/>
                   </a:solidFill>
@@ -1460,7 +1461,7 @@
             </a:ln>
             <a:extLst>
               <a:ext uri="{91240B29-F687-4f45-9708-019B960494DF}">
-                <a14:hiddenLine xmlns:a14="http://schemas.microsoft.com/office/drawing/2010/main" xmlns="" w="9525">
+                <a14:hiddenLine xmlns="" xmlns:a14="http://schemas.microsoft.com/office/drawing/2010/main" w="9525">
                   <a:solidFill>
                     <a:srgbClr val="000000"/>
                   </a:solidFill>
@@ -1522,7 +1523,7 @@
             </a:ln>
             <a:extLst>
               <a:ext uri="{91240B29-F687-4f45-9708-019B960494DF}">
-                <a14:hiddenLine xmlns:a14="http://schemas.microsoft.com/office/drawing/2010/main" xmlns="" w="9525">
+                <a14:hiddenLine xmlns="" xmlns:a14="http://schemas.microsoft.com/office/drawing/2010/main" w="9525">
                   <a:solidFill>
                     <a:srgbClr val="000000"/>
                   </a:solidFill>
@@ -1612,7 +1613,7 @@
             </a:ln>
             <a:extLst>
               <a:ext uri="{91240B29-F687-4f45-9708-019B960494DF}">
-                <a14:hiddenLine xmlns:a14="http://schemas.microsoft.com/office/drawing/2010/main" xmlns="" w="9525">
+                <a14:hiddenLine xmlns="" xmlns:a14="http://schemas.microsoft.com/office/drawing/2010/main" w="9525">
                   <a:solidFill>
                     <a:srgbClr val="000000"/>
                   </a:solidFill>
@@ -1702,7 +1703,7 @@
             </a:ln>
             <a:extLst>
               <a:ext uri="{91240B29-F687-4f45-9708-019B960494DF}">
-                <a14:hiddenLine xmlns:a14="http://schemas.microsoft.com/office/drawing/2010/main" xmlns="" w="9525">
+                <a14:hiddenLine xmlns="" xmlns:a14="http://schemas.microsoft.com/office/drawing/2010/main" w="9525">
                   <a:solidFill>
                     <a:srgbClr val="000000"/>
                   </a:solidFill>
@@ -1758,7 +1759,7 @@
             </a:ln>
             <a:extLst>
               <a:ext uri="{91240B29-F687-4f45-9708-019B960494DF}">
-                <a14:hiddenLine xmlns:a14="http://schemas.microsoft.com/office/drawing/2010/main" xmlns="" w="9525">
+                <a14:hiddenLine xmlns="" xmlns:a14="http://schemas.microsoft.com/office/drawing/2010/main" w="9525">
                   <a:solidFill>
                     <a:srgbClr val="000000"/>
                   </a:solidFill>
@@ -1848,7 +1849,7 @@
             </a:ln>
             <a:extLst>
               <a:ext uri="{91240B29-F687-4f45-9708-019B960494DF}">
-                <a14:hiddenLine xmlns:a14="http://schemas.microsoft.com/office/drawing/2010/main" xmlns="" w="9525">
+                <a14:hiddenLine xmlns="" xmlns:a14="http://schemas.microsoft.com/office/drawing/2010/main" w="9525">
                   <a:solidFill>
                     <a:srgbClr val="000000"/>
                   </a:solidFill>
@@ -1904,7 +1905,7 @@
             </a:ln>
             <a:extLst>
               <a:ext uri="{91240B29-F687-4f45-9708-019B960494DF}">
-                <a14:hiddenLine xmlns:a14="http://schemas.microsoft.com/office/drawing/2010/main" xmlns="" w="9525">
+                <a14:hiddenLine xmlns="" xmlns:a14="http://schemas.microsoft.com/office/drawing/2010/main" w="9525">
                   <a:solidFill>
                     <a:srgbClr val="000000"/>
                   </a:solidFill>
@@ -1994,7 +1995,7 @@
             </a:ln>
             <a:extLst>
               <a:ext uri="{91240B29-F687-4f45-9708-019B960494DF}">
-                <a14:hiddenLine xmlns:a14="http://schemas.microsoft.com/office/drawing/2010/main" xmlns="" w="9525">
+                <a14:hiddenLine xmlns="" xmlns:a14="http://schemas.microsoft.com/office/drawing/2010/main" w="9525">
                   <a:solidFill>
                     <a:srgbClr val="000000"/>
                   </a:solidFill>
@@ -2062,7 +2063,7 @@
             </a:ln>
             <a:extLst>
               <a:ext uri="{91240B29-F687-4f45-9708-019B960494DF}">
-                <a14:hiddenLine xmlns:a14="http://schemas.microsoft.com/office/drawing/2010/main" xmlns="" w="9525">
+                <a14:hiddenLine xmlns="" xmlns:a14="http://schemas.microsoft.com/office/drawing/2010/main" w="9525">
                   <a:solidFill>
                     <a:srgbClr val="000000"/>
                   </a:solidFill>
@@ -2152,7 +2153,7 @@
             </a:ln>
             <a:extLst>
               <a:ext uri="{91240B29-F687-4f45-9708-019B960494DF}">
-                <a14:hiddenLine xmlns:a14="http://schemas.microsoft.com/office/drawing/2010/main" xmlns="" w="9525">
+                <a14:hiddenLine xmlns="" xmlns:a14="http://schemas.microsoft.com/office/drawing/2010/main" w="9525">
                   <a:solidFill>
                     <a:srgbClr val="000000"/>
                   </a:solidFill>
@@ -2220,7 +2221,7 @@
             </a:ln>
             <a:extLst>
               <a:ext uri="{91240B29-F687-4f45-9708-019B960494DF}">
-                <a14:hiddenLine xmlns:a14="http://schemas.microsoft.com/office/drawing/2010/main" xmlns="" w="9525">
+                <a14:hiddenLine xmlns="" xmlns:a14="http://schemas.microsoft.com/office/drawing/2010/main" w="9525">
                   <a:solidFill>
                     <a:srgbClr val="000000"/>
                   </a:solidFill>
@@ -2310,7 +2311,7 @@
             </a:ln>
             <a:extLst>
               <a:ext uri="{91240B29-F687-4f45-9708-019B960494DF}">
-                <a14:hiddenLine xmlns:a14="http://schemas.microsoft.com/office/drawing/2010/main" xmlns="" w="9525">
+                <a14:hiddenLine xmlns="" xmlns:a14="http://schemas.microsoft.com/office/drawing/2010/main" w="9525">
                   <a:solidFill>
                     <a:srgbClr val="000000"/>
                   </a:solidFill>
@@ -2344,7 +2345,7 @@
             </a:ln>
             <a:extLst>
               <a:ext uri="{91240B29-F687-4f45-9708-019B960494DF}">
-                <a14:hiddenLine xmlns:a14="http://schemas.microsoft.com/office/drawing/2010/main" xmlns="" w="9525">
+                <a14:hiddenLine xmlns="" xmlns:a14="http://schemas.microsoft.com/office/drawing/2010/main" w="9525">
                   <a:solidFill>
                     <a:srgbClr val="000000"/>
                   </a:solidFill>
@@ -2434,7 +2435,7 @@
             </a:ln>
             <a:extLst>
               <a:ext uri="{91240B29-F687-4f45-9708-019B960494DF}">
-                <a14:hiddenLine xmlns:a14="http://schemas.microsoft.com/office/drawing/2010/main" xmlns="" w="9525">
+                <a14:hiddenLine xmlns="" xmlns:a14="http://schemas.microsoft.com/office/drawing/2010/main" w="9525">
                   <a:solidFill>
                     <a:srgbClr val="000000"/>
                   </a:solidFill>
@@ -2496,7 +2497,7 @@
             </a:ln>
             <a:extLst>
               <a:ext uri="{91240B29-F687-4f45-9708-019B960494DF}">
-                <a14:hiddenLine xmlns:a14="http://schemas.microsoft.com/office/drawing/2010/main" xmlns="" w="9525">
+                <a14:hiddenLine xmlns="" xmlns:a14="http://schemas.microsoft.com/office/drawing/2010/main" w="9525">
                   <a:solidFill>
                     <a:srgbClr val="000000"/>
                   </a:solidFill>
@@ -2558,7 +2559,7 @@
             </a:ln>
             <a:extLst>
               <a:ext uri="{91240B29-F687-4f45-9708-019B960494DF}">
-                <a14:hiddenLine xmlns:a14="http://schemas.microsoft.com/office/drawing/2010/main" xmlns="" w="9525">
+                <a14:hiddenLine xmlns="" xmlns:a14="http://schemas.microsoft.com/office/drawing/2010/main" w="9525">
                   <a:solidFill>
                     <a:srgbClr val="000000"/>
                   </a:solidFill>
@@ -2648,7 +2649,7 @@
             </a:ln>
             <a:extLst>
               <a:ext uri="{91240B29-F687-4f45-9708-019B960494DF}">
-                <a14:hiddenLine xmlns:a14="http://schemas.microsoft.com/office/drawing/2010/main" xmlns="" w="9525">
+                <a14:hiddenLine xmlns="" xmlns:a14="http://schemas.microsoft.com/office/drawing/2010/main" w="9525">
                   <a:solidFill>
                     <a:srgbClr val="000000"/>
                   </a:solidFill>
@@ -2716,7 +2717,7 @@
             </a:ln>
             <a:extLst>
               <a:ext uri="{91240B29-F687-4f45-9708-019B960494DF}">
-                <a14:hiddenLine xmlns:a14="http://schemas.microsoft.com/office/drawing/2010/main" xmlns="" w="9525">
+                <a14:hiddenLine xmlns="" xmlns:a14="http://schemas.microsoft.com/office/drawing/2010/main" w="9525">
                   <a:solidFill>
                     <a:srgbClr val="000000"/>
                   </a:solidFill>
@@ -2778,7 +2779,7 @@
             </a:ln>
             <a:extLst>
               <a:ext uri="{91240B29-F687-4f45-9708-019B960494DF}">
-                <a14:hiddenLine xmlns:a14="http://schemas.microsoft.com/office/drawing/2010/main" xmlns="" w="9525">
+                <a14:hiddenLine xmlns="" xmlns:a14="http://schemas.microsoft.com/office/drawing/2010/main" w="9525">
                   <a:solidFill>
                     <a:srgbClr val="000000"/>
                   </a:solidFill>
@@ -2868,7 +2869,7 @@
             </a:ln>
             <a:extLst>
               <a:ext uri="{91240B29-F687-4f45-9708-019B960494DF}">
-                <a14:hiddenLine xmlns:a14="http://schemas.microsoft.com/office/drawing/2010/main" xmlns="" w="9525">
+                <a14:hiddenLine xmlns="" xmlns:a14="http://schemas.microsoft.com/office/drawing/2010/main" w="9525">
                   <a:solidFill>
                     <a:srgbClr val="000000"/>
                   </a:solidFill>
@@ -2930,7 +2931,7 @@
             </a:ln>
             <a:extLst>
               <a:ext uri="{91240B29-F687-4f45-9708-019B960494DF}">
-                <a14:hiddenLine xmlns:a14="http://schemas.microsoft.com/office/drawing/2010/main" xmlns="" w="9525">
+                <a14:hiddenLine xmlns="" xmlns:a14="http://schemas.microsoft.com/office/drawing/2010/main" w="9525">
                   <a:solidFill>
                     <a:srgbClr val="000000"/>
                   </a:solidFill>
@@ -3020,7 +3021,7 @@
             </a:ln>
             <a:extLst>
               <a:ext uri="{91240B29-F687-4f45-9708-019B960494DF}">
-                <a14:hiddenLine xmlns:a14="http://schemas.microsoft.com/office/drawing/2010/main" xmlns="" w="9525">
+                <a14:hiddenLine xmlns="" xmlns:a14="http://schemas.microsoft.com/office/drawing/2010/main" w="9525">
                   <a:solidFill>
                     <a:srgbClr val="000000"/>
                   </a:solidFill>
@@ -3082,7 +3083,7 @@
             </a:ln>
             <a:extLst>
               <a:ext uri="{91240B29-F687-4f45-9708-019B960494DF}">
-                <a14:hiddenLine xmlns:a14="http://schemas.microsoft.com/office/drawing/2010/main" xmlns="" w="9525">
+                <a14:hiddenLine xmlns="" xmlns:a14="http://schemas.microsoft.com/office/drawing/2010/main" w="9525">
                   <a:solidFill>
                     <a:srgbClr val="000000"/>
                   </a:solidFill>
@@ -3172,7 +3173,7 @@
             </a:ln>
             <a:extLst>
               <a:ext uri="{91240B29-F687-4f45-9708-019B960494DF}">
-                <a14:hiddenLine xmlns:a14="http://schemas.microsoft.com/office/drawing/2010/main" xmlns="" w="9525">
+                <a14:hiddenLine xmlns="" xmlns:a14="http://schemas.microsoft.com/office/drawing/2010/main" w="9525">
                   <a:solidFill>
                     <a:srgbClr val="000000"/>
                   </a:solidFill>
@@ -3206,7 +3207,7 @@
             </a:ln>
             <a:extLst>
               <a:ext uri="{91240B29-F687-4f45-9708-019B960494DF}">
-                <a14:hiddenLine xmlns:a14="http://schemas.microsoft.com/office/drawing/2010/main" xmlns="" w="9525">
+                <a14:hiddenLine xmlns="" xmlns:a14="http://schemas.microsoft.com/office/drawing/2010/main" w="9525">
                   <a:solidFill>
                     <a:srgbClr val="000000"/>
                   </a:solidFill>
@@ -3271,7 +3272,7 @@
             </a:ln>
             <a:extLst>
               <a:ext uri="{91240B29-F687-4f45-9708-019B960494DF}">
-                <a14:hiddenLine xmlns:a14="http://schemas.microsoft.com/office/drawing/2010/main" xmlns="" w="9525">
+                <a14:hiddenLine xmlns="" xmlns:a14="http://schemas.microsoft.com/office/drawing/2010/main" w="9525">
                   <a:solidFill>
                     <a:srgbClr val="000000"/>
                   </a:solidFill>
@@ -3361,7 +3362,7 @@
             </a:ln>
             <a:extLst>
               <a:ext uri="{91240B29-F687-4f45-9708-019B960494DF}">
-                <a14:hiddenLine xmlns:a14="http://schemas.microsoft.com/office/drawing/2010/main" xmlns="" w="9525">
+                <a14:hiddenLine xmlns="" xmlns:a14="http://schemas.microsoft.com/office/drawing/2010/main" w="9525">
                   <a:solidFill>
                     <a:srgbClr val="000000"/>
                   </a:solidFill>
@@ -3423,7 +3424,7 @@
             </a:ln>
             <a:extLst>
               <a:ext uri="{91240B29-F687-4f45-9708-019B960494DF}">
-                <a14:hiddenLine xmlns:a14="http://schemas.microsoft.com/office/drawing/2010/main" xmlns="" w="9525">
+                <a14:hiddenLine xmlns="" xmlns:a14="http://schemas.microsoft.com/office/drawing/2010/main" w="9525">
                   <a:solidFill>
                     <a:srgbClr val="000000"/>
                   </a:solidFill>
@@ -3513,7 +3514,7 @@
             </a:ln>
             <a:extLst>
               <a:ext uri="{91240B29-F687-4f45-9708-019B960494DF}">
-                <a14:hiddenLine xmlns:a14="http://schemas.microsoft.com/office/drawing/2010/main" xmlns="" w="9525">
+                <a14:hiddenLine xmlns="" xmlns:a14="http://schemas.microsoft.com/office/drawing/2010/main" w="9525">
                   <a:solidFill>
                     <a:srgbClr val="000000"/>
                   </a:solidFill>
@@ -3603,7 +3604,7 @@
             </a:ln>
             <a:extLst>
               <a:ext uri="{91240B29-F687-4f45-9708-019B960494DF}">
-                <a14:hiddenLine xmlns:a14="http://schemas.microsoft.com/office/drawing/2010/main" xmlns="" w="9525">
+                <a14:hiddenLine xmlns="" xmlns:a14="http://schemas.microsoft.com/office/drawing/2010/main" w="9525">
                   <a:solidFill>
                     <a:srgbClr val="000000"/>
                   </a:solidFill>
@@ -3668,7 +3669,7 @@
             </a:ln>
             <a:extLst>
               <a:ext uri="{91240B29-F687-4f45-9708-019B960494DF}">
-                <a14:hiddenLine xmlns:a14="http://schemas.microsoft.com/office/drawing/2010/main" xmlns="" w="9525">
+                <a14:hiddenLine xmlns="" xmlns:a14="http://schemas.microsoft.com/office/drawing/2010/main" w="9525">
                   <a:solidFill>
                     <a:srgbClr val="000000"/>
                   </a:solidFill>
@@ -3730,7 +3731,7 @@
             </a:ln>
             <a:extLst>
               <a:ext uri="{91240B29-F687-4f45-9708-019B960494DF}">
-                <a14:hiddenLine xmlns:a14="http://schemas.microsoft.com/office/drawing/2010/main" xmlns="" w="9525">
+                <a14:hiddenLine xmlns="" xmlns:a14="http://schemas.microsoft.com/office/drawing/2010/main" w="9525">
                   <a:solidFill>
                     <a:srgbClr val="000000"/>
                   </a:solidFill>
@@ -3820,7 +3821,7 @@
             </a:ln>
             <a:extLst>
               <a:ext uri="{91240B29-F687-4f45-9708-019B960494DF}">
-                <a14:hiddenLine xmlns:a14="http://schemas.microsoft.com/office/drawing/2010/main" xmlns="" w="9525">
+                <a14:hiddenLine xmlns="" xmlns:a14="http://schemas.microsoft.com/office/drawing/2010/main" w="9525">
                   <a:solidFill>
                     <a:srgbClr val="000000"/>
                   </a:solidFill>
@@ -3910,7 +3911,7 @@
             </a:ln>
             <a:extLst>
               <a:ext uri="{91240B29-F687-4f45-9708-019B960494DF}">
-                <a14:hiddenLine xmlns:a14="http://schemas.microsoft.com/office/drawing/2010/main" xmlns="" w="9525">
+                <a14:hiddenLine xmlns="" xmlns:a14="http://schemas.microsoft.com/office/drawing/2010/main" w="9525">
                   <a:solidFill>
                     <a:srgbClr val="000000"/>
                   </a:solidFill>
@@ -3972,7 +3973,7 @@
             </a:ln>
             <a:extLst>
               <a:ext uri="{91240B29-F687-4f45-9708-019B960494DF}">
-                <a14:hiddenLine xmlns:a14="http://schemas.microsoft.com/office/drawing/2010/main" xmlns="" w="9525">
+                <a14:hiddenLine xmlns="" xmlns:a14="http://schemas.microsoft.com/office/drawing/2010/main" w="9525">
                   <a:solidFill>
                     <a:srgbClr val="000000"/>
                   </a:solidFill>
@@ -4092,7 +4093,7 @@
             </a:ln>
             <a:extLst>
               <a:ext uri="{91240B29-F687-4f45-9708-019B960494DF}">
-                <a14:hiddenLine xmlns:a14="http://schemas.microsoft.com/office/drawing/2010/main" xmlns="" w="9525">
+                <a14:hiddenLine xmlns="" xmlns:a14="http://schemas.microsoft.com/office/drawing/2010/main" w="9525">
                   <a:solidFill>
                     <a:srgbClr val="000000"/>
                   </a:solidFill>
@@ -4160,7 +4161,7 @@
             </a:ln>
             <a:extLst>
               <a:ext uri="{91240B29-F687-4f45-9708-019B960494DF}">
-                <a14:hiddenLine xmlns:a14="http://schemas.microsoft.com/office/drawing/2010/main" xmlns="" w="9525">
+                <a14:hiddenLine xmlns="" xmlns:a14="http://schemas.microsoft.com/office/drawing/2010/main" w="9525">
                   <a:solidFill>
                     <a:srgbClr val="000000"/>
                   </a:solidFill>
@@ -4250,7 +4251,7 @@
             </a:ln>
             <a:extLst>
               <a:ext uri="{91240B29-F687-4f45-9708-019B960494DF}">
-                <a14:hiddenLine xmlns:a14="http://schemas.microsoft.com/office/drawing/2010/main" xmlns="" w="9525">
+                <a14:hiddenLine xmlns="" xmlns:a14="http://schemas.microsoft.com/office/drawing/2010/main" w="9525">
                   <a:solidFill>
                     <a:srgbClr val="000000"/>
                   </a:solidFill>
@@ -4390,7 +4391,7 @@
           <a:p>
             <a:fld id="{48A87A34-81AB-432B-8DAE-1953F412C126}" type="datetimeFigureOut">
               <a:rPr lang="en-US" dirty="0"/>
-              <a:t>1/5/2019</a:t>
+              <a:t>1/7/2019</a:t>
             </a:fld>
             <a:endParaRPr lang="en-US" dirty="0"/>
           </a:p>
@@ -4652,7 +4653,7 @@
           <a:p>
             <a:fld id="{48A87A34-81AB-432B-8DAE-1953F412C126}" type="datetimeFigureOut">
               <a:rPr lang="en-US" dirty="0"/>
-              <a:t>1/5/2019</a:t>
+              <a:t>1/7/2019</a:t>
             </a:fld>
             <a:endParaRPr lang="en-US" dirty="0"/>
           </a:p>
@@ -4843,7 +4844,7 @@
           <a:p>
             <a:fld id="{48A87A34-81AB-432B-8DAE-1953F412C126}" type="datetimeFigureOut">
               <a:rPr lang="en-US" dirty="0"/>
-              <a:t>1/5/2019</a:t>
+              <a:t>1/7/2019</a:t>
             </a:fld>
             <a:endParaRPr lang="en-US" dirty="0"/>
           </a:p>
@@ -5101,7 +5102,7 @@
           <a:p>
             <a:fld id="{48A87A34-81AB-432B-8DAE-1953F412C126}" type="datetimeFigureOut">
               <a:rPr lang="en-US" dirty="0"/>
-              <a:t>1/5/2019</a:t>
+              <a:t>1/7/2019</a:t>
             </a:fld>
             <a:endParaRPr lang="en-US" dirty="0"/>
           </a:p>
@@ -5530,7 +5531,7 @@
           <a:p>
             <a:fld id="{48A87A34-81AB-432B-8DAE-1953F412C126}" type="datetimeFigureOut">
               <a:rPr lang="en-US" dirty="0"/>
-              <a:t>1/5/2019</a:t>
+              <a:t>1/7/2019</a:t>
             </a:fld>
             <a:endParaRPr lang="en-US" dirty="0"/>
           </a:p>
@@ -6071,7 +6072,7 @@
           <a:p>
             <a:fld id="{48A87A34-81AB-432B-8DAE-1953F412C126}" type="datetimeFigureOut">
               <a:rPr lang="en-US" dirty="0"/>
-              <a:t>1/5/2019</a:t>
+              <a:t>1/7/2019</a:t>
             </a:fld>
             <a:endParaRPr lang="en-US" dirty="0"/>
           </a:p>
@@ -6786,7 +6787,7 @@
           <a:p>
             <a:fld id="{48A87A34-81AB-432B-8DAE-1953F412C126}" type="datetimeFigureOut">
               <a:rPr lang="en-US" dirty="0"/>
-              <a:t>1/5/2019</a:t>
+              <a:t>1/7/2019</a:t>
             </a:fld>
             <a:endParaRPr lang="en-US" dirty="0"/>
           </a:p>
@@ -6951,7 +6952,7 @@
           <a:p>
             <a:fld id="{48A87A34-81AB-432B-8DAE-1953F412C126}" type="datetimeFigureOut">
               <a:rPr lang="en-US" dirty="0"/>
-              <a:t>1/5/2019</a:t>
+              <a:t>1/7/2019</a:t>
             </a:fld>
             <a:endParaRPr lang="en-US" dirty="0"/>
           </a:p>
@@ -7126,7 +7127,7 @@
           <a:p>
             <a:fld id="{48A87A34-81AB-432B-8DAE-1953F412C126}" type="datetimeFigureOut">
               <a:rPr lang="en-US" dirty="0"/>
-              <a:t>1/5/2019</a:t>
+              <a:t>1/7/2019</a:t>
             </a:fld>
             <a:endParaRPr lang="en-US" dirty="0"/>
           </a:p>
@@ -7291,7 +7292,7 @@
           <a:p>
             <a:fld id="{48A87A34-81AB-432B-8DAE-1953F412C126}" type="datetimeFigureOut">
               <a:rPr lang="en-US" dirty="0"/>
-              <a:t>1/5/2019</a:t>
+              <a:t>1/7/2019</a:t>
             </a:fld>
             <a:endParaRPr lang="en-US" dirty="0"/>
           </a:p>
@@ -7536,7 +7537,7 @@
           <a:p>
             <a:fld id="{48A87A34-81AB-432B-8DAE-1953F412C126}" type="datetimeFigureOut">
               <a:rPr lang="en-US" dirty="0"/>
-              <a:t>1/5/2019</a:t>
+              <a:t>1/7/2019</a:t>
             </a:fld>
             <a:endParaRPr lang="en-US" dirty="0"/>
           </a:p>
@@ -7763,7 +7764,7 @@
           <a:p>
             <a:fld id="{48A87A34-81AB-432B-8DAE-1953F412C126}" type="datetimeFigureOut">
               <a:rPr lang="en-US" dirty="0"/>
-              <a:t>1/5/2019</a:t>
+              <a:t>1/7/2019</a:t>
             </a:fld>
             <a:endParaRPr lang="en-US" dirty="0"/>
           </a:p>
@@ -8139,7 +8140,7 @@
           <a:p>
             <a:fld id="{48A87A34-81AB-432B-8DAE-1953F412C126}" type="datetimeFigureOut">
               <a:rPr lang="en-US" dirty="0"/>
-              <a:t>1/5/2019</a:t>
+              <a:t>1/7/2019</a:t>
             </a:fld>
             <a:endParaRPr lang="en-US" dirty="0"/>
           </a:p>
@@ -8252,7 +8253,7 @@
           <a:p>
             <a:fld id="{48A87A34-81AB-432B-8DAE-1953F412C126}" type="datetimeFigureOut">
               <a:rPr lang="en-US" dirty="0"/>
-              <a:t>1/5/2019</a:t>
+              <a:t>1/7/2019</a:t>
             </a:fld>
             <a:endParaRPr lang="en-US" dirty="0"/>
           </a:p>
@@ -8342,7 +8343,7 @@
           <a:p>
             <a:fld id="{48A87A34-81AB-432B-8DAE-1953F412C126}" type="datetimeFigureOut">
               <a:rPr lang="en-US" dirty="0"/>
-              <a:t>1/5/2019</a:t>
+              <a:t>1/7/2019</a:t>
             </a:fld>
             <a:endParaRPr lang="en-US" dirty="0"/>
           </a:p>
@@ -8586,7 +8587,7 @@
           <a:p>
             <a:fld id="{48A87A34-81AB-432B-8DAE-1953F412C126}" type="datetimeFigureOut">
               <a:rPr lang="en-US" dirty="0"/>
-              <a:t>1/5/2019</a:t>
+              <a:t>1/7/2019</a:t>
             </a:fld>
             <a:endParaRPr lang="en-US" dirty="0"/>
           </a:p>
@@ -8861,7 +8862,7 @@
           <a:p>
             <a:fld id="{48A87A34-81AB-432B-8DAE-1953F412C126}" type="datetimeFigureOut">
               <a:rPr lang="en-US" dirty="0"/>
-              <a:t>1/5/2019</a:t>
+              <a:t>1/7/2019</a:t>
             </a:fld>
             <a:endParaRPr lang="en-US" dirty="0"/>
           </a:p>
@@ -8972,7 +8973,7 @@
           <a:noFill/>
           <a:extLst>
             <a:ext uri="{909E8E84-426E-40dd-AFC4-6F175D3DCCD1}">
-              <a14:hiddenFill xmlns:a14="http://schemas.microsoft.com/office/drawing/2010/main" xmlns="">
+              <a14:hiddenFill xmlns="" xmlns:a14="http://schemas.microsoft.com/office/drawing/2010/main">
                 <a:solidFill>
                   <a:srgbClr val="FFFFFF"/>
                 </a:solidFill>
@@ -9046,7 +9047,7 @@
               </a:ln>
               <a:extLst>
                 <a:ext uri="{91240B29-F687-4f45-9708-019B960494DF}">
-                  <a14:hiddenLine xmlns:a14="http://schemas.microsoft.com/office/drawing/2010/main" xmlns="" w="9525">
+                  <a14:hiddenLine xmlns="" xmlns:a14="http://schemas.microsoft.com/office/drawing/2010/main" w="9525">
                     <a:solidFill>
                       <a:srgbClr val="000000"/>
                     </a:solidFill>
@@ -9136,7 +9137,7 @@
               </a:ln>
               <a:extLst>
                 <a:ext uri="{91240B29-F687-4f45-9708-019B960494DF}">
-                  <a14:hiddenLine xmlns:a14="http://schemas.microsoft.com/office/drawing/2010/main" xmlns="" w="9525">
+                  <a14:hiddenLine xmlns="" xmlns:a14="http://schemas.microsoft.com/office/drawing/2010/main" w="9525">
                     <a:solidFill>
                       <a:srgbClr val="000000"/>
                     </a:solidFill>
@@ -9226,7 +9227,7 @@
               </a:ln>
               <a:extLst>
                 <a:ext uri="{91240B29-F687-4f45-9708-019B960494DF}">
-                  <a14:hiddenLine xmlns:a14="http://schemas.microsoft.com/office/drawing/2010/main" xmlns="" w="9525">
+                  <a14:hiddenLine xmlns="" xmlns:a14="http://schemas.microsoft.com/office/drawing/2010/main" w="9525">
                     <a:solidFill>
                       <a:srgbClr val="000000"/>
                     </a:solidFill>
@@ -9288,7 +9289,7 @@
               </a:ln>
               <a:extLst>
                 <a:ext uri="{91240B29-F687-4f45-9708-019B960494DF}">
-                  <a14:hiddenLine xmlns:a14="http://schemas.microsoft.com/office/drawing/2010/main" xmlns="" w="9525">
+                  <a14:hiddenLine xmlns="" xmlns:a14="http://schemas.microsoft.com/office/drawing/2010/main" w="9525">
                     <a:solidFill>
                       <a:srgbClr val="000000"/>
                     </a:solidFill>
@@ -9378,7 +9379,7 @@
               </a:ln>
               <a:extLst>
                 <a:ext uri="{91240B29-F687-4f45-9708-019B960494DF}">
-                  <a14:hiddenLine xmlns:a14="http://schemas.microsoft.com/office/drawing/2010/main" xmlns="" w="9525">
+                  <a14:hiddenLine xmlns="" xmlns:a14="http://schemas.microsoft.com/office/drawing/2010/main" w="9525">
                     <a:solidFill>
                       <a:srgbClr val="000000"/>
                     </a:solidFill>
@@ -9440,7 +9441,7 @@
               </a:ln>
               <a:extLst>
                 <a:ext uri="{91240B29-F687-4f45-9708-019B960494DF}">
-                  <a14:hiddenLine xmlns:a14="http://schemas.microsoft.com/office/drawing/2010/main" xmlns="" w="9525">
+                  <a14:hiddenLine xmlns="" xmlns:a14="http://schemas.microsoft.com/office/drawing/2010/main" w="9525">
                     <a:solidFill>
                       <a:srgbClr val="000000"/>
                     </a:solidFill>
@@ -9502,7 +9503,7 @@
               </a:ln>
               <a:extLst>
                 <a:ext uri="{91240B29-F687-4f45-9708-019B960494DF}">
-                  <a14:hiddenLine xmlns:a14="http://schemas.microsoft.com/office/drawing/2010/main" xmlns="" w="9525">
+                  <a14:hiddenLine xmlns="" xmlns:a14="http://schemas.microsoft.com/office/drawing/2010/main" w="9525">
                     <a:solidFill>
                       <a:srgbClr val="000000"/>
                     </a:solidFill>
@@ -9592,7 +9593,7 @@
               </a:ln>
               <a:extLst>
                 <a:ext uri="{91240B29-F687-4f45-9708-019B960494DF}">
-                  <a14:hiddenLine xmlns:a14="http://schemas.microsoft.com/office/drawing/2010/main" xmlns="" w="9525">
+                  <a14:hiddenLine xmlns="" xmlns:a14="http://schemas.microsoft.com/office/drawing/2010/main" w="9525">
                     <a:solidFill>
                       <a:srgbClr val="000000"/>
                     </a:solidFill>
@@ -9682,7 +9683,7 @@
               </a:ln>
               <a:extLst>
                 <a:ext uri="{91240B29-F687-4f45-9708-019B960494DF}">
-                  <a14:hiddenLine xmlns:a14="http://schemas.microsoft.com/office/drawing/2010/main" xmlns="" w="9525">
+                  <a14:hiddenLine xmlns="" xmlns:a14="http://schemas.microsoft.com/office/drawing/2010/main" w="9525">
                     <a:solidFill>
                       <a:srgbClr val="000000"/>
                     </a:solidFill>
@@ -9744,7 +9745,7 @@
               </a:ln>
               <a:extLst>
                 <a:ext uri="{91240B29-F687-4f45-9708-019B960494DF}">
-                  <a14:hiddenLine xmlns:a14="http://schemas.microsoft.com/office/drawing/2010/main" xmlns="" w="9525">
+                  <a14:hiddenLine xmlns="" xmlns:a14="http://schemas.microsoft.com/office/drawing/2010/main" w="9525">
                     <a:solidFill>
                       <a:srgbClr val="000000"/>
                     </a:solidFill>
@@ -9854,7 +9855,7 @@
               </a:ln>
               <a:extLst>
                 <a:ext uri="{91240B29-F687-4f45-9708-019B960494DF}">
-                  <a14:hiddenLine xmlns:a14="http://schemas.microsoft.com/office/drawing/2010/main" xmlns="" w="9525">
+                  <a14:hiddenLine xmlns="" xmlns:a14="http://schemas.microsoft.com/office/drawing/2010/main" w="9525">
                     <a:solidFill>
                       <a:srgbClr val="000000"/>
                     </a:solidFill>
@@ -9938,7 +9939,7 @@
               </a:ln>
               <a:extLst>
                 <a:ext uri="{91240B29-F687-4f45-9708-019B960494DF}">
-                  <a14:hiddenLine xmlns:a14="http://schemas.microsoft.com/office/drawing/2010/main" xmlns="" w="9525">
+                  <a14:hiddenLine xmlns="" xmlns:a14="http://schemas.microsoft.com/office/drawing/2010/main" w="9525">
                     <a:solidFill>
                       <a:srgbClr val="000000"/>
                     </a:solidFill>
@@ -10000,7 +10001,7 @@
               </a:ln>
               <a:extLst>
                 <a:ext uri="{91240B29-F687-4f45-9708-019B960494DF}">
-                  <a14:hiddenLine xmlns:a14="http://schemas.microsoft.com/office/drawing/2010/main" xmlns="" w="9525">
+                  <a14:hiddenLine xmlns="" xmlns:a14="http://schemas.microsoft.com/office/drawing/2010/main" w="9525">
                     <a:solidFill>
                       <a:srgbClr val="000000"/>
                     </a:solidFill>
@@ -10062,7 +10063,7 @@
               </a:ln>
               <a:extLst>
                 <a:ext uri="{91240B29-F687-4f45-9708-019B960494DF}">
-                  <a14:hiddenLine xmlns:a14="http://schemas.microsoft.com/office/drawing/2010/main" xmlns="" w="9525">
+                  <a14:hiddenLine xmlns="" xmlns:a14="http://schemas.microsoft.com/office/drawing/2010/main" w="9525">
                     <a:solidFill>
                       <a:srgbClr val="000000"/>
                     </a:solidFill>
@@ -10152,7 +10153,7 @@
               </a:ln>
               <a:extLst>
                 <a:ext uri="{91240B29-F687-4f45-9708-019B960494DF}">
-                  <a14:hiddenLine xmlns:a14="http://schemas.microsoft.com/office/drawing/2010/main" xmlns="" w="9525">
+                  <a14:hiddenLine xmlns="" xmlns:a14="http://schemas.microsoft.com/office/drawing/2010/main" w="9525">
                     <a:solidFill>
                       <a:srgbClr val="000000"/>
                     </a:solidFill>
@@ -10186,7 +10187,7 @@
               </a:ln>
               <a:extLst>
                 <a:ext uri="{91240B29-F687-4f45-9708-019B960494DF}">
-                  <a14:hiddenLine xmlns:a14="http://schemas.microsoft.com/office/drawing/2010/main" xmlns="" w="9525">
+                  <a14:hiddenLine xmlns="" xmlns:a14="http://schemas.microsoft.com/office/drawing/2010/main" w="9525">
                     <a:solidFill>
                       <a:srgbClr val="000000"/>
                     </a:solidFill>
@@ -10251,7 +10252,7 @@
               </a:ln>
               <a:extLst>
                 <a:ext uri="{91240B29-F687-4f45-9708-019B960494DF}">
-                  <a14:hiddenLine xmlns:a14="http://schemas.microsoft.com/office/drawing/2010/main" xmlns="" w="9525">
+                  <a14:hiddenLine xmlns="" xmlns:a14="http://schemas.microsoft.com/office/drawing/2010/main" w="9525">
                     <a:solidFill>
                       <a:srgbClr val="000000"/>
                     </a:solidFill>
@@ -10341,7 +10342,7 @@
               </a:ln>
               <a:extLst>
                 <a:ext uri="{91240B29-F687-4f45-9708-019B960494DF}">
-                  <a14:hiddenLine xmlns:a14="http://schemas.microsoft.com/office/drawing/2010/main" xmlns="" w="9525">
+                  <a14:hiddenLine xmlns="" xmlns:a14="http://schemas.microsoft.com/office/drawing/2010/main" w="9525">
                     <a:solidFill>
                       <a:srgbClr val="000000"/>
                     </a:solidFill>
@@ -10403,7 +10404,7 @@
               </a:ln>
               <a:extLst>
                 <a:ext uri="{91240B29-F687-4f45-9708-019B960494DF}">
-                  <a14:hiddenLine xmlns:a14="http://schemas.microsoft.com/office/drawing/2010/main" xmlns="" w="9525">
+                  <a14:hiddenLine xmlns="" xmlns:a14="http://schemas.microsoft.com/office/drawing/2010/main" w="9525">
                     <a:solidFill>
                       <a:srgbClr val="000000"/>
                     </a:solidFill>
@@ -10493,7 +10494,7 @@
               </a:ln>
               <a:extLst>
                 <a:ext uri="{91240B29-F687-4f45-9708-019B960494DF}">
-                  <a14:hiddenLine xmlns:a14="http://schemas.microsoft.com/office/drawing/2010/main" xmlns="" w="9525">
+                  <a14:hiddenLine xmlns="" xmlns:a14="http://schemas.microsoft.com/office/drawing/2010/main" w="9525">
                     <a:solidFill>
                       <a:srgbClr val="000000"/>
                     </a:solidFill>
@@ -10558,7 +10559,7 @@
               </a:ln>
               <a:extLst>
                 <a:ext uri="{91240B29-F687-4f45-9708-019B960494DF}">
-                  <a14:hiddenLine xmlns:a14="http://schemas.microsoft.com/office/drawing/2010/main" xmlns="" w="9525">
+                  <a14:hiddenLine xmlns="" xmlns:a14="http://schemas.microsoft.com/office/drawing/2010/main" w="9525">
                     <a:solidFill>
                       <a:srgbClr val="000000"/>
                     </a:solidFill>
@@ -10620,7 +10621,7 @@
               </a:ln>
               <a:extLst>
                 <a:ext uri="{91240B29-F687-4f45-9708-019B960494DF}">
-                  <a14:hiddenLine xmlns:a14="http://schemas.microsoft.com/office/drawing/2010/main" xmlns="" w="9525">
+                  <a14:hiddenLine xmlns="" xmlns:a14="http://schemas.microsoft.com/office/drawing/2010/main" w="9525">
                     <a:solidFill>
                       <a:srgbClr val="000000"/>
                     </a:solidFill>
@@ -10710,7 +10711,7 @@
               </a:ln>
               <a:extLst>
                 <a:ext uri="{91240B29-F687-4f45-9708-019B960494DF}">
-                  <a14:hiddenLine xmlns:a14="http://schemas.microsoft.com/office/drawing/2010/main" xmlns="" w="9525">
+                  <a14:hiddenLine xmlns="" xmlns:a14="http://schemas.microsoft.com/office/drawing/2010/main" w="9525">
                     <a:solidFill>
                       <a:srgbClr val="000000"/>
                     </a:solidFill>
@@ -10800,7 +10801,7 @@
               </a:ln>
               <a:extLst>
                 <a:ext uri="{91240B29-F687-4f45-9708-019B960494DF}">
-                  <a14:hiddenLine xmlns:a14="http://schemas.microsoft.com/office/drawing/2010/main" xmlns="" w="9525">
+                  <a14:hiddenLine xmlns="" xmlns:a14="http://schemas.microsoft.com/office/drawing/2010/main" w="9525">
                     <a:solidFill>
                       <a:srgbClr val="000000"/>
                     </a:solidFill>
@@ -10865,7 +10866,7 @@
               </a:ln>
               <a:extLst>
                 <a:ext uri="{91240B29-F687-4f45-9708-019B960494DF}">
-                  <a14:hiddenLine xmlns:a14="http://schemas.microsoft.com/office/drawing/2010/main" xmlns="" w="9525">
+                  <a14:hiddenLine xmlns="" xmlns:a14="http://schemas.microsoft.com/office/drawing/2010/main" w="9525">
                     <a:solidFill>
                       <a:srgbClr val="000000"/>
                     </a:solidFill>
@@ -10985,7 +10986,7 @@
               </a:ln>
               <a:extLst>
                 <a:ext uri="{91240B29-F687-4f45-9708-019B960494DF}">
-                  <a14:hiddenLine xmlns:a14="http://schemas.microsoft.com/office/drawing/2010/main" xmlns="" w="9525">
+                  <a14:hiddenLine xmlns="" xmlns:a14="http://schemas.microsoft.com/office/drawing/2010/main" w="9525">
                     <a:solidFill>
                       <a:srgbClr val="000000"/>
                     </a:solidFill>
@@ -11083,7 +11084,7 @@
               </a:ln>
               <a:extLst>
                 <a:ext uri="{91240B29-F687-4f45-9708-019B960494DF}">
-                  <a14:hiddenLine xmlns:a14="http://schemas.microsoft.com/office/drawing/2010/main" xmlns="" w="9525">
+                  <a14:hiddenLine xmlns="" xmlns:a14="http://schemas.microsoft.com/office/drawing/2010/main" w="9525">
                     <a:solidFill>
                       <a:srgbClr val="000000"/>
                     </a:solidFill>
@@ -11198,7 +11199,7 @@
               </a:ln>
               <a:extLst>
                 <a:ext uri="{91240B29-F687-4f45-9708-019B960494DF}">
-                  <a14:hiddenLine xmlns:a14="http://schemas.microsoft.com/office/drawing/2010/main" xmlns="" w="9525">
+                  <a14:hiddenLine xmlns="" xmlns:a14="http://schemas.microsoft.com/office/drawing/2010/main" w="9525">
                     <a:solidFill>
                       <a:srgbClr val="000000"/>
                     </a:solidFill>
@@ -11288,7 +11289,7 @@
               </a:ln>
               <a:extLst>
                 <a:ext uri="{91240B29-F687-4f45-9708-019B960494DF}">
-                  <a14:hiddenLine xmlns:a14="http://schemas.microsoft.com/office/drawing/2010/main" xmlns="" w="9525">
+                  <a14:hiddenLine xmlns="" xmlns:a14="http://schemas.microsoft.com/office/drawing/2010/main" w="9525">
                     <a:solidFill>
                       <a:srgbClr val="000000"/>
                     </a:solidFill>
@@ -11353,7 +11354,7 @@
               </a:ln>
               <a:extLst>
                 <a:ext uri="{91240B29-F687-4f45-9708-019B960494DF}">
-                  <a14:hiddenLine xmlns:a14="http://schemas.microsoft.com/office/drawing/2010/main" xmlns="" w="9525">
+                  <a14:hiddenLine xmlns="" xmlns:a14="http://schemas.microsoft.com/office/drawing/2010/main" w="9525">
                     <a:solidFill>
                       <a:srgbClr val="000000"/>
                     </a:solidFill>
@@ -11443,7 +11444,7 @@
               </a:ln>
               <a:extLst>
                 <a:ext uri="{91240B29-F687-4f45-9708-019B960494DF}">
-                  <a14:hiddenLine xmlns:a14="http://schemas.microsoft.com/office/drawing/2010/main" xmlns="" w="9525">
+                  <a14:hiddenLine xmlns="" xmlns:a14="http://schemas.microsoft.com/office/drawing/2010/main" w="9525">
                     <a:solidFill>
                       <a:srgbClr val="000000"/>
                     </a:solidFill>
@@ -11511,7 +11512,7 @@
               </a:ln>
               <a:extLst>
                 <a:ext uri="{91240B29-F687-4f45-9708-019B960494DF}">
-                  <a14:hiddenLine xmlns:a14="http://schemas.microsoft.com/office/drawing/2010/main" xmlns="" w="9525">
+                  <a14:hiddenLine xmlns="" xmlns:a14="http://schemas.microsoft.com/office/drawing/2010/main" w="9525">
                     <a:solidFill>
                       <a:srgbClr val="000000"/>
                     </a:solidFill>
@@ -11601,7 +11602,7 @@
               </a:ln>
               <a:extLst>
                 <a:ext uri="{91240B29-F687-4f45-9708-019B960494DF}">
-                  <a14:hiddenLine xmlns:a14="http://schemas.microsoft.com/office/drawing/2010/main" xmlns="" w="9525">
+                  <a14:hiddenLine xmlns="" xmlns:a14="http://schemas.microsoft.com/office/drawing/2010/main" w="9525">
                     <a:solidFill>
                       <a:srgbClr val="000000"/>
                     </a:solidFill>
@@ -11669,7 +11670,7 @@
               </a:ln>
               <a:extLst>
                 <a:ext uri="{91240B29-F687-4f45-9708-019B960494DF}">
-                  <a14:hiddenLine xmlns:a14="http://schemas.microsoft.com/office/drawing/2010/main" xmlns="" w="9525">
+                  <a14:hiddenLine xmlns="" xmlns:a14="http://schemas.microsoft.com/office/drawing/2010/main" w="9525">
                     <a:solidFill>
                       <a:srgbClr val="000000"/>
                     </a:solidFill>
@@ -11759,7 +11760,7 @@
               </a:ln>
               <a:extLst>
                 <a:ext uri="{91240B29-F687-4f45-9708-019B960494DF}">
-                  <a14:hiddenLine xmlns:a14="http://schemas.microsoft.com/office/drawing/2010/main" xmlns="" w="9525">
+                  <a14:hiddenLine xmlns="" xmlns:a14="http://schemas.microsoft.com/office/drawing/2010/main" w="9525">
                     <a:solidFill>
                       <a:srgbClr val="000000"/>
                     </a:solidFill>
@@ -11793,7 +11794,7 @@
               </a:ln>
               <a:extLst>
                 <a:ext uri="{91240B29-F687-4f45-9708-019B960494DF}">
-                  <a14:hiddenLine xmlns:a14="http://schemas.microsoft.com/office/drawing/2010/main" xmlns="" w="9525">
+                  <a14:hiddenLine xmlns="" xmlns:a14="http://schemas.microsoft.com/office/drawing/2010/main" w="9525">
                     <a:solidFill>
                       <a:srgbClr val="000000"/>
                     </a:solidFill>
@@ -11934,7 +11935,7 @@
             <a:fld id="{48A87A34-81AB-432B-8DAE-1953F412C126}" type="datetimeFigureOut">
               <a:rPr lang="en-US" dirty="0"/>
               <a:pPr/>
-              <a:t>1/5/2019</a:t>
+              <a:t>1/7/2019</a:t>
             </a:fld>
             <a:endParaRPr lang="en-US" dirty="0"/>
           </a:p>
@@ -12598,6 +12599,93 @@
 <file path=ppt/slides/slide3.xml><?xml version="1.0" encoding="utf-8"?>
 <p:sld xmlns:a="http://schemas.openxmlformats.org/drawingml/2006/main" xmlns:r="http://schemas.openxmlformats.org/officeDocument/2006/relationships" xmlns:p="http://schemas.openxmlformats.org/presentationml/2006/main">
   <p:cSld>
+    <p:spTree>
+      <p:nvGrpSpPr>
+        <p:cNvPr id="1" name=""/>
+        <p:cNvGrpSpPr/>
+        <p:nvPr/>
+      </p:nvGrpSpPr>
+      <p:grpSpPr>
+        <a:xfrm>
+          <a:off x="0" y="0"/>
+          <a:ext cx="0" cy="0"/>
+          <a:chOff x="0" y="0"/>
+          <a:chExt cx="0" cy="0"/>
+        </a:xfrm>
+      </p:grpSpPr>
+      <p:sp>
+        <p:nvSpPr>
+          <p:cNvPr id="2" name="Titel 1">
+            <a:extLst>
+              <a:ext uri="{FF2B5EF4-FFF2-40B4-BE49-F238E27FC236}">
+                <a16:creationId xmlns:a16="http://schemas.microsoft.com/office/drawing/2014/main" id="{11AE9965-EF3B-4549-B2B9-97A4399B0727}"/>
+              </a:ext>
+            </a:extLst>
+          </p:cNvPr>
+          <p:cNvSpPr>
+            <a:spLocks noGrp="1"/>
+          </p:cNvSpPr>
+          <p:nvPr>
+            <p:ph type="title"/>
+          </p:nvPr>
+        </p:nvSpPr>
+        <p:spPr/>
+        <p:txBody>
+          <a:bodyPr/>
+          <a:lstStyle/>
+          <a:p>
+            <a:r>
+              <a:rPr lang="de-DE" dirty="0"/>
+              <a:t>Prototyp</a:t>
+            </a:r>
+          </a:p>
+        </p:txBody>
+      </p:sp>
+      <p:pic>
+        <p:nvPicPr>
+          <p:cNvPr id="5" name="Inhaltsplatzhalter 4">
+            <a:extLst>
+              <a:ext uri="{FF2B5EF4-FFF2-40B4-BE49-F238E27FC236}">
+                <a16:creationId xmlns:a16="http://schemas.microsoft.com/office/drawing/2014/main" id="{C17A60BD-FC54-46E5-AF6F-72A54D041085}"/>
+              </a:ext>
+            </a:extLst>
+          </p:cNvPr>
+          <p:cNvPicPr>
+            <a:picLocks noGrp="1" noChangeAspect="1"/>
+          </p:cNvPicPr>
+          <p:nvPr>
+            <p:ph idx="1"/>
+          </p:nvPr>
+        </p:nvPicPr>
+        <p:blipFill>
+          <a:blip r:embed="rId2"/>
+          <a:stretch>
+            <a:fillRect/>
+          </a:stretch>
+        </p:blipFill>
+        <p:spPr>
+          <a:xfrm>
+            <a:off x="3703425" y="565826"/>
+            <a:ext cx="4584898" cy="5726348"/>
+          </a:xfrm>
+        </p:spPr>
+      </p:pic>
+    </p:spTree>
+    <p:extLst>
+      <p:ext uri="{BB962C8B-B14F-4D97-AF65-F5344CB8AC3E}">
+        <p14:creationId xmlns:p14="http://schemas.microsoft.com/office/powerpoint/2010/main" val="3049260319"/>
+      </p:ext>
+    </p:extLst>
+  </p:cSld>
+  <p:clrMapOvr>
+    <a:masterClrMapping/>
+  </p:clrMapOvr>
+</p:sld>
+</file>
+
+<file path=ppt/slides/slide4.xml><?xml version="1.0" encoding="utf-8"?>
+<p:sld xmlns:a="http://schemas.openxmlformats.org/drawingml/2006/main" xmlns:r="http://schemas.openxmlformats.org/officeDocument/2006/relationships" xmlns:p="http://schemas.openxmlformats.org/presentationml/2006/main">
+  <p:cSld>
     <p:bg>
       <p:bgPr>
         <a:blipFill>
@@ -12745,7 +12833,7 @@
           <a:noFill/>
           <a:extLst>
             <a:ext uri="{909E8E84-426E-40dd-AFC4-6F175D3DCCD1}">
-              <a14:hiddenFill xmlns:a14="http://schemas.microsoft.com/office/drawing/2010/main" xmlns:p14="http://schemas.microsoft.com/office/powerpoint/2010/main" xmlns:a16="http://schemas.microsoft.com/office/drawing/2014/main" xmlns="">
+              <a14:hiddenFill xmlns="" xmlns:a16="http://schemas.microsoft.com/office/drawing/2014/main" xmlns:p14="http://schemas.microsoft.com/office/powerpoint/2010/main" xmlns:a14="http://schemas.microsoft.com/office/drawing/2010/main">
                 <a:solidFill>
                   <a:srgbClr val="FFFFFF"/>
                 </a:solidFill>
@@ -12951,7 +13039,7 @@
             </a:ln>
             <a:extLst>
               <a:ext uri="{91240B29-F687-4f45-9708-019B960494DF}">
-                <a14:hiddenLine xmlns:a14="http://schemas.microsoft.com/office/drawing/2010/main" xmlns:p14="http://schemas.microsoft.com/office/powerpoint/2010/main" xmlns:a16="http://schemas.microsoft.com/office/drawing/2014/main" xmlns="" w="9525">
+                <a14:hiddenLine xmlns="" xmlns:a16="http://schemas.microsoft.com/office/drawing/2014/main" xmlns:p14="http://schemas.microsoft.com/office/powerpoint/2010/main" xmlns:a14="http://schemas.microsoft.com/office/drawing/2010/main" w="9525">
                   <a:solidFill>
                     <a:srgbClr val="000000"/>
                   </a:solidFill>
@@ -13056,7 +13144,7 @@
             </a:ln>
             <a:extLst>
               <a:ext uri="{91240B29-F687-4f45-9708-019B960494DF}">
-                <a14:hiddenLine xmlns:a14="http://schemas.microsoft.com/office/drawing/2010/main" xmlns:p14="http://schemas.microsoft.com/office/powerpoint/2010/main" xmlns:a16="http://schemas.microsoft.com/office/drawing/2014/main" xmlns="" w="9525">
+                <a14:hiddenLine xmlns="" xmlns:a16="http://schemas.microsoft.com/office/drawing/2014/main" xmlns:p14="http://schemas.microsoft.com/office/powerpoint/2010/main" xmlns:a14="http://schemas.microsoft.com/office/drawing/2010/main" w="9525">
                   <a:solidFill>
                     <a:srgbClr val="000000"/>
                   </a:solidFill>
@@ -13161,7 +13249,7 @@
             </a:ln>
             <a:extLst>
               <a:ext uri="{91240B29-F687-4f45-9708-019B960494DF}">
-                <a14:hiddenLine xmlns:a14="http://schemas.microsoft.com/office/drawing/2010/main" xmlns:p14="http://schemas.microsoft.com/office/powerpoint/2010/main" xmlns:a16="http://schemas.microsoft.com/office/drawing/2014/main" xmlns="" w="9525">
+                <a14:hiddenLine xmlns="" xmlns:a16="http://schemas.microsoft.com/office/drawing/2014/main" xmlns:p14="http://schemas.microsoft.com/office/powerpoint/2010/main" xmlns:a14="http://schemas.microsoft.com/office/drawing/2010/main" w="9525">
                   <a:solidFill>
                     <a:srgbClr val="000000"/>
                   </a:solidFill>
@@ -13238,7 +13326,7 @@
             </a:ln>
             <a:extLst>
               <a:ext uri="{91240B29-F687-4f45-9708-019B960494DF}">
-                <a14:hiddenLine xmlns:a14="http://schemas.microsoft.com/office/drawing/2010/main" xmlns:p14="http://schemas.microsoft.com/office/powerpoint/2010/main" xmlns:a16="http://schemas.microsoft.com/office/drawing/2014/main" xmlns="" w="9525">
+                <a14:hiddenLine xmlns="" xmlns:a16="http://schemas.microsoft.com/office/drawing/2014/main" xmlns:p14="http://schemas.microsoft.com/office/powerpoint/2010/main" xmlns:a14="http://schemas.microsoft.com/office/drawing/2010/main" w="9525">
                   <a:solidFill>
                     <a:srgbClr val="000000"/>
                   </a:solidFill>
@@ -13343,7 +13431,7 @@
             </a:ln>
             <a:extLst>
               <a:ext uri="{91240B29-F687-4f45-9708-019B960494DF}">
-                <a14:hiddenLine xmlns:a14="http://schemas.microsoft.com/office/drawing/2010/main" xmlns:p14="http://schemas.microsoft.com/office/powerpoint/2010/main" xmlns:a16="http://schemas.microsoft.com/office/drawing/2014/main" xmlns="" w="9525">
+                <a14:hiddenLine xmlns="" xmlns:a16="http://schemas.microsoft.com/office/drawing/2014/main" xmlns:p14="http://schemas.microsoft.com/office/powerpoint/2010/main" xmlns:a14="http://schemas.microsoft.com/office/drawing/2010/main" w="9525">
                   <a:solidFill>
                     <a:srgbClr val="000000"/>
                   </a:solidFill>
@@ -13420,7 +13508,7 @@
             </a:ln>
             <a:extLst>
               <a:ext uri="{91240B29-F687-4f45-9708-019B960494DF}">
-                <a14:hiddenLine xmlns:a14="http://schemas.microsoft.com/office/drawing/2010/main" xmlns:p14="http://schemas.microsoft.com/office/powerpoint/2010/main" xmlns:a16="http://schemas.microsoft.com/office/drawing/2014/main" xmlns="" w="9525">
+                <a14:hiddenLine xmlns="" xmlns:a16="http://schemas.microsoft.com/office/drawing/2014/main" xmlns:p14="http://schemas.microsoft.com/office/powerpoint/2010/main" xmlns:a14="http://schemas.microsoft.com/office/drawing/2010/main" w="9525">
                   <a:solidFill>
                     <a:srgbClr val="000000"/>
                   </a:solidFill>
@@ -13497,7 +13585,7 @@
             </a:ln>
             <a:extLst>
               <a:ext uri="{91240B29-F687-4f45-9708-019B960494DF}">
-                <a14:hiddenLine xmlns:a14="http://schemas.microsoft.com/office/drawing/2010/main" xmlns:p14="http://schemas.microsoft.com/office/powerpoint/2010/main" xmlns:a16="http://schemas.microsoft.com/office/drawing/2014/main" xmlns="" w="9525">
+                <a14:hiddenLine xmlns="" xmlns:a16="http://schemas.microsoft.com/office/drawing/2014/main" xmlns:p14="http://schemas.microsoft.com/office/powerpoint/2010/main" xmlns:a14="http://schemas.microsoft.com/office/drawing/2010/main" w="9525">
                   <a:solidFill>
                     <a:srgbClr val="000000"/>
                   </a:solidFill>
@@ -13602,7 +13690,7 @@
             </a:ln>
             <a:extLst>
               <a:ext uri="{91240B29-F687-4f45-9708-019B960494DF}">
-                <a14:hiddenLine xmlns:a14="http://schemas.microsoft.com/office/drawing/2010/main" xmlns:p14="http://schemas.microsoft.com/office/powerpoint/2010/main" xmlns:a16="http://schemas.microsoft.com/office/drawing/2014/main" xmlns="" w="9525">
+                <a14:hiddenLine xmlns="" xmlns:a16="http://schemas.microsoft.com/office/drawing/2014/main" xmlns:p14="http://schemas.microsoft.com/office/powerpoint/2010/main" xmlns:a14="http://schemas.microsoft.com/office/drawing/2010/main" w="9525">
                   <a:solidFill>
                     <a:srgbClr val="000000"/>
                   </a:solidFill>
@@ -13707,7 +13795,7 @@
             </a:ln>
             <a:extLst>
               <a:ext uri="{91240B29-F687-4f45-9708-019B960494DF}">
-                <a14:hiddenLine xmlns:a14="http://schemas.microsoft.com/office/drawing/2010/main" xmlns:p14="http://schemas.microsoft.com/office/powerpoint/2010/main" xmlns:a16="http://schemas.microsoft.com/office/drawing/2014/main" xmlns="" w="9525">
+                <a14:hiddenLine xmlns="" xmlns:a16="http://schemas.microsoft.com/office/drawing/2014/main" xmlns:p14="http://schemas.microsoft.com/office/powerpoint/2010/main" xmlns:a14="http://schemas.microsoft.com/office/drawing/2010/main" w="9525">
                   <a:solidFill>
                     <a:srgbClr val="000000"/>
                   </a:solidFill>
@@ -13784,7 +13872,7 @@
             </a:ln>
             <a:extLst>
               <a:ext uri="{91240B29-F687-4f45-9708-019B960494DF}">
-                <a14:hiddenLine xmlns:a14="http://schemas.microsoft.com/office/drawing/2010/main" xmlns:p14="http://schemas.microsoft.com/office/powerpoint/2010/main" xmlns:a16="http://schemas.microsoft.com/office/drawing/2014/main" xmlns="" w="9525">
+                <a14:hiddenLine xmlns="" xmlns:a16="http://schemas.microsoft.com/office/drawing/2014/main" xmlns:p14="http://schemas.microsoft.com/office/powerpoint/2010/main" xmlns:a14="http://schemas.microsoft.com/office/drawing/2010/main" w="9525">
                   <a:solidFill>
                     <a:srgbClr val="000000"/>
                   </a:solidFill>
@@ -13909,7 +13997,7 @@
             </a:ln>
             <a:extLst>
               <a:ext uri="{91240B29-F687-4f45-9708-019B960494DF}">
-                <a14:hiddenLine xmlns:a14="http://schemas.microsoft.com/office/drawing/2010/main" xmlns:p14="http://schemas.microsoft.com/office/powerpoint/2010/main" xmlns:a16="http://schemas.microsoft.com/office/drawing/2014/main" xmlns="" w="9525">
+                <a14:hiddenLine xmlns="" xmlns:a16="http://schemas.microsoft.com/office/drawing/2014/main" xmlns:p14="http://schemas.microsoft.com/office/powerpoint/2010/main" xmlns:a14="http://schemas.microsoft.com/office/drawing/2010/main" w="9525">
                   <a:solidFill>
                     <a:srgbClr val="000000"/>
                   </a:solidFill>
@@ -14023,7 +14111,7 @@
             </a:ln>
             <a:extLst>
               <a:ext uri="{91240B29-F687-4f45-9708-019B960494DF}">
-                <a14:hiddenLine xmlns:a14="http://schemas.microsoft.com/office/drawing/2010/main" xmlns:p14="http://schemas.microsoft.com/office/powerpoint/2010/main" xmlns:a16="http://schemas.microsoft.com/office/drawing/2014/main" xmlns="" w="9525">
+                <a14:hiddenLine xmlns="" xmlns:a16="http://schemas.microsoft.com/office/drawing/2014/main" xmlns:p14="http://schemas.microsoft.com/office/powerpoint/2010/main" xmlns:a14="http://schemas.microsoft.com/office/drawing/2010/main" w="9525">
                   <a:solidFill>
                     <a:srgbClr val="000000"/>
                   </a:solidFill>
@@ -14100,7 +14188,7 @@
             </a:ln>
             <a:extLst>
               <a:ext uri="{91240B29-F687-4f45-9708-019B960494DF}">
-                <a14:hiddenLine xmlns:a14="http://schemas.microsoft.com/office/drawing/2010/main" xmlns:p14="http://schemas.microsoft.com/office/powerpoint/2010/main" xmlns:a16="http://schemas.microsoft.com/office/drawing/2014/main" xmlns="" w="9525">
+                <a14:hiddenLine xmlns="" xmlns:a16="http://schemas.microsoft.com/office/drawing/2014/main" xmlns:p14="http://schemas.microsoft.com/office/powerpoint/2010/main" xmlns:a14="http://schemas.microsoft.com/office/drawing/2010/main" w="9525">
                   <a:solidFill>
                     <a:srgbClr val="000000"/>
                   </a:solidFill>
@@ -14177,7 +14265,7 @@
             </a:ln>
             <a:extLst>
               <a:ext uri="{91240B29-F687-4f45-9708-019B960494DF}">
-                <a14:hiddenLine xmlns:a14="http://schemas.microsoft.com/office/drawing/2010/main" xmlns:p14="http://schemas.microsoft.com/office/powerpoint/2010/main" xmlns:a16="http://schemas.microsoft.com/office/drawing/2014/main" xmlns="" w="9525">
+                <a14:hiddenLine xmlns="" xmlns:a16="http://schemas.microsoft.com/office/drawing/2014/main" xmlns:p14="http://schemas.microsoft.com/office/powerpoint/2010/main" xmlns:a14="http://schemas.microsoft.com/office/drawing/2010/main" w="9525">
                   <a:solidFill>
                     <a:srgbClr val="000000"/>
                   </a:solidFill>
@@ -14282,7 +14370,7 @@
             </a:ln>
             <a:extLst>
               <a:ext uri="{91240B29-F687-4f45-9708-019B960494DF}">
-                <a14:hiddenLine xmlns:a14="http://schemas.microsoft.com/office/drawing/2010/main" xmlns:p14="http://schemas.microsoft.com/office/powerpoint/2010/main" xmlns:a16="http://schemas.microsoft.com/office/drawing/2014/main" xmlns="" w="9525">
+                <a14:hiddenLine xmlns="" xmlns:a16="http://schemas.microsoft.com/office/drawing/2014/main" xmlns:p14="http://schemas.microsoft.com/office/powerpoint/2010/main" xmlns:a14="http://schemas.microsoft.com/office/drawing/2010/main" w="9525">
                   <a:solidFill>
                     <a:srgbClr val="000000"/>
                   </a:solidFill>
@@ -14331,7 +14419,7 @@
             </a:ln>
             <a:extLst>
               <a:ext uri="{91240B29-F687-4f45-9708-019B960494DF}">
-                <a14:hiddenLine xmlns:a14="http://schemas.microsoft.com/office/drawing/2010/main" xmlns:p14="http://schemas.microsoft.com/office/powerpoint/2010/main" xmlns:a16="http://schemas.microsoft.com/office/drawing/2014/main" xmlns="" w="9525">
+                <a14:hiddenLine xmlns="" xmlns:a16="http://schemas.microsoft.com/office/drawing/2014/main" xmlns:p14="http://schemas.microsoft.com/office/powerpoint/2010/main" xmlns:a14="http://schemas.microsoft.com/office/drawing/2010/main" w="9525">
                   <a:solidFill>
                     <a:srgbClr val="000000"/>
                   </a:solidFill>
@@ -14411,7 +14499,7 @@
             </a:ln>
             <a:extLst>
               <a:ext uri="{91240B29-F687-4f45-9708-019B960494DF}">
-                <a14:hiddenLine xmlns:a14="http://schemas.microsoft.com/office/drawing/2010/main" xmlns:p14="http://schemas.microsoft.com/office/powerpoint/2010/main" xmlns:a16="http://schemas.microsoft.com/office/drawing/2014/main" xmlns="" w="9525">
+                <a14:hiddenLine xmlns="" xmlns:a16="http://schemas.microsoft.com/office/drawing/2014/main" xmlns:p14="http://schemas.microsoft.com/office/powerpoint/2010/main" xmlns:a14="http://schemas.microsoft.com/office/drawing/2010/main" w="9525">
                   <a:solidFill>
                     <a:srgbClr val="000000"/>
                   </a:solidFill>
@@ -14516,7 +14604,7 @@
             </a:ln>
             <a:extLst>
               <a:ext uri="{91240B29-F687-4f45-9708-019B960494DF}">
-                <a14:hiddenLine xmlns:a14="http://schemas.microsoft.com/office/drawing/2010/main" xmlns:p14="http://schemas.microsoft.com/office/powerpoint/2010/main" xmlns:a16="http://schemas.microsoft.com/office/drawing/2014/main" xmlns="" w="9525">
+                <a14:hiddenLine xmlns="" xmlns:a16="http://schemas.microsoft.com/office/drawing/2014/main" xmlns:p14="http://schemas.microsoft.com/office/powerpoint/2010/main" xmlns:a14="http://schemas.microsoft.com/office/drawing/2010/main" w="9525">
                   <a:solidFill>
                     <a:srgbClr val="000000"/>
                   </a:solidFill>
@@ -14593,7 +14681,7 @@
             </a:ln>
             <a:extLst>
               <a:ext uri="{91240B29-F687-4f45-9708-019B960494DF}">
-                <a14:hiddenLine xmlns:a14="http://schemas.microsoft.com/office/drawing/2010/main" xmlns:p14="http://schemas.microsoft.com/office/powerpoint/2010/main" xmlns:a16="http://schemas.microsoft.com/office/drawing/2014/main" xmlns="" w="9525">
+                <a14:hiddenLine xmlns="" xmlns:a16="http://schemas.microsoft.com/office/drawing/2014/main" xmlns:p14="http://schemas.microsoft.com/office/powerpoint/2010/main" xmlns:a14="http://schemas.microsoft.com/office/drawing/2010/main" w="9525">
                   <a:solidFill>
                     <a:srgbClr val="000000"/>
                   </a:solidFill>
@@ -14698,7 +14786,7 @@
             </a:ln>
             <a:extLst>
               <a:ext uri="{91240B29-F687-4f45-9708-019B960494DF}">
-                <a14:hiddenLine xmlns:a14="http://schemas.microsoft.com/office/drawing/2010/main" xmlns:p14="http://schemas.microsoft.com/office/powerpoint/2010/main" xmlns:a16="http://schemas.microsoft.com/office/drawing/2014/main" xmlns="" w="9525">
+                <a14:hiddenLine xmlns="" xmlns:a16="http://schemas.microsoft.com/office/drawing/2014/main" xmlns:p14="http://schemas.microsoft.com/office/powerpoint/2010/main" xmlns:a14="http://schemas.microsoft.com/office/drawing/2010/main" w="9525">
                   <a:solidFill>
                     <a:srgbClr val="000000"/>
                   </a:solidFill>
@@ -14778,7 +14866,7 @@
             </a:ln>
             <a:extLst>
               <a:ext uri="{91240B29-F687-4f45-9708-019B960494DF}">
-                <a14:hiddenLine xmlns:a14="http://schemas.microsoft.com/office/drawing/2010/main" xmlns:p14="http://schemas.microsoft.com/office/powerpoint/2010/main" xmlns:a16="http://schemas.microsoft.com/office/drawing/2014/main" xmlns="" w="9525">
+                <a14:hiddenLine xmlns="" xmlns:a16="http://schemas.microsoft.com/office/drawing/2014/main" xmlns:p14="http://schemas.microsoft.com/office/powerpoint/2010/main" xmlns:a14="http://schemas.microsoft.com/office/drawing/2010/main" w="9525">
                   <a:solidFill>
                     <a:srgbClr val="000000"/>
                   </a:solidFill>
@@ -14855,7 +14943,7 @@
             </a:ln>
             <a:extLst>
               <a:ext uri="{91240B29-F687-4f45-9708-019B960494DF}">
-                <a14:hiddenLine xmlns:a14="http://schemas.microsoft.com/office/drawing/2010/main" xmlns:p14="http://schemas.microsoft.com/office/powerpoint/2010/main" xmlns:a16="http://schemas.microsoft.com/office/drawing/2014/main" xmlns="" w="9525">
+                <a14:hiddenLine xmlns="" xmlns:a16="http://schemas.microsoft.com/office/drawing/2014/main" xmlns:p14="http://schemas.microsoft.com/office/powerpoint/2010/main" xmlns:a14="http://schemas.microsoft.com/office/drawing/2010/main" w="9525">
                   <a:solidFill>
                     <a:srgbClr val="000000"/>
                   </a:solidFill>
@@ -14960,7 +15048,7 @@
             </a:ln>
             <a:extLst>
               <a:ext uri="{91240B29-F687-4f45-9708-019B960494DF}">
-                <a14:hiddenLine xmlns:a14="http://schemas.microsoft.com/office/drawing/2010/main" xmlns:p14="http://schemas.microsoft.com/office/powerpoint/2010/main" xmlns:a16="http://schemas.microsoft.com/office/drawing/2014/main" xmlns="" w="9525">
+                <a14:hiddenLine xmlns="" xmlns:a16="http://schemas.microsoft.com/office/drawing/2014/main" xmlns:p14="http://schemas.microsoft.com/office/powerpoint/2010/main" xmlns:a14="http://schemas.microsoft.com/office/drawing/2010/main" w="9525">
                   <a:solidFill>
                     <a:srgbClr val="000000"/>
                   </a:solidFill>
@@ -15065,7 +15153,7 @@
             </a:ln>
             <a:extLst>
               <a:ext uri="{91240B29-F687-4f45-9708-019B960494DF}">
-                <a14:hiddenLine xmlns:a14="http://schemas.microsoft.com/office/drawing/2010/main" xmlns:p14="http://schemas.microsoft.com/office/powerpoint/2010/main" xmlns:a16="http://schemas.microsoft.com/office/drawing/2014/main" xmlns="" w="9525">
+                <a14:hiddenLine xmlns="" xmlns:a16="http://schemas.microsoft.com/office/drawing/2014/main" xmlns:p14="http://schemas.microsoft.com/office/powerpoint/2010/main" xmlns:a14="http://schemas.microsoft.com/office/drawing/2010/main" w="9525">
                   <a:solidFill>
                     <a:srgbClr val="000000"/>
                   </a:solidFill>
@@ -15145,7 +15233,7 @@
             </a:ln>
             <a:extLst>
               <a:ext uri="{91240B29-F687-4f45-9708-019B960494DF}">
-                <a14:hiddenLine xmlns:a14="http://schemas.microsoft.com/office/drawing/2010/main" xmlns:p14="http://schemas.microsoft.com/office/powerpoint/2010/main" xmlns:a16="http://schemas.microsoft.com/office/drawing/2014/main" xmlns="" w="9525">
+                <a14:hiddenLine xmlns="" xmlns:a16="http://schemas.microsoft.com/office/drawing/2014/main" xmlns:p14="http://schemas.microsoft.com/office/powerpoint/2010/main" xmlns:a14="http://schemas.microsoft.com/office/drawing/2010/main" w="9525">
                   <a:solidFill>
                     <a:srgbClr val="000000"/>
                   </a:solidFill>
@@ -15280,7 +15368,7 @@
             </a:ln>
             <a:extLst>
               <a:ext uri="{91240B29-F687-4f45-9708-019B960494DF}">
-                <a14:hiddenLine xmlns:a14="http://schemas.microsoft.com/office/drawing/2010/main" xmlns:p14="http://schemas.microsoft.com/office/powerpoint/2010/main" xmlns:a16="http://schemas.microsoft.com/office/drawing/2014/main" xmlns="" w="9525">
+                <a14:hiddenLine xmlns="" xmlns:a16="http://schemas.microsoft.com/office/drawing/2014/main" xmlns:p14="http://schemas.microsoft.com/office/powerpoint/2010/main" xmlns:a14="http://schemas.microsoft.com/office/drawing/2010/main" w="9525">
                   <a:solidFill>
                     <a:srgbClr val="000000"/>
                   </a:solidFill>

--- a/Präsentation_prototyp/Präsentation_prototyp_siai.pptx
+++ b/Präsentation_prototyp/Präsentation_prototyp_siai.pptx
@@ -165,7 +165,7 @@
           <a:noFill/>
           <a:extLst>
             <a:ext uri="{909E8E84-426E-40dd-AFC4-6F175D3DCCD1}">
-              <a14:hiddenFill xmlns="" xmlns:a14="http://schemas.microsoft.com/office/drawing/2010/main">
+              <a14:hiddenFill xmlns:a14="http://schemas.microsoft.com/office/drawing/2010/main" xmlns="">
                 <a:solidFill>
                   <a:srgbClr val="FFFFFF"/>
                 </a:solidFill>
@@ -225,7 +225,7 @@
             </a:ln>
             <a:extLst>
               <a:ext uri="{91240B29-F687-4f45-9708-019B960494DF}">
-                <a14:hiddenLine xmlns="" xmlns:a14="http://schemas.microsoft.com/office/drawing/2010/main" w="9525">
+                <a14:hiddenLine xmlns:a14="http://schemas.microsoft.com/office/drawing/2010/main" xmlns="" w="9525">
                   <a:solidFill>
                     <a:srgbClr val="000000"/>
                   </a:solidFill>
@@ -315,7 +315,7 @@
             </a:ln>
             <a:extLst>
               <a:ext uri="{91240B29-F687-4f45-9708-019B960494DF}">
-                <a14:hiddenLine xmlns="" xmlns:a14="http://schemas.microsoft.com/office/drawing/2010/main" w="9525">
+                <a14:hiddenLine xmlns:a14="http://schemas.microsoft.com/office/drawing/2010/main" xmlns="" w="9525">
                   <a:solidFill>
                     <a:srgbClr val="000000"/>
                   </a:solidFill>
@@ -405,7 +405,7 @@
             </a:ln>
             <a:extLst>
               <a:ext uri="{91240B29-F687-4f45-9708-019B960494DF}">
-                <a14:hiddenLine xmlns="" xmlns:a14="http://schemas.microsoft.com/office/drawing/2010/main" w="9525">
+                <a14:hiddenLine xmlns:a14="http://schemas.microsoft.com/office/drawing/2010/main" xmlns="" w="9525">
                   <a:solidFill>
                     <a:srgbClr val="000000"/>
                   </a:solidFill>
@@ -439,7 +439,7 @@
             </a:ln>
             <a:extLst>
               <a:ext uri="{91240B29-F687-4f45-9708-019B960494DF}">
-                <a14:hiddenLine xmlns="" xmlns:a14="http://schemas.microsoft.com/office/drawing/2010/main" w="9525">
+                <a14:hiddenLine xmlns:a14="http://schemas.microsoft.com/office/drawing/2010/main" xmlns="" w="9525">
                   <a:solidFill>
                     <a:srgbClr val="000000"/>
                   </a:solidFill>
@@ -529,7 +529,7 @@
             </a:ln>
             <a:extLst>
               <a:ext uri="{91240B29-F687-4f45-9708-019B960494DF}">
-                <a14:hiddenLine xmlns="" xmlns:a14="http://schemas.microsoft.com/office/drawing/2010/main" w="9525">
+                <a14:hiddenLine xmlns:a14="http://schemas.microsoft.com/office/drawing/2010/main" xmlns="" w="9525">
                   <a:solidFill>
                     <a:srgbClr val="000000"/>
                   </a:solidFill>
@@ -591,7 +591,7 @@
             </a:ln>
             <a:extLst>
               <a:ext uri="{91240B29-F687-4f45-9708-019B960494DF}">
-                <a14:hiddenLine xmlns="" xmlns:a14="http://schemas.microsoft.com/office/drawing/2010/main" w="9525">
+                <a14:hiddenLine xmlns:a14="http://schemas.microsoft.com/office/drawing/2010/main" xmlns="" w="9525">
                   <a:solidFill>
                     <a:srgbClr val="000000"/>
                   </a:solidFill>
@@ -653,7 +653,7 @@
             </a:ln>
             <a:extLst>
               <a:ext uri="{91240B29-F687-4f45-9708-019B960494DF}">
-                <a14:hiddenLine xmlns="" xmlns:a14="http://schemas.microsoft.com/office/drawing/2010/main" w="9525">
+                <a14:hiddenLine xmlns:a14="http://schemas.microsoft.com/office/drawing/2010/main" xmlns="" w="9525">
                   <a:solidFill>
                     <a:srgbClr val="000000"/>
                   </a:solidFill>
@@ -743,7 +743,7 @@
             </a:ln>
             <a:extLst>
               <a:ext uri="{91240B29-F687-4f45-9708-019B960494DF}">
-                <a14:hiddenLine xmlns="" xmlns:a14="http://schemas.microsoft.com/office/drawing/2010/main" w="9525">
+                <a14:hiddenLine xmlns:a14="http://schemas.microsoft.com/office/drawing/2010/main" xmlns="" w="9525">
                   <a:solidFill>
                     <a:srgbClr val="000000"/>
                   </a:solidFill>
@@ -805,7 +805,7 @@
             </a:ln>
             <a:extLst>
               <a:ext uri="{91240B29-F687-4f45-9708-019B960494DF}">
-                <a14:hiddenLine xmlns="" xmlns:a14="http://schemas.microsoft.com/office/drawing/2010/main" w="9525">
+                <a14:hiddenLine xmlns:a14="http://schemas.microsoft.com/office/drawing/2010/main" xmlns="" w="9525">
                   <a:solidFill>
                     <a:srgbClr val="000000"/>
                   </a:solidFill>
@@ -867,7 +867,7 @@
             </a:ln>
             <a:extLst>
               <a:ext uri="{91240B29-F687-4f45-9708-019B960494DF}">
-                <a14:hiddenLine xmlns="" xmlns:a14="http://schemas.microsoft.com/office/drawing/2010/main" w="9525">
+                <a14:hiddenLine xmlns:a14="http://schemas.microsoft.com/office/drawing/2010/main" xmlns="" w="9525">
                   <a:solidFill>
                     <a:srgbClr val="000000"/>
                   </a:solidFill>
@@ -957,7 +957,7 @@
             </a:ln>
             <a:extLst>
               <a:ext uri="{91240B29-F687-4f45-9708-019B960494DF}">
-                <a14:hiddenLine xmlns="" xmlns:a14="http://schemas.microsoft.com/office/drawing/2010/main" w="9525">
+                <a14:hiddenLine xmlns:a14="http://schemas.microsoft.com/office/drawing/2010/main" xmlns="" w="9525">
                   <a:solidFill>
                     <a:srgbClr val="000000"/>
                   </a:solidFill>
@@ -1047,7 +1047,7 @@
             </a:ln>
             <a:extLst>
               <a:ext uri="{91240B29-F687-4f45-9708-019B960494DF}">
-                <a14:hiddenLine xmlns="" xmlns:a14="http://schemas.microsoft.com/office/drawing/2010/main" w="9525">
+                <a14:hiddenLine xmlns:a14="http://schemas.microsoft.com/office/drawing/2010/main" xmlns="" w="9525">
                   <a:solidFill>
                     <a:srgbClr val="000000"/>
                   </a:solidFill>
@@ -1109,7 +1109,7 @@
             </a:ln>
             <a:extLst>
               <a:ext uri="{91240B29-F687-4f45-9708-019B960494DF}">
-                <a14:hiddenLine xmlns="" xmlns:a14="http://schemas.microsoft.com/office/drawing/2010/main" w="9525">
+                <a14:hiddenLine xmlns:a14="http://schemas.microsoft.com/office/drawing/2010/main" xmlns="" w="9525">
                   <a:solidFill>
                     <a:srgbClr val="000000"/>
                   </a:solidFill>
@@ -1219,7 +1219,7 @@
             </a:ln>
             <a:extLst>
               <a:ext uri="{91240B29-F687-4f45-9708-019B960494DF}">
-                <a14:hiddenLine xmlns="" xmlns:a14="http://schemas.microsoft.com/office/drawing/2010/main" w="9525">
+                <a14:hiddenLine xmlns:a14="http://schemas.microsoft.com/office/drawing/2010/main" xmlns="" w="9525">
                   <a:solidFill>
                     <a:srgbClr val="000000"/>
                   </a:solidFill>
@@ -1281,7 +1281,7 @@
             </a:ln>
             <a:extLst>
               <a:ext uri="{91240B29-F687-4f45-9708-019B960494DF}">
-                <a14:hiddenLine xmlns="" xmlns:a14="http://schemas.microsoft.com/office/drawing/2010/main" w="9525">
+                <a14:hiddenLine xmlns:a14="http://schemas.microsoft.com/office/drawing/2010/main" xmlns="" w="9525">
                   <a:solidFill>
                     <a:srgbClr val="000000"/>
                   </a:solidFill>
@@ -1371,7 +1371,7 @@
             </a:ln>
             <a:extLst>
               <a:ext uri="{91240B29-F687-4f45-9708-019B960494DF}">
-                <a14:hiddenLine xmlns="" xmlns:a14="http://schemas.microsoft.com/office/drawing/2010/main" w="9525">
+                <a14:hiddenLine xmlns:a14="http://schemas.microsoft.com/office/drawing/2010/main" xmlns="" w="9525">
                   <a:solidFill>
                     <a:srgbClr val="000000"/>
                   </a:solidFill>
@@ -1461,7 +1461,7 @@
             </a:ln>
             <a:extLst>
               <a:ext uri="{91240B29-F687-4f45-9708-019B960494DF}">
-                <a14:hiddenLine xmlns="" xmlns:a14="http://schemas.microsoft.com/office/drawing/2010/main" w="9525">
+                <a14:hiddenLine xmlns:a14="http://schemas.microsoft.com/office/drawing/2010/main" xmlns="" w="9525">
                   <a:solidFill>
                     <a:srgbClr val="000000"/>
                   </a:solidFill>
@@ -1523,7 +1523,7 @@
             </a:ln>
             <a:extLst>
               <a:ext uri="{91240B29-F687-4f45-9708-019B960494DF}">
-                <a14:hiddenLine xmlns="" xmlns:a14="http://schemas.microsoft.com/office/drawing/2010/main" w="9525">
+                <a14:hiddenLine xmlns:a14="http://schemas.microsoft.com/office/drawing/2010/main" xmlns="" w="9525">
                   <a:solidFill>
                     <a:srgbClr val="000000"/>
                   </a:solidFill>
@@ -1613,7 +1613,7 @@
             </a:ln>
             <a:extLst>
               <a:ext uri="{91240B29-F687-4f45-9708-019B960494DF}">
-                <a14:hiddenLine xmlns="" xmlns:a14="http://schemas.microsoft.com/office/drawing/2010/main" w="9525">
+                <a14:hiddenLine xmlns:a14="http://schemas.microsoft.com/office/drawing/2010/main" xmlns="" w="9525">
                   <a:solidFill>
                     <a:srgbClr val="000000"/>
                   </a:solidFill>
@@ -1703,7 +1703,7 @@
             </a:ln>
             <a:extLst>
               <a:ext uri="{91240B29-F687-4f45-9708-019B960494DF}">
-                <a14:hiddenLine xmlns="" xmlns:a14="http://schemas.microsoft.com/office/drawing/2010/main" w="9525">
+                <a14:hiddenLine xmlns:a14="http://schemas.microsoft.com/office/drawing/2010/main" xmlns="" w="9525">
                   <a:solidFill>
                     <a:srgbClr val="000000"/>
                   </a:solidFill>
@@ -1759,7 +1759,7 @@
             </a:ln>
             <a:extLst>
               <a:ext uri="{91240B29-F687-4f45-9708-019B960494DF}">
-                <a14:hiddenLine xmlns="" xmlns:a14="http://schemas.microsoft.com/office/drawing/2010/main" w="9525">
+                <a14:hiddenLine xmlns:a14="http://schemas.microsoft.com/office/drawing/2010/main" xmlns="" w="9525">
                   <a:solidFill>
                     <a:srgbClr val="000000"/>
                   </a:solidFill>
@@ -1849,7 +1849,7 @@
             </a:ln>
             <a:extLst>
               <a:ext uri="{91240B29-F687-4f45-9708-019B960494DF}">
-                <a14:hiddenLine xmlns="" xmlns:a14="http://schemas.microsoft.com/office/drawing/2010/main" w="9525">
+                <a14:hiddenLine xmlns:a14="http://schemas.microsoft.com/office/drawing/2010/main" xmlns="" w="9525">
                   <a:solidFill>
                     <a:srgbClr val="000000"/>
                   </a:solidFill>
@@ -1905,7 +1905,7 @@
             </a:ln>
             <a:extLst>
               <a:ext uri="{91240B29-F687-4f45-9708-019B960494DF}">
-                <a14:hiddenLine xmlns="" xmlns:a14="http://schemas.microsoft.com/office/drawing/2010/main" w="9525">
+                <a14:hiddenLine xmlns:a14="http://schemas.microsoft.com/office/drawing/2010/main" xmlns="" w="9525">
                   <a:solidFill>
                     <a:srgbClr val="000000"/>
                   </a:solidFill>
@@ -1995,7 +1995,7 @@
             </a:ln>
             <a:extLst>
               <a:ext uri="{91240B29-F687-4f45-9708-019B960494DF}">
-                <a14:hiddenLine xmlns="" xmlns:a14="http://schemas.microsoft.com/office/drawing/2010/main" w="9525">
+                <a14:hiddenLine xmlns:a14="http://schemas.microsoft.com/office/drawing/2010/main" xmlns="" w="9525">
                   <a:solidFill>
                     <a:srgbClr val="000000"/>
                   </a:solidFill>
@@ -2063,7 +2063,7 @@
             </a:ln>
             <a:extLst>
               <a:ext uri="{91240B29-F687-4f45-9708-019B960494DF}">
-                <a14:hiddenLine xmlns="" xmlns:a14="http://schemas.microsoft.com/office/drawing/2010/main" w="9525">
+                <a14:hiddenLine xmlns:a14="http://schemas.microsoft.com/office/drawing/2010/main" xmlns="" w="9525">
                   <a:solidFill>
                     <a:srgbClr val="000000"/>
                   </a:solidFill>
@@ -2153,7 +2153,7 @@
             </a:ln>
             <a:extLst>
               <a:ext uri="{91240B29-F687-4f45-9708-019B960494DF}">
-                <a14:hiddenLine xmlns="" xmlns:a14="http://schemas.microsoft.com/office/drawing/2010/main" w="9525">
+                <a14:hiddenLine xmlns:a14="http://schemas.microsoft.com/office/drawing/2010/main" xmlns="" w="9525">
                   <a:solidFill>
                     <a:srgbClr val="000000"/>
                   </a:solidFill>
@@ -2221,7 +2221,7 @@
             </a:ln>
             <a:extLst>
               <a:ext uri="{91240B29-F687-4f45-9708-019B960494DF}">
-                <a14:hiddenLine xmlns="" xmlns:a14="http://schemas.microsoft.com/office/drawing/2010/main" w="9525">
+                <a14:hiddenLine xmlns:a14="http://schemas.microsoft.com/office/drawing/2010/main" xmlns="" w="9525">
                   <a:solidFill>
                     <a:srgbClr val="000000"/>
                   </a:solidFill>
@@ -2311,7 +2311,7 @@
             </a:ln>
             <a:extLst>
               <a:ext uri="{91240B29-F687-4f45-9708-019B960494DF}">
-                <a14:hiddenLine xmlns="" xmlns:a14="http://schemas.microsoft.com/office/drawing/2010/main" w="9525">
+                <a14:hiddenLine xmlns:a14="http://schemas.microsoft.com/office/drawing/2010/main" xmlns="" w="9525">
                   <a:solidFill>
                     <a:srgbClr val="000000"/>
                   </a:solidFill>
@@ -2345,7 +2345,7 @@
             </a:ln>
             <a:extLst>
               <a:ext uri="{91240B29-F687-4f45-9708-019B960494DF}">
-                <a14:hiddenLine xmlns="" xmlns:a14="http://schemas.microsoft.com/office/drawing/2010/main" w="9525">
+                <a14:hiddenLine xmlns:a14="http://schemas.microsoft.com/office/drawing/2010/main" xmlns="" w="9525">
                   <a:solidFill>
                     <a:srgbClr val="000000"/>
                   </a:solidFill>
@@ -2435,7 +2435,7 @@
             </a:ln>
             <a:extLst>
               <a:ext uri="{91240B29-F687-4f45-9708-019B960494DF}">
-                <a14:hiddenLine xmlns="" xmlns:a14="http://schemas.microsoft.com/office/drawing/2010/main" w="9525">
+                <a14:hiddenLine xmlns:a14="http://schemas.microsoft.com/office/drawing/2010/main" xmlns="" w="9525">
                   <a:solidFill>
                     <a:srgbClr val="000000"/>
                   </a:solidFill>
@@ -2497,7 +2497,7 @@
             </a:ln>
             <a:extLst>
               <a:ext uri="{91240B29-F687-4f45-9708-019B960494DF}">
-                <a14:hiddenLine xmlns="" xmlns:a14="http://schemas.microsoft.com/office/drawing/2010/main" w="9525">
+                <a14:hiddenLine xmlns:a14="http://schemas.microsoft.com/office/drawing/2010/main" xmlns="" w="9525">
                   <a:solidFill>
                     <a:srgbClr val="000000"/>
                   </a:solidFill>
@@ -2559,7 +2559,7 @@
             </a:ln>
             <a:extLst>
               <a:ext uri="{91240B29-F687-4f45-9708-019B960494DF}">
-                <a14:hiddenLine xmlns="" xmlns:a14="http://schemas.microsoft.com/office/drawing/2010/main" w="9525">
+                <a14:hiddenLine xmlns:a14="http://schemas.microsoft.com/office/drawing/2010/main" xmlns="" w="9525">
                   <a:solidFill>
                     <a:srgbClr val="000000"/>
                   </a:solidFill>
@@ -2649,7 +2649,7 @@
             </a:ln>
             <a:extLst>
               <a:ext uri="{91240B29-F687-4f45-9708-019B960494DF}">
-                <a14:hiddenLine xmlns="" xmlns:a14="http://schemas.microsoft.com/office/drawing/2010/main" w="9525">
+                <a14:hiddenLine xmlns:a14="http://schemas.microsoft.com/office/drawing/2010/main" xmlns="" w="9525">
                   <a:solidFill>
                     <a:srgbClr val="000000"/>
                   </a:solidFill>
@@ -2717,7 +2717,7 @@
             </a:ln>
             <a:extLst>
               <a:ext uri="{91240B29-F687-4f45-9708-019B960494DF}">
-                <a14:hiddenLine xmlns="" xmlns:a14="http://schemas.microsoft.com/office/drawing/2010/main" w="9525">
+                <a14:hiddenLine xmlns:a14="http://schemas.microsoft.com/office/drawing/2010/main" xmlns="" w="9525">
                   <a:solidFill>
                     <a:srgbClr val="000000"/>
                   </a:solidFill>
@@ -2779,7 +2779,7 @@
             </a:ln>
             <a:extLst>
               <a:ext uri="{91240B29-F687-4f45-9708-019B960494DF}">
-                <a14:hiddenLine xmlns="" xmlns:a14="http://schemas.microsoft.com/office/drawing/2010/main" w="9525">
+                <a14:hiddenLine xmlns:a14="http://schemas.microsoft.com/office/drawing/2010/main" xmlns="" w="9525">
                   <a:solidFill>
                     <a:srgbClr val="000000"/>
                   </a:solidFill>
@@ -2869,7 +2869,7 @@
             </a:ln>
             <a:extLst>
               <a:ext uri="{91240B29-F687-4f45-9708-019B960494DF}">
-                <a14:hiddenLine xmlns="" xmlns:a14="http://schemas.microsoft.com/office/drawing/2010/main" w="9525">
+                <a14:hiddenLine xmlns:a14="http://schemas.microsoft.com/office/drawing/2010/main" xmlns="" w="9525">
                   <a:solidFill>
                     <a:srgbClr val="000000"/>
                   </a:solidFill>
@@ -2931,7 +2931,7 @@
             </a:ln>
             <a:extLst>
               <a:ext uri="{91240B29-F687-4f45-9708-019B960494DF}">
-                <a14:hiddenLine xmlns="" xmlns:a14="http://schemas.microsoft.com/office/drawing/2010/main" w="9525">
+                <a14:hiddenLine xmlns:a14="http://schemas.microsoft.com/office/drawing/2010/main" xmlns="" w="9525">
                   <a:solidFill>
                     <a:srgbClr val="000000"/>
                   </a:solidFill>
@@ -3021,7 +3021,7 @@
             </a:ln>
             <a:extLst>
               <a:ext uri="{91240B29-F687-4f45-9708-019B960494DF}">
-                <a14:hiddenLine xmlns="" xmlns:a14="http://schemas.microsoft.com/office/drawing/2010/main" w="9525">
+                <a14:hiddenLine xmlns:a14="http://schemas.microsoft.com/office/drawing/2010/main" xmlns="" w="9525">
                   <a:solidFill>
                     <a:srgbClr val="000000"/>
                   </a:solidFill>
@@ -3083,7 +3083,7 @@
             </a:ln>
             <a:extLst>
               <a:ext uri="{91240B29-F687-4f45-9708-019B960494DF}">
-                <a14:hiddenLine xmlns="" xmlns:a14="http://schemas.microsoft.com/office/drawing/2010/main" w="9525">
+                <a14:hiddenLine xmlns:a14="http://schemas.microsoft.com/office/drawing/2010/main" xmlns="" w="9525">
                   <a:solidFill>
                     <a:srgbClr val="000000"/>
                   </a:solidFill>
@@ -3173,7 +3173,7 @@
             </a:ln>
             <a:extLst>
               <a:ext uri="{91240B29-F687-4f45-9708-019B960494DF}">
-                <a14:hiddenLine xmlns="" xmlns:a14="http://schemas.microsoft.com/office/drawing/2010/main" w="9525">
+                <a14:hiddenLine xmlns:a14="http://schemas.microsoft.com/office/drawing/2010/main" xmlns="" w="9525">
                   <a:solidFill>
                     <a:srgbClr val="000000"/>
                   </a:solidFill>
@@ -3207,7 +3207,7 @@
             </a:ln>
             <a:extLst>
               <a:ext uri="{91240B29-F687-4f45-9708-019B960494DF}">
-                <a14:hiddenLine xmlns="" xmlns:a14="http://schemas.microsoft.com/office/drawing/2010/main" w="9525">
+                <a14:hiddenLine xmlns:a14="http://schemas.microsoft.com/office/drawing/2010/main" xmlns="" w="9525">
                   <a:solidFill>
                     <a:srgbClr val="000000"/>
                   </a:solidFill>
@@ -3272,7 +3272,7 @@
             </a:ln>
             <a:extLst>
               <a:ext uri="{91240B29-F687-4f45-9708-019B960494DF}">
-                <a14:hiddenLine xmlns="" xmlns:a14="http://schemas.microsoft.com/office/drawing/2010/main" w="9525">
+                <a14:hiddenLine xmlns:a14="http://schemas.microsoft.com/office/drawing/2010/main" xmlns="" w="9525">
                   <a:solidFill>
                     <a:srgbClr val="000000"/>
                   </a:solidFill>
@@ -3362,7 +3362,7 @@
             </a:ln>
             <a:extLst>
               <a:ext uri="{91240B29-F687-4f45-9708-019B960494DF}">
-                <a14:hiddenLine xmlns="" xmlns:a14="http://schemas.microsoft.com/office/drawing/2010/main" w="9525">
+                <a14:hiddenLine xmlns:a14="http://schemas.microsoft.com/office/drawing/2010/main" xmlns="" w="9525">
                   <a:solidFill>
                     <a:srgbClr val="000000"/>
                   </a:solidFill>
@@ -3424,7 +3424,7 @@
             </a:ln>
             <a:extLst>
               <a:ext uri="{91240B29-F687-4f45-9708-019B960494DF}">
-                <a14:hiddenLine xmlns="" xmlns:a14="http://schemas.microsoft.com/office/drawing/2010/main" w="9525">
+                <a14:hiddenLine xmlns:a14="http://schemas.microsoft.com/office/drawing/2010/main" xmlns="" w="9525">
                   <a:solidFill>
                     <a:srgbClr val="000000"/>
                   </a:solidFill>
@@ -3514,7 +3514,7 @@
             </a:ln>
             <a:extLst>
               <a:ext uri="{91240B29-F687-4f45-9708-019B960494DF}">
-                <a14:hiddenLine xmlns="" xmlns:a14="http://schemas.microsoft.com/office/drawing/2010/main" w="9525">
+                <a14:hiddenLine xmlns:a14="http://schemas.microsoft.com/office/drawing/2010/main" xmlns="" w="9525">
                   <a:solidFill>
                     <a:srgbClr val="000000"/>
                   </a:solidFill>
@@ -3604,7 +3604,7 @@
             </a:ln>
             <a:extLst>
               <a:ext uri="{91240B29-F687-4f45-9708-019B960494DF}">
-                <a14:hiddenLine xmlns="" xmlns:a14="http://schemas.microsoft.com/office/drawing/2010/main" w="9525">
+                <a14:hiddenLine xmlns:a14="http://schemas.microsoft.com/office/drawing/2010/main" xmlns="" w="9525">
                   <a:solidFill>
                     <a:srgbClr val="000000"/>
                   </a:solidFill>
@@ -3669,7 +3669,7 @@
             </a:ln>
             <a:extLst>
               <a:ext uri="{91240B29-F687-4f45-9708-019B960494DF}">
-                <a14:hiddenLine xmlns="" xmlns:a14="http://schemas.microsoft.com/office/drawing/2010/main" w="9525">
+                <a14:hiddenLine xmlns:a14="http://schemas.microsoft.com/office/drawing/2010/main" xmlns="" w="9525">
                   <a:solidFill>
                     <a:srgbClr val="000000"/>
                   </a:solidFill>
@@ -3731,7 +3731,7 @@
             </a:ln>
             <a:extLst>
               <a:ext uri="{91240B29-F687-4f45-9708-019B960494DF}">
-                <a14:hiddenLine xmlns="" xmlns:a14="http://schemas.microsoft.com/office/drawing/2010/main" w="9525">
+                <a14:hiddenLine xmlns:a14="http://schemas.microsoft.com/office/drawing/2010/main" xmlns="" w="9525">
                   <a:solidFill>
                     <a:srgbClr val="000000"/>
                   </a:solidFill>
@@ -3821,7 +3821,7 @@
             </a:ln>
             <a:extLst>
               <a:ext uri="{91240B29-F687-4f45-9708-019B960494DF}">
-                <a14:hiddenLine xmlns="" xmlns:a14="http://schemas.microsoft.com/office/drawing/2010/main" w="9525">
+                <a14:hiddenLine xmlns:a14="http://schemas.microsoft.com/office/drawing/2010/main" xmlns="" w="9525">
                   <a:solidFill>
                     <a:srgbClr val="000000"/>
                   </a:solidFill>
@@ -3911,7 +3911,7 @@
             </a:ln>
             <a:extLst>
               <a:ext uri="{91240B29-F687-4f45-9708-019B960494DF}">
-                <a14:hiddenLine xmlns="" xmlns:a14="http://schemas.microsoft.com/office/drawing/2010/main" w="9525">
+                <a14:hiddenLine xmlns:a14="http://schemas.microsoft.com/office/drawing/2010/main" xmlns="" w="9525">
                   <a:solidFill>
                     <a:srgbClr val="000000"/>
                   </a:solidFill>
@@ -3973,7 +3973,7 @@
             </a:ln>
             <a:extLst>
               <a:ext uri="{91240B29-F687-4f45-9708-019B960494DF}">
-                <a14:hiddenLine xmlns="" xmlns:a14="http://schemas.microsoft.com/office/drawing/2010/main" w="9525">
+                <a14:hiddenLine xmlns:a14="http://schemas.microsoft.com/office/drawing/2010/main" xmlns="" w="9525">
                   <a:solidFill>
                     <a:srgbClr val="000000"/>
                   </a:solidFill>
@@ -4093,7 +4093,7 @@
             </a:ln>
             <a:extLst>
               <a:ext uri="{91240B29-F687-4f45-9708-019B960494DF}">
-                <a14:hiddenLine xmlns="" xmlns:a14="http://schemas.microsoft.com/office/drawing/2010/main" w="9525">
+                <a14:hiddenLine xmlns:a14="http://schemas.microsoft.com/office/drawing/2010/main" xmlns="" w="9525">
                   <a:solidFill>
                     <a:srgbClr val="000000"/>
                   </a:solidFill>
@@ -4161,7 +4161,7 @@
             </a:ln>
             <a:extLst>
               <a:ext uri="{91240B29-F687-4f45-9708-019B960494DF}">
-                <a14:hiddenLine xmlns="" xmlns:a14="http://schemas.microsoft.com/office/drawing/2010/main" w="9525">
+                <a14:hiddenLine xmlns:a14="http://schemas.microsoft.com/office/drawing/2010/main" xmlns="" w="9525">
                   <a:solidFill>
                     <a:srgbClr val="000000"/>
                   </a:solidFill>
@@ -4251,7 +4251,7 @@
             </a:ln>
             <a:extLst>
               <a:ext uri="{91240B29-F687-4f45-9708-019B960494DF}">
-                <a14:hiddenLine xmlns="" xmlns:a14="http://schemas.microsoft.com/office/drawing/2010/main" w="9525">
+                <a14:hiddenLine xmlns:a14="http://schemas.microsoft.com/office/drawing/2010/main" xmlns="" w="9525">
                   <a:solidFill>
                     <a:srgbClr val="000000"/>
                   </a:solidFill>
@@ -8973,7 +8973,7 @@
           <a:noFill/>
           <a:extLst>
             <a:ext uri="{909E8E84-426E-40dd-AFC4-6F175D3DCCD1}">
-              <a14:hiddenFill xmlns="" xmlns:a14="http://schemas.microsoft.com/office/drawing/2010/main">
+              <a14:hiddenFill xmlns:a14="http://schemas.microsoft.com/office/drawing/2010/main" xmlns="">
                 <a:solidFill>
                   <a:srgbClr val="FFFFFF"/>
                 </a:solidFill>
@@ -9047,7 +9047,7 @@
               </a:ln>
               <a:extLst>
                 <a:ext uri="{91240B29-F687-4f45-9708-019B960494DF}">
-                  <a14:hiddenLine xmlns="" xmlns:a14="http://schemas.microsoft.com/office/drawing/2010/main" w="9525">
+                  <a14:hiddenLine xmlns:a14="http://schemas.microsoft.com/office/drawing/2010/main" xmlns="" w="9525">
                     <a:solidFill>
                       <a:srgbClr val="000000"/>
                     </a:solidFill>
@@ -9137,7 +9137,7 @@
               </a:ln>
               <a:extLst>
                 <a:ext uri="{91240B29-F687-4f45-9708-019B960494DF}">
-                  <a14:hiddenLine xmlns="" xmlns:a14="http://schemas.microsoft.com/office/drawing/2010/main" w="9525">
+                  <a14:hiddenLine xmlns:a14="http://schemas.microsoft.com/office/drawing/2010/main" xmlns="" w="9525">
                     <a:solidFill>
                       <a:srgbClr val="000000"/>
                     </a:solidFill>
@@ -9227,7 +9227,7 @@
               </a:ln>
               <a:extLst>
                 <a:ext uri="{91240B29-F687-4f45-9708-019B960494DF}">
-                  <a14:hiddenLine xmlns="" xmlns:a14="http://schemas.microsoft.com/office/drawing/2010/main" w="9525">
+                  <a14:hiddenLine xmlns:a14="http://schemas.microsoft.com/office/drawing/2010/main" xmlns="" w="9525">
                     <a:solidFill>
                       <a:srgbClr val="000000"/>
                     </a:solidFill>
@@ -9289,7 +9289,7 @@
               </a:ln>
               <a:extLst>
                 <a:ext uri="{91240B29-F687-4f45-9708-019B960494DF}">
-                  <a14:hiddenLine xmlns="" xmlns:a14="http://schemas.microsoft.com/office/drawing/2010/main" w="9525">
+                  <a14:hiddenLine xmlns:a14="http://schemas.microsoft.com/office/drawing/2010/main" xmlns="" w="9525">
                     <a:solidFill>
                       <a:srgbClr val="000000"/>
                     </a:solidFill>
@@ -9379,7 +9379,7 @@
               </a:ln>
               <a:extLst>
                 <a:ext uri="{91240B29-F687-4f45-9708-019B960494DF}">
-                  <a14:hiddenLine xmlns="" xmlns:a14="http://schemas.microsoft.com/office/drawing/2010/main" w="9525">
+                  <a14:hiddenLine xmlns:a14="http://schemas.microsoft.com/office/drawing/2010/main" xmlns="" w="9525">
                     <a:solidFill>
                       <a:srgbClr val="000000"/>
                     </a:solidFill>
@@ -9441,7 +9441,7 @@
               </a:ln>
               <a:extLst>
                 <a:ext uri="{91240B29-F687-4f45-9708-019B960494DF}">
-                  <a14:hiddenLine xmlns="" xmlns:a14="http://schemas.microsoft.com/office/drawing/2010/main" w="9525">
+                  <a14:hiddenLine xmlns:a14="http://schemas.microsoft.com/office/drawing/2010/main" xmlns="" w="9525">
                     <a:solidFill>
                       <a:srgbClr val="000000"/>
                     </a:solidFill>
@@ -9503,7 +9503,7 @@
               </a:ln>
               <a:extLst>
                 <a:ext uri="{91240B29-F687-4f45-9708-019B960494DF}">
-                  <a14:hiddenLine xmlns="" xmlns:a14="http://schemas.microsoft.com/office/drawing/2010/main" w="9525">
+                  <a14:hiddenLine xmlns:a14="http://schemas.microsoft.com/office/drawing/2010/main" xmlns="" w="9525">
                     <a:solidFill>
                       <a:srgbClr val="000000"/>
                     </a:solidFill>
@@ -9593,7 +9593,7 @@
               </a:ln>
               <a:extLst>
                 <a:ext uri="{91240B29-F687-4f45-9708-019B960494DF}">
-                  <a14:hiddenLine xmlns="" xmlns:a14="http://schemas.microsoft.com/office/drawing/2010/main" w="9525">
+                  <a14:hiddenLine xmlns:a14="http://schemas.microsoft.com/office/drawing/2010/main" xmlns="" w="9525">
                     <a:solidFill>
                       <a:srgbClr val="000000"/>
                     </a:solidFill>
@@ -9683,7 +9683,7 @@
               </a:ln>
               <a:extLst>
                 <a:ext uri="{91240B29-F687-4f45-9708-019B960494DF}">
-                  <a14:hiddenLine xmlns="" xmlns:a14="http://schemas.microsoft.com/office/drawing/2010/main" w="9525">
+                  <a14:hiddenLine xmlns:a14="http://schemas.microsoft.com/office/drawing/2010/main" xmlns="" w="9525">
                     <a:solidFill>
                       <a:srgbClr val="000000"/>
                     </a:solidFill>
@@ -9745,7 +9745,7 @@
               </a:ln>
               <a:extLst>
                 <a:ext uri="{91240B29-F687-4f45-9708-019B960494DF}">
-                  <a14:hiddenLine xmlns="" xmlns:a14="http://schemas.microsoft.com/office/drawing/2010/main" w="9525">
+                  <a14:hiddenLine xmlns:a14="http://schemas.microsoft.com/office/drawing/2010/main" xmlns="" w="9525">
                     <a:solidFill>
                       <a:srgbClr val="000000"/>
                     </a:solidFill>
@@ -9855,7 +9855,7 @@
               </a:ln>
               <a:extLst>
                 <a:ext uri="{91240B29-F687-4f45-9708-019B960494DF}">
-                  <a14:hiddenLine xmlns="" xmlns:a14="http://schemas.microsoft.com/office/drawing/2010/main" w="9525">
+                  <a14:hiddenLine xmlns:a14="http://schemas.microsoft.com/office/drawing/2010/main" xmlns="" w="9525">
                     <a:solidFill>
                       <a:srgbClr val="000000"/>
                     </a:solidFill>
@@ -9939,7 +9939,7 @@
               </a:ln>
               <a:extLst>
                 <a:ext uri="{91240B29-F687-4f45-9708-019B960494DF}">
-                  <a14:hiddenLine xmlns="" xmlns:a14="http://schemas.microsoft.com/office/drawing/2010/main" w="9525">
+                  <a14:hiddenLine xmlns:a14="http://schemas.microsoft.com/office/drawing/2010/main" xmlns="" w="9525">
                     <a:solidFill>
                       <a:srgbClr val="000000"/>
                     </a:solidFill>
@@ -10001,7 +10001,7 @@
               </a:ln>
               <a:extLst>
                 <a:ext uri="{91240B29-F687-4f45-9708-019B960494DF}">
-                  <a14:hiddenLine xmlns="" xmlns:a14="http://schemas.microsoft.com/office/drawing/2010/main" w="9525">
+                  <a14:hiddenLine xmlns:a14="http://schemas.microsoft.com/office/drawing/2010/main" xmlns="" w="9525">
                     <a:solidFill>
                       <a:srgbClr val="000000"/>
                     </a:solidFill>
@@ -10063,7 +10063,7 @@
               </a:ln>
               <a:extLst>
                 <a:ext uri="{91240B29-F687-4f45-9708-019B960494DF}">
-                  <a14:hiddenLine xmlns="" xmlns:a14="http://schemas.microsoft.com/office/drawing/2010/main" w="9525">
+                  <a14:hiddenLine xmlns:a14="http://schemas.microsoft.com/office/drawing/2010/main" xmlns="" w="9525">
                     <a:solidFill>
                       <a:srgbClr val="000000"/>
                     </a:solidFill>
@@ -10153,7 +10153,7 @@
               </a:ln>
               <a:extLst>
                 <a:ext uri="{91240B29-F687-4f45-9708-019B960494DF}">
-                  <a14:hiddenLine xmlns="" xmlns:a14="http://schemas.microsoft.com/office/drawing/2010/main" w="9525">
+                  <a14:hiddenLine xmlns:a14="http://schemas.microsoft.com/office/drawing/2010/main" xmlns="" w="9525">
                     <a:solidFill>
                       <a:srgbClr val="000000"/>
                     </a:solidFill>
@@ -10187,7 +10187,7 @@
               </a:ln>
               <a:extLst>
                 <a:ext uri="{91240B29-F687-4f45-9708-019B960494DF}">
-                  <a14:hiddenLine xmlns="" xmlns:a14="http://schemas.microsoft.com/office/drawing/2010/main" w="9525">
+                  <a14:hiddenLine xmlns:a14="http://schemas.microsoft.com/office/drawing/2010/main" xmlns="" w="9525">
                     <a:solidFill>
                       <a:srgbClr val="000000"/>
                     </a:solidFill>
@@ -10252,7 +10252,7 @@
               </a:ln>
               <a:extLst>
                 <a:ext uri="{91240B29-F687-4f45-9708-019B960494DF}">
-                  <a14:hiddenLine xmlns="" xmlns:a14="http://schemas.microsoft.com/office/drawing/2010/main" w="9525">
+                  <a14:hiddenLine xmlns:a14="http://schemas.microsoft.com/office/drawing/2010/main" xmlns="" w="9525">
                     <a:solidFill>
                       <a:srgbClr val="000000"/>
                     </a:solidFill>
@@ -10342,7 +10342,7 @@
               </a:ln>
               <a:extLst>
                 <a:ext uri="{91240B29-F687-4f45-9708-019B960494DF}">
-                  <a14:hiddenLine xmlns="" xmlns:a14="http://schemas.microsoft.com/office/drawing/2010/main" w="9525">
+                  <a14:hiddenLine xmlns:a14="http://schemas.microsoft.com/office/drawing/2010/main" xmlns="" w="9525">
                     <a:solidFill>
                       <a:srgbClr val="000000"/>
                     </a:solidFill>
@@ -10404,7 +10404,7 @@
               </a:ln>
               <a:extLst>
                 <a:ext uri="{91240B29-F687-4f45-9708-019B960494DF}">
-                  <a14:hiddenLine xmlns="" xmlns:a14="http://schemas.microsoft.com/office/drawing/2010/main" w="9525">
+                  <a14:hiddenLine xmlns:a14="http://schemas.microsoft.com/office/drawing/2010/main" xmlns="" w="9525">
                     <a:solidFill>
                       <a:srgbClr val="000000"/>
                     </a:solidFill>
@@ -10494,7 +10494,7 @@
               </a:ln>
               <a:extLst>
                 <a:ext uri="{91240B29-F687-4f45-9708-019B960494DF}">
-                  <a14:hiddenLine xmlns="" xmlns:a14="http://schemas.microsoft.com/office/drawing/2010/main" w="9525">
+                  <a14:hiddenLine xmlns:a14="http://schemas.microsoft.com/office/drawing/2010/main" xmlns="" w="9525">
                     <a:solidFill>
                       <a:srgbClr val="000000"/>
                     </a:solidFill>
@@ -10559,7 +10559,7 @@
               </a:ln>
               <a:extLst>
                 <a:ext uri="{91240B29-F687-4f45-9708-019B960494DF}">
-                  <a14:hiddenLine xmlns="" xmlns:a14="http://schemas.microsoft.com/office/drawing/2010/main" w="9525">
+                  <a14:hiddenLine xmlns:a14="http://schemas.microsoft.com/office/drawing/2010/main" xmlns="" w="9525">
                     <a:solidFill>
                       <a:srgbClr val="000000"/>
                     </a:solidFill>
@@ -10621,7 +10621,7 @@
               </a:ln>
               <a:extLst>
                 <a:ext uri="{91240B29-F687-4f45-9708-019B960494DF}">
-                  <a14:hiddenLine xmlns="" xmlns:a14="http://schemas.microsoft.com/office/drawing/2010/main" w="9525">
+                  <a14:hiddenLine xmlns:a14="http://schemas.microsoft.com/office/drawing/2010/main" xmlns="" w="9525">
                     <a:solidFill>
                       <a:srgbClr val="000000"/>
                     </a:solidFill>
@@ -10711,7 +10711,7 @@
               </a:ln>
               <a:extLst>
                 <a:ext uri="{91240B29-F687-4f45-9708-019B960494DF}">
-                  <a14:hiddenLine xmlns="" xmlns:a14="http://schemas.microsoft.com/office/drawing/2010/main" w="9525">
+                  <a14:hiddenLine xmlns:a14="http://schemas.microsoft.com/office/drawing/2010/main" xmlns="" w="9525">
                     <a:solidFill>
                       <a:srgbClr val="000000"/>
                     </a:solidFill>
@@ -10801,7 +10801,7 @@
               </a:ln>
               <a:extLst>
                 <a:ext uri="{91240B29-F687-4f45-9708-019B960494DF}">
-                  <a14:hiddenLine xmlns="" xmlns:a14="http://schemas.microsoft.com/office/drawing/2010/main" w="9525">
+                  <a14:hiddenLine xmlns:a14="http://schemas.microsoft.com/office/drawing/2010/main" xmlns="" w="9525">
                     <a:solidFill>
                       <a:srgbClr val="000000"/>
                     </a:solidFill>
@@ -10866,7 +10866,7 @@
               </a:ln>
               <a:extLst>
                 <a:ext uri="{91240B29-F687-4f45-9708-019B960494DF}">
-                  <a14:hiddenLine xmlns="" xmlns:a14="http://schemas.microsoft.com/office/drawing/2010/main" w="9525">
+                  <a14:hiddenLine xmlns:a14="http://schemas.microsoft.com/office/drawing/2010/main" xmlns="" w="9525">
                     <a:solidFill>
                       <a:srgbClr val="000000"/>
                     </a:solidFill>
@@ -10986,7 +10986,7 @@
               </a:ln>
               <a:extLst>
                 <a:ext uri="{91240B29-F687-4f45-9708-019B960494DF}">
-                  <a14:hiddenLine xmlns="" xmlns:a14="http://schemas.microsoft.com/office/drawing/2010/main" w="9525">
+                  <a14:hiddenLine xmlns:a14="http://schemas.microsoft.com/office/drawing/2010/main" xmlns="" w="9525">
                     <a:solidFill>
                       <a:srgbClr val="000000"/>
                     </a:solidFill>
@@ -11084,7 +11084,7 @@
               </a:ln>
               <a:extLst>
                 <a:ext uri="{91240B29-F687-4f45-9708-019B960494DF}">
-                  <a14:hiddenLine xmlns="" xmlns:a14="http://schemas.microsoft.com/office/drawing/2010/main" w="9525">
+                  <a14:hiddenLine xmlns:a14="http://schemas.microsoft.com/office/drawing/2010/main" xmlns="" w="9525">
                     <a:solidFill>
                       <a:srgbClr val="000000"/>
                     </a:solidFill>
@@ -11199,7 +11199,7 @@
               </a:ln>
               <a:extLst>
                 <a:ext uri="{91240B29-F687-4f45-9708-019B960494DF}">
-                  <a14:hiddenLine xmlns="" xmlns:a14="http://schemas.microsoft.com/office/drawing/2010/main" w="9525">
+                  <a14:hiddenLine xmlns:a14="http://schemas.microsoft.com/office/drawing/2010/main" xmlns="" w="9525">
                     <a:solidFill>
                       <a:srgbClr val="000000"/>
                     </a:solidFill>
@@ -11289,7 +11289,7 @@
               </a:ln>
               <a:extLst>
                 <a:ext uri="{91240B29-F687-4f45-9708-019B960494DF}">
-                  <a14:hiddenLine xmlns="" xmlns:a14="http://schemas.microsoft.com/office/drawing/2010/main" w="9525">
+                  <a14:hiddenLine xmlns:a14="http://schemas.microsoft.com/office/drawing/2010/main" xmlns="" w="9525">
                     <a:solidFill>
                       <a:srgbClr val="000000"/>
                     </a:solidFill>
@@ -11354,7 +11354,7 @@
               </a:ln>
               <a:extLst>
                 <a:ext uri="{91240B29-F687-4f45-9708-019B960494DF}">
-                  <a14:hiddenLine xmlns="" xmlns:a14="http://schemas.microsoft.com/office/drawing/2010/main" w="9525">
+                  <a14:hiddenLine xmlns:a14="http://schemas.microsoft.com/office/drawing/2010/main" xmlns="" w="9525">
                     <a:solidFill>
                       <a:srgbClr val="000000"/>
                     </a:solidFill>
@@ -11444,7 +11444,7 @@
               </a:ln>
               <a:extLst>
                 <a:ext uri="{91240B29-F687-4f45-9708-019B960494DF}">
-                  <a14:hiddenLine xmlns="" xmlns:a14="http://schemas.microsoft.com/office/drawing/2010/main" w="9525">
+                  <a14:hiddenLine xmlns:a14="http://schemas.microsoft.com/office/drawing/2010/main" xmlns="" w="9525">
                     <a:solidFill>
                       <a:srgbClr val="000000"/>
                     </a:solidFill>
@@ -11512,7 +11512,7 @@
               </a:ln>
               <a:extLst>
                 <a:ext uri="{91240B29-F687-4f45-9708-019B960494DF}">
-                  <a14:hiddenLine xmlns="" xmlns:a14="http://schemas.microsoft.com/office/drawing/2010/main" w="9525">
+                  <a14:hiddenLine xmlns:a14="http://schemas.microsoft.com/office/drawing/2010/main" xmlns="" w="9525">
                     <a:solidFill>
                       <a:srgbClr val="000000"/>
                     </a:solidFill>
@@ -11602,7 +11602,7 @@
               </a:ln>
               <a:extLst>
                 <a:ext uri="{91240B29-F687-4f45-9708-019B960494DF}">
-                  <a14:hiddenLine xmlns="" xmlns:a14="http://schemas.microsoft.com/office/drawing/2010/main" w="9525">
+                  <a14:hiddenLine xmlns:a14="http://schemas.microsoft.com/office/drawing/2010/main" xmlns="" w="9525">
                     <a:solidFill>
                       <a:srgbClr val="000000"/>
                     </a:solidFill>
@@ -11670,7 +11670,7 @@
               </a:ln>
               <a:extLst>
                 <a:ext uri="{91240B29-F687-4f45-9708-019B960494DF}">
-                  <a14:hiddenLine xmlns="" xmlns:a14="http://schemas.microsoft.com/office/drawing/2010/main" w="9525">
+                  <a14:hiddenLine xmlns:a14="http://schemas.microsoft.com/office/drawing/2010/main" xmlns="" w="9525">
                     <a:solidFill>
                       <a:srgbClr val="000000"/>
                     </a:solidFill>
@@ -11760,7 +11760,7 @@
               </a:ln>
               <a:extLst>
                 <a:ext uri="{91240B29-F687-4f45-9708-019B960494DF}">
-                  <a14:hiddenLine xmlns="" xmlns:a14="http://schemas.microsoft.com/office/drawing/2010/main" w="9525">
+                  <a14:hiddenLine xmlns:a14="http://schemas.microsoft.com/office/drawing/2010/main" xmlns="" w="9525">
                     <a:solidFill>
                       <a:srgbClr val="000000"/>
                     </a:solidFill>
@@ -11794,7 +11794,7 @@
               </a:ln>
               <a:extLst>
                 <a:ext uri="{91240B29-F687-4f45-9708-019B960494DF}">
-                  <a14:hiddenLine xmlns="" xmlns:a14="http://schemas.microsoft.com/office/drawing/2010/main" w="9525">
+                  <a14:hiddenLine xmlns:a14="http://schemas.microsoft.com/office/drawing/2010/main" xmlns="" w="9525">
                     <a:solidFill>
                       <a:srgbClr val="000000"/>
                     </a:solidFill>
@@ -12367,33 +12367,56 @@
             <p:ph type="ctrTitle"/>
           </p:nvPr>
         </p:nvSpPr>
-        <p:spPr/>
+        <p:spPr>
+          <a:xfrm>
+            <a:off x="1876424" y="1122363"/>
+            <a:ext cx="9364824" cy="2387600"/>
+          </a:xfrm>
+        </p:spPr>
         <p:txBody>
           <a:bodyPr/>
           <a:lstStyle/>
           <a:p>
             <a:r>
-              <a:rPr lang="de-DE" dirty="0" err="1"/>
+              <a:rPr lang="de-DE" dirty="0" err="1">
+                <a:latin typeface="Roboto Mono" pitchFamily="2" charset="0"/>
+                <a:ea typeface="Roboto Mono" pitchFamily="2" charset="0"/>
+              </a:rPr>
               <a:t>Self</a:t>
             </a:r>
             <a:r>
-              <a:rPr lang="de-DE" dirty="0"/>
+              <a:rPr lang="de-DE" dirty="0">
+                <a:latin typeface="Roboto Mono" pitchFamily="2" charset="0"/>
+                <a:ea typeface="Roboto Mono" pitchFamily="2" charset="0"/>
+              </a:rPr>
               <a:t> </a:t>
             </a:r>
             <a:r>
-              <a:rPr lang="de-DE" dirty="0" err="1"/>
+              <a:rPr lang="de-DE" dirty="0" err="1">
+                <a:latin typeface="Roboto Mono" pitchFamily="2" charset="0"/>
+                <a:ea typeface="Roboto Mono" pitchFamily="2" charset="0"/>
+              </a:rPr>
               <a:t>improving</a:t>
             </a:r>
             <a:r>
-              <a:rPr lang="de-DE" dirty="0"/>
+              <a:rPr lang="de-DE" dirty="0">
+                <a:latin typeface="Roboto Mono" pitchFamily="2" charset="0"/>
+                <a:ea typeface="Roboto Mono" pitchFamily="2" charset="0"/>
+              </a:rPr>
               <a:t> ai (</a:t>
             </a:r>
             <a:r>
-              <a:rPr lang="de-DE" dirty="0" err="1"/>
+              <a:rPr lang="de-DE" dirty="0" err="1">
+                <a:latin typeface="Roboto Mono" pitchFamily="2" charset="0"/>
+                <a:ea typeface="Roboto Mono" pitchFamily="2" charset="0"/>
+              </a:rPr>
               <a:t>Siai</a:t>
             </a:r>
             <a:r>
-              <a:rPr lang="de-DE" dirty="0"/>
+              <a:rPr lang="de-DE" dirty="0">
+                <a:latin typeface="Roboto Mono" pitchFamily="2" charset="0"/>
+                <a:ea typeface="Roboto Mono" pitchFamily="2" charset="0"/>
+              </a:rPr>
               <a:t>)</a:t>
             </a:r>
           </a:p>
@@ -12433,6 +12456,8 @@
                     <a:lumOff val="40000"/>
                   </a:schemeClr>
                 </a:solidFill>
+                <a:latin typeface="Roboto" panose="02000000000000000000" pitchFamily="2" charset="0"/>
+                <a:ea typeface="Roboto" panose="02000000000000000000" pitchFamily="2" charset="0"/>
               </a:rPr>
               <a:t>Von Tobias Schmid und Fabian Kock</a:t>
             </a:r>
@@ -12537,10 +12562,12 @@
           <a:lstStyle/>
           <a:p>
             <a:r>
-              <a:rPr lang="de-DE"/>
+              <a:rPr lang="de-DE" dirty="0">
+                <a:latin typeface="Roboto Mono" pitchFamily="2" charset="0"/>
+                <a:ea typeface="Roboto Mono" pitchFamily="2" charset="0"/>
+              </a:rPr>
               <a:t>Übersicht</a:t>
             </a:r>
-            <a:endParaRPr lang="de-DE" dirty="0"/>
           </a:p>
         </p:txBody>
       </p:sp>
@@ -12571,13 +12598,19 @@
           <a:lstStyle/>
           <a:p>
             <a:r>
-              <a:rPr lang="de-DE" dirty="0"/>
+              <a:rPr lang="de-DE" dirty="0">
+                <a:latin typeface="Roboto" panose="02000000000000000000" pitchFamily="2" charset="0"/>
+                <a:ea typeface="Roboto" panose="02000000000000000000" pitchFamily="2" charset="0"/>
+              </a:rPr>
               <a:t>Prototyp</a:t>
             </a:r>
           </a:p>
           <a:p>
             <a:r>
-              <a:rPr lang="de-DE" dirty="0"/>
+              <a:rPr lang="de-DE" dirty="0">
+                <a:latin typeface="Roboto" panose="02000000000000000000" pitchFamily="2" charset="0"/>
+                <a:ea typeface="Roboto" panose="02000000000000000000" pitchFamily="2" charset="0"/>
+              </a:rPr>
               <a:t>Usability Tests</a:t>
             </a:r>
           </a:p>
@@ -12635,7 +12668,10 @@
           <a:lstStyle/>
           <a:p>
             <a:r>
-              <a:rPr lang="de-DE" dirty="0"/>
+              <a:rPr lang="de-DE" dirty="0">
+                <a:latin typeface="Roboto Mono" pitchFamily="2" charset="0"/>
+                <a:ea typeface="Roboto Mono" pitchFamily="2" charset="0"/>
+              </a:rPr>
               <a:t>Prototyp</a:t>
             </a:r>
           </a:p>
@@ -12833,7 +12869,7 @@
           <a:noFill/>
           <a:extLst>
             <a:ext uri="{909E8E84-426E-40dd-AFC4-6F175D3DCCD1}">
-              <a14:hiddenFill xmlns="" xmlns:a16="http://schemas.microsoft.com/office/drawing/2014/main" xmlns:p14="http://schemas.microsoft.com/office/powerpoint/2010/main" xmlns:a14="http://schemas.microsoft.com/office/drawing/2010/main">
+              <a14:hiddenFill xmlns:a14="http://schemas.microsoft.com/office/drawing/2010/main" xmlns:p14="http://schemas.microsoft.com/office/powerpoint/2010/main" xmlns:a16="http://schemas.microsoft.com/office/drawing/2014/main" xmlns="">
                 <a:solidFill>
                   <a:srgbClr val="FFFFFF"/>
                 </a:solidFill>
@@ -12871,7 +12907,10 @@
           <a:lstStyle/>
           <a:p>
             <a:r>
-              <a:rPr lang="de-DE" sz="3200"/>
+              <a:rPr lang="de-DE" sz="3200" dirty="0">
+                <a:latin typeface="Roboto Mono" pitchFamily="2" charset="0"/>
+                <a:ea typeface="Roboto Mono" pitchFamily="2" charset="0"/>
+              </a:rPr>
               <a:t>Usability Tests</a:t>
             </a:r>
           </a:p>
@@ -12895,8 +12934,8 @@
         </p:nvSpPr>
         <p:spPr>
           <a:xfrm>
-            <a:off x="1141412" y="2249487"/>
-            <a:ext cx="4459287" cy="3965046"/>
+            <a:off x="954088" y="2249487"/>
+            <a:ext cx="4646611" cy="3965046"/>
           </a:xfrm>
         </p:spPr>
         <p:txBody>
@@ -12906,53 +12945,95 @@
           <a:lstStyle/>
           <a:p>
             <a:r>
-              <a:rPr lang="en-US" sz="2000" dirty="0" err="1"/>
+              <a:rPr lang="en-US" sz="2000" dirty="0" err="1">
+                <a:latin typeface="Roboto" panose="02000000000000000000" pitchFamily="2" charset="0"/>
+                <a:ea typeface="Roboto" panose="02000000000000000000" pitchFamily="2" charset="0"/>
+              </a:rPr>
               <a:t>Unklare</a:t>
             </a:r>
             <a:r>
-              <a:rPr lang="en-US" sz="2000" dirty="0"/>
+              <a:rPr lang="en-US" sz="2000" dirty="0">
+                <a:latin typeface="Roboto" panose="02000000000000000000" pitchFamily="2" charset="0"/>
+                <a:ea typeface="Roboto" panose="02000000000000000000" pitchFamily="2" charset="0"/>
+              </a:rPr>
               <a:t> </a:t>
             </a:r>
             <a:r>
-              <a:rPr lang="en-US" sz="2000" dirty="0" err="1"/>
+              <a:rPr lang="en-US" sz="2000" dirty="0" err="1">
+                <a:latin typeface="Roboto" panose="02000000000000000000" pitchFamily="2" charset="0"/>
+                <a:ea typeface="Roboto" panose="02000000000000000000" pitchFamily="2" charset="0"/>
+              </a:rPr>
               <a:t>Bedienung</a:t>
             </a:r>
             <a:r>
-              <a:rPr lang="en-US" sz="2000" dirty="0"/>
+              <a:rPr lang="en-US" sz="2000" dirty="0">
+                <a:latin typeface="Roboto" panose="02000000000000000000" pitchFamily="2" charset="0"/>
+                <a:ea typeface="Roboto" panose="02000000000000000000" pitchFamily="2" charset="0"/>
+              </a:rPr>
               <a:t> der </a:t>
             </a:r>
             <a:r>
-              <a:rPr lang="en-US" sz="2000" dirty="0" err="1"/>
+              <a:rPr lang="en-US" sz="2000" dirty="0" err="1">
+                <a:latin typeface="Roboto" panose="02000000000000000000" pitchFamily="2" charset="0"/>
+                <a:ea typeface="Roboto" panose="02000000000000000000" pitchFamily="2" charset="0"/>
+              </a:rPr>
               <a:t>Rezensionen</a:t>
             </a:r>
-            <a:endParaRPr lang="en-US" sz="2000" dirty="0"/>
-          </a:p>
-          <a:p>
-            <a:endParaRPr lang="en-US" sz="2000" dirty="0"/>
-          </a:p>
-          <a:p>
-            <a:endParaRPr lang="en-US" sz="2000" dirty="0"/>
-          </a:p>
-          <a:p>
-            <a:endParaRPr lang="en-US" sz="2000" dirty="0"/>
-          </a:p>
-          <a:p>
-            <a:endParaRPr lang="en-US" sz="2000" dirty="0"/>
+            <a:endParaRPr lang="en-US" sz="2000" dirty="0">
+              <a:latin typeface="Roboto" panose="02000000000000000000" pitchFamily="2" charset="0"/>
+              <a:ea typeface="Roboto" panose="02000000000000000000" pitchFamily="2" charset="0"/>
+            </a:endParaRPr>
+          </a:p>
+          <a:p>
+            <a:endParaRPr lang="en-US" sz="2000" dirty="0">
+              <a:latin typeface="Roboto" panose="02000000000000000000" pitchFamily="2" charset="0"/>
+              <a:ea typeface="Roboto" panose="02000000000000000000" pitchFamily="2" charset="0"/>
+            </a:endParaRPr>
+          </a:p>
+          <a:p>
+            <a:endParaRPr lang="en-US" sz="2000" dirty="0">
+              <a:latin typeface="Roboto" panose="02000000000000000000" pitchFamily="2" charset="0"/>
+              <a:ea typeface="Roboto" panose="02000000000000000000" pitchFamily="2" charset="0"/>
+            </a:endParaRPr>
+          </a:p>
+          <a:p>
+            <a:endParaRPr lang="en-US" sz="2000" dirty="0">
+              <a:latin typeface="Roboto" panose="02000000000000000000" pitchFamily="2" charset="0"/>
+              <a:ea typeface="Roboto" panose="02000000000000000000" pitchFamily="2" charset="0"/>
+            </a:endParaRPr>
+          </a:p>
+          <a:p>
+            <a:endParaRPr lang="en-US" sz="2000" dirty="0">
+              <a:latin typeface="Roboto" panose="02000000000000000000" pitchFamily="2" charset="0"/>
+              <a:ea typeface="Roboto" panose="02000000000000000000" pitchFamily="2" charset="0"/>
+            </a:endParaRPr>
           </a:p>
           <a:p>
             <a:r>
-              <a:rPr lang="en-US" sz="2000" dirty="0" err="1"/>
+              <a:rPr lang="en-US" sz="2000" dirty="0" err="1">
+                <a:latin typeface="Roboto" panose="02000000000000000000" pitchFamily="2" charset="0"/>
+                <a:ea typeface="Roboto" panose="02000000000000000000" pitchFamily="2" charset="0"/>
+              </a:rPr>
               <a:t>Scrollbarkeit</a:t>
             </a:r>
             <a:r>
-              <a:rPr lang="en-US" sz="2000" dirty="0"/>
+              <a:rPr lang="en-US" sz="2000" dirty="0">
+                <a:latin typeface="Roboto" panose="02000000000000000000" pitchFamily="2" charset="0"/>
+                <a:ea typeface="Roboto" panose="02000000000000000000" pitchFamily="2" charset="0"/>
+              </a:rPr>
               <a:t> </a:t>
             </a:r>
             <a:r>
-              <a:rPr lang="en-US" sz="2000" dirty="0" err="1"/>
+              <a:rPr lang="en-US" sz="2000" dirty="0" err="1">
+                <a:latin typeface="Roboto" panose="02000000000000000000" pitchFamily="2" charset="0"/>
+                <a:ea typeface="Roboto" panose="02000000000000000000" pitchFamily="2" charset="0"/>
+              </a:rPr>
               <a:t>verdeutlichen</a:t>
             </a:r>
-            <a:endParaRPr lang="en-US" sz="2000" dirty="0"/>
+            <a:endParaRPr lang="en-US" sz="2000" dirty="0">
+              <a:latin typeface="Roboto" panose="02000000000000000000" pitchFamily="2" charset="0"/>
+              <a:ea typeface="Roboto" panose="02000000000000000000" pitchFamily="2" charset="0"/>
+            </a:endParaRPr>
           </a:p>
         </p:txBody>
       </p:sp>
@@ -13039,7 +13120,7 @@
             </a:ln>
             <a:extLst>
               <a:ext uri="{91240B29-F687-4f45-9708-019B960494DF}">
-                <a14:hiddenLine xmlns="" xmlns:a16="http://schemas.microsoft.com/office/drawing/2014/main" xmlns:p14="http://schemas.microsoft.com/office/powerpoint/2010/main" xmlns:a14="http://schemas.microsoft.com/office/drawing/2010/main" w="9525">
+                <a14:hiddenLine xmlns:a14="http://schemas.microsoft.com/office/drawing/2010/main" xmlns:p14="http://schemas.microsoft.com/office/powerpoint/2010/main" xmlns:a16="http://schemas.microsoft.com/office/drawing/2014/main" xmlns="" w="9525">
                   <a:solidFill>
                     <a:srgbClr val="000000"/>
                   </a:solidFill>
@@ -13144,7 +13225,7 @@
             </a:ln>
             <a:extLst>
               <a:ext uri="{91240B29-F687-4f45-9708-019B960494DF}">
-                <a14:hiddenLine xmlns="" xmlns:a16="http://schemas.microsoft.com/office/drawing/2014/main" xmlns:p14="http://schemas.microsoft.com/office/powerpoint/2010/main" xmlns:a14="http://schemas.microsoft.com/office/drawing/2010/main" w="9525">
+                <a14:hiddenLine xmlns:a14="http://schemas.microsoft.com/office/drawing/2010/main" xmlns:p14="http://schemas.microsoft.com/office/powerpoint/2010/main" xmlns:a16="http://schemas.microsoft.com/office/drawing/2014/main" xmlns="" w="9525">
                   <a:solidFill>
                     <a:srgbClr val="000000"/>
                   </a:solidFill>
@@ -13249,7 +13330,7 @@
             </a:ln>
             <a:extLst>
               <a:ext uri="{91240B29-F687-4f45-9708-019B960494DF}">
-                <a14:hiddenLine xmlns="" xmlns:a16="http://schemas.microsoft.com/office/drawing/2014/main" xmlns:p14="http://schemas.microsoft.com/office/powerpoint/2010/main" xmlns:a14="http://schemas.microsoft.com/office/drawing/2010/main" w="9525">
+                <a14:hiddenLine xmlns:a14="http://schemas.microsoft.com/office/drawing/2010/main" xmlns:p14="http://schemas.microsoft.com/office/powerpoint/2010/main" xmlns:a16="http://schemas.microsoft.com/office/drawing/2014/main" xmlns="" w="9525">
                   <a:solidFill>
                     <a:srgbClr val="000000"/>
                   </a:solidFill>
@@ -13326,7 +13407,7 @@
             </a:ln>
             <a:extLst>
               <a:ext uri="{91240B29-F687-4f45-9708-019B960494DF}">
-                <a14:hiddenLine xmlns="" xmlns:a16="http://schemas.microsoft.com/office/drawing/2014/main" xmlns:p14="http://schemas.microsoft.com/office/powerpoint/2010/main" xmlns:a14="http://schemas.microsoft.com/office/drawing/2010/main" w="9525">
+                <a14:hiddenLine xmlns:a14="http://schemas.microsoft.com/office/drawing/2010/main" xmlns:p14="http://schemas.microsoft.com/office/powerpoint/2010/main" xmlns:a16="http://schemas.microsoft.com/office/drawing/2014/main" xmlns="" w="9525">
                   <a:solidFill>
                     <a:srgbClr val="000000"/>
                   </a:solidFill>
@@ -13431,7 +13512,7 @@
             </a:ln>
             <a:extLst>
               <a:ext uri="{91240B29-F687-4f45-9708-019B960494DF}">
-                <a14:hiddenLine xmlns="" xmlns:a16="http://schemas.microsoft.com/office/drawing/2014/main" xmlns:p14="http://schemas.microsoft.com/office/powerpoint/2010/main" xmlns:a14="http://schemas.microsoft.com/office/drawing/2010/main" w="9525">
+                <a14:hiddenLine xmlns:a14="http://schemas.microsoft.com/office/drawing/2010/main" xmlns:p14="http://schemas.microsoft.com/office/powerpoint/2010/main" xmlns:a16="http://schemas.microsoft.com/office/drawing/2014/main" xmlns="" w="9525">
                   <a:solidFill>
                     <a:srgbClr val="000000"/>
                   </a:solidFill>
@@ -13508,7 +13589,7 @@
             </a:ln>
             <a:extLst>
               <a:ext uri="{91240B29-F687-4f45-9708-019B960494DF}">
-                <a14:hiddenLine xmlns="" xmlns:a16="http://schemas.microsoft.com/office/drawing/2014/main" xmlns:p14="http://schemas.microsoft.com/office/powerpoint/2010/main" xmlns:a14="http://schemas.microsoft.com/office/drawing/2010/main" w="9525">
+                <a14:hiddenLine xmlns:a14="http://schemas.microsoft.com/office/drawing/2010/main" xmlns:p14="http://schemas.microsoft.com/office/powerpoint/2010/main" xmlns:a16="http://schemas.microsoft.com/office/drawing/2014/main" xmlns="" w="9525">
                   <a:solidFill>
                     <a:srgbClr val="000000"/>
                   </a:solidFill>
@@ -13585,7 +13666,7 @@
             </a:ln>
             <a:extLst>
               <a:ext uri="{91240B29-F687-4f45-9708-019B960494DF}">
-                <a14:hiddenLine xmlns="" xmlns:a16="http://schemas.microsoft.com/office/drawing/2014/main" xmlns:p14="http://schemas.microsoft.com/office/powerpoint/2010/main" xmlns:a14="http://schemas.microsoft.com/office/drawing/2010/main" w="9525">
+                <a14:hiddenLine xmlns:a14="http://schemas.microsoft.com/office/drawing/2010/main" xmlns:p14="http://schemas.microsoft.com/office/powerpoint/2010/main" xmlns:a16="http://schemas.microsoft.com/office/drawing/2014/main" xmlns="" w="9525">
                   <a:solidFill>
                     <a:srgbClr val="000000"/>
                   </a:solidFill>
@@ -13690,7 +13771,7 @@
             </a:ln>
             <a:extLst>
               <a:ext uri="{91240B29-F687-4f45-9708-019B960494DF}">
-                <a14:hiddenLine xmlns="" xmlns:a16="http://schemas.microsoft.com/office/drawing/2014/main" xmlns:p14="http://schemas.microsoft.com/office/powerpoint/2010/main" xmlns:a14="http://schemas.microsoft.com/office/drawing/2010/main" w="9525">
+                <a14:hiddenLine xmlns:a14="http://schemas.microsoft.com/office/drawing/2010/main" xmlns:p14="http://schemas.microsoft.com/office/powerpoint/2010/main" xmlns:a16="http://schemas.microsoft.com/office/drawing/2014/main" xmlns="" w="9525">
                   <a:solidFill>
                     <a:srgbClr val="000000"/>
                   </a:solidFill>
@@ -13795,7 +13876,7 @@
             </a:ln>
             <a:extLst>
               <a:ext uri="{91240B29-F687-4f45-9708-019B960494DF}">
-                <a14:hiddenLine xmlns="" xmlns:a16="http://schemas.microsoft.com/office/drawing/2014/main" xmlns:p14="http://schemas.microsoft.com/office/powerpoint/2010/main" xmlns:a14="http://schemas.microsoft.com/office/drawing/2010/main" w="9525">
+                <a14:hiddenLine xmlns:a14="http://schemas.microsoft.com/office/drawing/2010/main" xmlns:p14="http://schemas.microsoft.com/office/powerpoint/2010/main" xmlns:a16="http://schemas.microsoft.com/office/drawing/2014/main" xmlns="" w="9525">
                   <a:solidFill>
                     <a:srgbClr val="000000"/>
                   </a:solidFill>
@@ -13872,7 +13953,7 @@
             </a:ln>
             <a:extLst>
               <a:ext uri="{91240B29-F687-4f45-9708-019B960494DF}">
-                <a14:hiddenLine xmlns="" xmlns:a16="http://schemas.microsoft.com/office/drawing/2014/main" xmlns:p14="http://schemas.microsoft.com/office/powerpoint/2010/main" xmlns:a14="http://schemas.microsoft.com/office/drawing/2010/main" w="9525">
+                <a14:hiddenLine xmlns:a14="http://schemas.microsoft.com/office/drawing/2010/main" xmlns:p14="http://schemas.microsoft.com/office/powerpoint/2010/main" xmlns:a16="http://schemas.microsoft.com/office/drawing/2014/main" xmlns="" w="9525">
                   <a:solidFill>
                     <a:srgbClr val="000000"/>
                   </a:solidFill>
@@ -13997,7 +14078,7 @@
             </a:ln>
             <a:extLst>
               <a:ext uri="{91240B29-F687-4f45-9708-019B960494DF}">
-                <a14:hiddenLine xmlns="" xmlns:a16="http://schemas.microsoft.com/office/drawing/2014/main" xmlns:p14="http://schemas.microsoft.com/office/powerpoint/2010/main" xmlns:a14="http://schemas.microsoft.com/office/drawing/2010/main" w="9525">
+                <a14:hiddenLine xmlns:a14="http://schemas.microsoft.com/office/drawing/2010/main" xmlns:p14="http://schemas.microsoft.com/office/powerpoint/2010/main" xmlns:a16="http://schemas.microsoft.com/office/drawing/2014/main" xmlns="" w="9525">
                   <a:solidFill>
                     <a:srgbClr val="000000"/>
                   </a:solidFill>
@@ -14111,7 +14192,7 @@
             </a:ln>
             <a:extLst>
               <a:ext uri="{91240B29-F687-4f45-9708-019B960494DF}">
-                <a14:hiddenLine xmlns="" xmlns:a16="http://schemas.microsoft.com/office/drawing/2014/main" xmlns:p14="http://schemas.microsoft.com/office/powerpoint/2010/main" xmlns:a14="http://schemas.microsoft.com/office/drawing/2010/main" w="9525">
+                <a14:hiddenLine xmlns:a14="http://schemas.microsoft.com/office/drawing/2010/main" xmlns:p14="http://schemas.microsoft.com/office/powerpoint/2010/main" xmlns:a16="http://schemas.microsoft.com/office/drawing/2014/main" xmlns="" w="9525">
                   <a:solidFill>
                     <a:srgbClr val="000000"/>
                   </a:solidFill>
@@ -14188,7 +14269,7 @@
             </a:ln>
             <a:extLst>
               <a:ext uri="{91240B29-F687-4f45-9708-019B960494DF}">
-                <a14:hiddenLine xmlns="" xmlns:a16="http://schemas.microsoft.com/office/drawing/2014/main" xmlns:p14="http://schemas.microsoft.com/office/powerpoint/2010/main" xmlns:a14="http://schemas.microsoft.com/office/drawing/2010/main" w="9525">
+                <a14:hiddenLine xmlns:a14="http://schemas.microsoft.com/office/drawing/2010/main" xmlns:p14="http://schemas.microsoft.com/office/powerpoint/2010/main" xmlns:a16="http://schemas.microsoft.com/office/drawing/2014/main" xmlns="" w="9525">
                   <a:solidFill>
                     <a:srgbClr val="000000"/>
                   </a:solidFill>
@@ -14265,7 +14346,7 @@
             </a:ln>
             <a:extLst>
               <a:ext uri="{91240B29-F687-4f45-9708-019B960494DF}">
-                <a14:hiddenLine xmlns="" xmlns:a16="http://schemas.microsoft.com/office/drawing/2014/main" xmlns:p14="http://schemas.microsoft.com/office/powerpoint/2010/main" xmlns:a14="http://schemas.microsoft.com/office/drawing/2010/main" w="9525">
+                <a14:hiddenLine xmlns:a14="http://schemas.microsoft.com/office/drawing/2010/main" xmlns:p14="http://schemas.microsoft.com/office/powerpoint/2010/main" xmlns:a16="http://schemas.microsoft.com/office/drawing/2014/main" xmlns="" w="9525">
                   <a:solidFill>
                     <a:srgbClr val="000000"/>
                   </a:solidFill>
@@ -14370,7 +14451,7 @@
             </a:ln>
             <a:extLst>
               <a:ext uri="{91240B29-F687-4f45-9708-019B960494DF}">
-                <a14:hiddenLine xmlns="" xmlns:a16="http://schemas.microsoft.com/office/drawing/2014/main" xmlns:p14="http://schemas.microsoft.com/office/powerpoint/2010/main" xmlns:a14="http://schemas.microsoft.com/office/drawing/2010/main" w="9525">
+                <a14:hiddenLine xmlns:a14="http://schemas.microsoft.com/office/drawing/2010/main" xmlns:p14="http://schemas.microsoft.com/office/powerpoint/2010/main" xmlns:a16="http://schemas.microsoft.com/office/drawing/2014/main" xmlns="" w="9525">
                   <a:solidFill>
                     <a:srgbClr val="000000"/>
                   </a:solidFill>
@@ -14419,7 +14500,7 @@
             </a:ln>
             <a:extLst>
               <a:ext uri="{91240B29-F687-4f45-9708-019B960494DF}">
-                <a14:hiddenLine xmlns="" xmlns:a16="http://schemas.microsoft.com/office/drawing/2014/main" xmlns:p14="http://schemas.microsoft.com/office/powerpoint/2010/main" xmlns:a14="http://schemas.microsoft.com/office/drawing/2010/main" w="9525">
+                <a14:hiddenLine xmlns:a14="http://schemas.microsoft.com/office/drawing/2010/main" xmlns:p14="http://schemas.microsoft.com/office/powerpoint/2010/main" xmlns:a16="http://schemas.microsoft.com/office/drawing/2014/main" xmlns="" w="9525">
                   <a:solidFill>
                     <a:srgbClr val="000000"/>
                   </a:solidFill>
@@ -14499,7 +14580,7 @@
             </a:ln>
             <a:extLst>
               <a:ext uri="{91240B29-F687-4f45-9708-019B960494DF}">
-                <a14:hiddenLine xmlns="" xmlns:a16="http://schemas.microsoft.com/office/drawing/2014/main" xmlns:p14="http://schemas.microsoft.com/office/powerpoint/2010/main" xmlns:a14="http://schemas.microsoft.com/office/drawing/2010/main" w="9525">
+                <a14:hiddenLine xmlns:a14="http://schemas.microsoft.com/office/drawing/2010/main" xmlns:p14="http://schemas.microsoft.com/office/powerpoint/2010/main" xmlns:a16="http://schemas.microsoft.com/office/drawing/2014/main" xmlns="" w="9525">
                   <a:solidFill>
                     <a:srgbClr val="000000"/>
                   </a:solidFill>
@@ -14604,7 +14685,7 @@
             </a:ln>
             <a:extLst>
               <a:ext uri="{91240B29-F687-4f45-9708-019B960494DF}">
-                <a14:hiddenLine xmlns="" xmlns:a16="http://schemas.microsoft.com/office/drawing/2014/main" xmlns:p14="http://schemas.microsoft.com/office/powerpoint/2010/main" xmlns:a14="http://schemas.microsoft.com/office/drawing/2010/main" w="9525">
+                <a14:hiddenLine xmlns:a14="http://schemas.microsoft.com/office/drawing/2010/main" xmlns:p14="http://schemas.microsoft.com/office/powerpoint/2010/main" xmlns:a16="http://schemas.microsoft.com/office/drawing/2014/main" xmlns="" w="9525">
                   <a:solidFill>
                     <a:srgbClr val="000000"/>
                   </a:solidFill>
@@ -14681,7 +14762,7 @@
             </a:ln>
             <a:extLst>
               <a:ext uri="{91240B29-F687-4f45-9708-019B960494DF}">
-                <a14:hiddenLine xmlns="" xmlns:a16="http://schemas.microsoft.com/office/drawing/2014/main" xmlns:p14="http://schemas.microsoft.com/office/powerpoint/2010/main" xmlns:a14="http://schemas.microsoft.com/office/drawing/2010/main" w="9525">
+                <a14:hiddenLine xmlns:a14="http://schemas.microsoft.com/office/drawing/2010/main" xmlns:p14="http://schemas.microsoft.com/office/powerpoint/2010/main" xmlns:a16="http://schemas.microsoft.com/office/drawing/2014/main" xmlns="" w="9525">
                   <a:solidFill>
                     <a:srgbClr val="000000"/>
                   </a:solidFill>
@@ -14786,7 +14867,7 @@
             </a:ln>
             <a:extLst>
               <a:ext uri="{91240B29-F687-4f45-9708-019B960494DF}">
-                <a14:hiddenLine xmlns="" xmlns:a16="http://schemas.microsoft.com/office/drawing/2014/main" xmlns:p14="http://schemas.microsoft.com/office/powerpoint/2010/main" xmlns:a14="http://schemas.microsoft.com/office/drawing/2010/main" w="9525">
+                <a14:hiddenLine xmlns:a14="http://schemas.microsoft.com/office/drawing/2010/main" xmlns:p14="http://schemas.microsoft.com/office/powerpoint/2010/main" xmlns:a16="http://schemas.microsoft.com/office/drawing/2014/main" xmlns="" w="9525">
                   <a:solidFill>
                     <a:srgbClr val="000000"/>
                   </a:solidFill>
@@ -14866,7 +14947,7 @@
             </a:ln>
             <a:extLst>
               <a:ext uri="{91240B29-F687-4f45-9708-019B960494DF}">
-                <a14:hiddenLine xmlns="" xmlns:a16="http://schemas.microsoft.com/office/drawing/2014/main" xmlns:p14="http://schemas.microsoft.com/office/powerpoint/2010/main" xmlns:a14="http://schemas.microsoft.com/office/drawing/2010/main" w="9525">
+                <a14:hiddenLine xmlns:a14="http://schemas.microsoft.com/office/drawing/2010/main" xmlns:p14="http://schemas.microsoft.com/office/powerpoint/2010/main" xmlns:a16="http://schemas.microsoft.com/office/drawing/2014/main" xmlns="" w="9525">
                   <a:solidFill>
                     <a:srgbClr val="000000"/>
                   </a:solidFill>
@@ -14943,7 +15024,7 @@
             </a:ln>
             <a:extLst>
               <a:ext uri="{91240B29-F687-4f45-9708-019B960494DF}">
-                <a14:hiddenLine xmlns="" xmlns:a16="http://schemas.microsoft.com/office/drawing/2014/main" xmlns:p14="http://schemas.microsoft.com/office/powerpoint/2010/main" xmlns:a14="http://schemas.microsoft.com/office/drawing/2010/main" w="9525">
+                <a14:hiddenLine xmlns:a14="http://schemas.microsoft.com/office/drawing/2010/main" xmlns:p14="http://schemas.microsoft.com/office/powerpoint/2010/main" xmlns:a16="http://schemas.microsoft.com/office/drawing/2014/main" xmlns="" w="9525">
                   <a:solidFill>
                     <a:srgbClr val="000000"/>
                   </a:solidFill>
@@ -15048,7 +15129,7 @@
             </a:ln>
             <a:extLst>
               <a:ext uri="{91240B29-F687-4f45-9708-019B960494DF}">
-                <a14:hiddenLine xmlns="" xmlns:a16="http://schemas.microsoft.com/office/drawing/2014/main" xmlns:p14="http://schemas.microsoft.com/office/powerpoint/2010/main" xmlns:a14="http://schemas.microsoft.com/office/drawing/2010/main" w="9525">
+                <a14:hiddenLine xmlns:a14="http://schemas.microsoft.com/office/drawing/2010/main" xmlns:p14="http://schemas.microsoft.com/office/powerpoint/2010/main" xmlns:a16="http://schemas.microsoft.com/office/drawing/2014/main" xmlns="" w="9525">
                   <a:solidFill>
                     <a:srgbClr val="000000"/>
                   </a:solidFill>
@@ -15153,7 +15234,7 @@
             </a:ln>
             <a:extLst>
               <a:ext uri="{91240B29-F687-4f45-9708-019B960494DF}">
-                <a14:hiddenLine xmlns="" xmlns:a16="http://schemas.microsoft.com/office/drawing/2014/main" xmlns:p14="http://schemas.microsoft.com/office/powerpoint/2010/main" xmlns:a14="http://schemas.microsoft.com/office/drawing/2010/main" w="9525">
+                <a14:hiddenLine xmlns:a14="http://schemas.microsoft.com/office/drawing/2010/main" xmlns:p14="http://schemas.microsoft.com/office/powerpoint/2010/main" xmlns:a16="http://schemas.microsoft.com/office/drawing/2014/main" xmlns="" w="9525">
                   <a:solidFill>
                     <a:srgbClr val="000000"/>
                   </a:solidFill>
@@ -15233,7 +15314,7 @@
             </a:ln>
             <a:extLst>
               <a:ext uri="{91240B29-F687-4f45-9708-019B960494DF}">
-                <a14:hiddenLine xmlns="" xmlns:a16="http://schemas.microsoft.com/office/drawing/2014/main" xmlns:p14="http://schemas.microsoft.com/office/powerpoint/2010/main" xmlns:a14="http://schemas.microsoft.com/office/drawing/2010/main" w="9525">
+                <a14:hiddenLine xmlns:a14="http://schemas.microsoft.com/office/drawing/2010/main" xmlns:p14="http://schemas.microsoft.com/office/powerpoint/2010/main" xmlns:a16="http://schemas.microsoft.com/office/drawing/2014/main" xmlns="" w="9525">
                   <a:solidFill>
                     <a:srgbClr val="000000"/>
                   </a:solidFill>
@@ -15368,7 +15449,7 @@
             </a:ln>
             <a:extLst>
               <a:ext uri="{91240B29-F687-4f45-9708-019B960494DF}">
-                <a14:hiddenLine xmlns="" xmlns:a16="http://schemas.microsoft.com/office/drawing/2014/main" xmlns:p14="http://schemas.microsoft.com/office/powerpoint/2010/main" xmlns:a14="http://schemas.microsoft.com/office/drawing/2010/main" w="9525">
+                <a14:hiddenLine xmlns:a14="http://schemas.microsoft.com/office/drawing/2010/main" xmlns:p14="http://schemas.microsoft.com/office/powerpoint/2010/main" xmlns:a16="http://schemas.microsoft.com/office/drawing/2014/main" xmlns="" w="9525">
                   <a:solidFill>
                     <a:srgbClr val="000000"/>
                   </a:solidFill>

--- a/Präsentation_prototyp/Präsentation_prototyp_siai.pptx
+++ b/Präsentation_prototyp/Präsentation_prototyp_siai.pptx
@@ -165,7 +165,7 @@
           <a:noFill/>
           <a:extLst>
             <a:ext uri="{909E8E84-426E-40dd-AFC4-6F175D3DCCD1}">
-              <a14:hiddenFill xmlns:a14="http://schemas.microsoft.com/office/drawing/2010/main" xmlns="">
+              <a14:hiddenFill xmlns="" xmlns:a14="http://schemas.microsoft.com/office/drawing/2010/main">
                 <a:solidFill>
                   <a:srgbClr val="FFFFFF"/>
                 </a:solidFill>
@@ -225,7 +225,7 @@
             </a:ln>
             <a:extLst>
               <a:ext uri="{91240B29-F687-4f45-9708-019B960494DF}">
-                <a14:hiddenLine xmlns:a14="http://schemas.microsoft.com/office/drawing/2010/main" xmlns="" w="9525">
+                <a14:hiddenLine xmlns="" xmlns:a14="http://schemas.microsoft.com/office/drawing/2010/main" w="9525">
                   <a:solidFill>
                     <a:srgbClr val="000000"/>
                   </a:solidFill>
@@ -315,7 +315,7 @@
             </a:ln>
             <a:extLst>
               <a:ext uri="{91240B29-F687-4f45-9708-019B960494DF}">
-                <a14:hiddenLine xmlns:a14="http://schemas.microsoft.com/office/drawing/2010/main" xmlns="" w="9525">
+                <a14:hiddenLine xmlns="" xmlns:a14="http://schemas.microsoft.com/office/drawing/2010/main" w="9525">
                   <a:solidFill>
                     <a:srgbClr val="000000"/>
                   </a:solidFill>
@@ -405,7 +405,7 @@
             </a:ln>
             <a:extLst>
               <a:ext uri="{91240B29-F687-4f45-9708-019B960494DF}">
-                <a14:hiddenLine xmlns:a14="http://schemas.microsoft.com/office/drawing/2010/main" xmlns="" w="9525">
+                <a14:hiddenLine xmlns="" xmlns:a14="http://schemas.microsoft.com/office/drawing/2010/main" w="9525">
                   <a:solidFill>
                     <a:srgbClr val="000000"/>
                   </a:solidFill>
@@ -439,7 +439,7 @@
             </a:ln>
             <a:extLst>
               <a:ext uri="{91240B29-F687-4f45-9708-019B960494DF}">
-                <a14:hiddenLine xmlns:a14="http://schemas.microsoft.com/office/drawing/2010/main" xmlns="" w="9525">
+                <a14:hiddenLine xmlns="" xmlns:a14="http://schemas.microsoft.com/office/drawing/2010/main" w="9525">
                   <a:solidFill>
                     <a:srgbClr val="000000"/>
                   </a:solidFill>
@@ -529,7 +529,7 @@
             </a:ln>
             <a:extLst>
               <a:ext uri="{91240B29-F687-4f45-9708-019B960494DF}">
-                <a14:hiddenLine xmlns:a14="http://schemas.microsoft.com/office/drawing/2010/main" xmlns="" w="9525">
+                <a14:hiddenLine xmlns="" xmlns:a14="http://schemas.microsoft.com/office/drawing/2010/main" w="9525">
                   <a:solidFill>
                     <a:srgbClr val="000000"/>
                   </a:solidFill>
@@ -591,7 +591,7 @@
             </a:ln>
             <a:extLst>
               <a:ext uri="{91240B29-F687-4f45-9708-019B960494DF}">
-                <a14:hiddenLine xmlns:a14="http://schemas.microsoft.com/office/drawing/2010/main" xmlns="" w="9525">
+                <a14:hiddenLine xmlns="" xmlns:a14="http://schemas.microsoft.com/office/drawing/2010/main" w="9525">
                   <a:solidFill>
                     <a:srgbClr val="000000"/>
                   </a:solidFill>
@@ -653,7 +653,7 @@
             </a:ln>
             <a:extLst>
               <a:ext uri="{91240B29-F687-4f45-9708-019B960494DF}">
-                <a14:hiddenLine xmlns:a14="http://schemas.microsoft.com/office/drawing/2010/main" xmlns="" w="9525">
+                <a14:hiddenLine xmlns="" xmlns:a14="http://schemas.microsoft.com/office/drawing/2010/main" w="9525">
                   <a:solidFill>
                     <a:srgbClr val="000000"/>
                   </a:solidFill>
@@ -743,7 +743,7 @@
             </a:ln>
             <a:extLst>
               <a:ext uri="{91240B29-F687-4f45-9708-019B960494DF}">
-                <a14:hiddenLine xmlns:a14="http://schemas.microsoft.com/office/drawing/2010/main" xmlns="" w="9525">
+                <a14:hiddenLine xmlns="" xmlns:a14="http://schemas.microsoft.com/office/drawing/2010/main" w="9525">
                   <a:solidFill>
                     <a:srgbClr val="000000"/>
                   </a:solidFill>
@@ -805,7 +805,7 @@
             </a:ln>
             <a:extLst>
               <a:ext uri="{91240B29-F687-4f45-9708-019B960494DF}">
-                <a14:hiddenLine xmlns:a14="http://schemas.microsoft.com/office/drawing/2010/main" xmlns="" w="9525">
+                <a14:hiddenLine xmlns="" xmlns:a14="http://schemas.microsoft.com/office/drawing/2010/main" w="9525">
                   <a:solidFill>
                     <a:srgbClr val="000000"/>
                   </a:solidFill>
@@ -867,7 +867,7 @@
             </a:ln>
             <a:extLst>
               <a:ext uri="{91240B29-F687-4f45-9708-019B960494DF}">
-                <a14:hiddenLine xmlns:a14="http://schemas.microsoft.com/office/drawing/2010/main" xmlns="" w="9525">
+                <a14:hiddenLine xmlns="" xmlns:a14="http://schemas.microsoft.com/office/drawing/2010/main" w="9525">
                   <a:solidFill>
                     <a:srgbClr val="000000"/>
                   </a:solidFill>
@@ -957,7 +957,7 @@
             </a:ln>
             <a:extLst>
               <a:ext uri="{91240B29-F687-4f45-9708-019B960494DF}">
-                <a14:hiddenLine xmlns:a14="http://schemas.microsoft.com/office/drawing/2010/main" xmlns="" w="9525">
+                <a14:hiddenLine xmlns="" xmlns:a14="http://schemas.microsoft.com/office/drawing/2010/main" w="9525">
                   <a:solidFill>
                     <a:srgbClr val="000000"/>
                   </a:solidFill>
@@ -1047,7 +1047,7 @@
             </a:ln>
             <a:extLst>
               <a:ext uri="{91240B29-F687-4f45-9708-019B960494DF}">
-                <a14:hiddenLine xmlns:a14="http://schemas.microsoft.com/office/drawing/2010/main" xmlns="" w="9525">
+                <a14:hiddenLine xmlns="" xmlns:a14="http://schemas.microsoft.com/office/drawing/2010/main" w="9525">
                   <a:solidFill>
                     <a:srgbClr val="000000"/>
                   </a:solidFill>
@@ -1109,7 +1109,7 @@
             </a:ln>
             <a:extLst>
               <a:ext uri="{91240B29-F687-4f45-9708-019B960494DF}">
-                <a14:hiddenLine xmlns:a14="http://schemas.microsoft.com/office/drawing/2010/main" xmlns="" w="9525">
+                <a14:hiddenLine xmlns="" xmlns:a14="http://schemas.microsoft.com/office/drawing/2010/main" w="9525">
                   <a:solidFill>
                     <a:srgbClr val="000000"/>
                   </a:solidFill>
@@ -1219,7 +1219,7 @@
             </a:ln>
             <a:extLst>
               <a:ext uri="{91240B29-F687-4f45-9708-019B960494DF}">
-                <a14:hiddenLine xmlns:a14="http://schemas.microsoft.com/office/drawing/2010/main" xmlns="" w="9525">
+                <a14:hiddenLine xmlns="" xmlns:a14="http://schemas.microsoft.com/office/drawing/2010/main" w="9525">
                   <a:solidFill>
                     <a:srgbClr val="000000"/>
                   </a:solidFill>
@@ -1281,7 +1281,7 @@
             </a:ln>
             <a:extLst>
               <a:ext uri="{91240B29-F687-4f45-9708-019B960494DF}">
-                <a14:hiddenLine xmlns:a14="http://schemas.microsoft.com/office/drawing/2010/main" xmlns="" w="9525">
+                <a14:hiddenLine xmlns="" xmlns:a14="http://schemas.microsoft.com/office/drawing/2010/main" w="9525">
                   <a:solidFill>
                     <a:srgbClr val="000000"/>
                   </a:solidFill>
@@ -1371,7 +1371,7 @@
             </a:ln>
             <a:extLst>
               <a:ext uri="{91240B29-F687-4f45-9708-019B960494DF}">
-                <a14:hiddenLine xmlns:a14="http://schemas.microsoft.com/office/drawing/2010/main" xmlns="" w="9525">
+                <a14:hiddenLine xmlns="" xmlns:a14="http://schemas.microsoft.com/office/drawing/2010/main" w="9525">
                   <a:solidFill>
                     <a:srgbClr val="000000"/>
                   </a:solidFill>
@@ -1461,7 +1461,7 @@
             </a:ln>
             <a:extLst>
               <a:ext uri="{91240B29-F687-4f45-9708-019B960494DF}">
-                <a14:hiddenLine xmlns:a14="http://schemas.microsoft.com/office/drawing/2010/main" xmlns="" w="9525">
+                <a14:hiddenLine xmlns="" xmlns:a14="http://schemas.microsoft.com/office/drawing/2010/main" w="9525">
                   <a:solidFill>
                     <a:srgbClr val="000000"/>
                   </a:solidFill>
@@ -1523,7 +1523,7 @@
             </a:ln>
             <a:extLst>
               <a:ext uri="{91240B29-F687-4f45-9708-019B960494DF}">
-                <a14:hiddenLine xmlns:a14="http://schemas.microsoft.com/office/drawing/2010/main" xmlns="" w="9525">
+                <a14:hiddenLine xmlns="" xmlns:a14="http://schemas.microsoft.com/office/drawing/2010/main" w="9525">
                   <a:solidFill>
                     <a:srgbClr val="000000"/>
                   </a:solidFill>
@@ -1613,7 +1613,7 @@
             </a:ln>
             <a:extLst>
               <a:ext uri="{91240B29-F687-4f45-9708-019B960494DF}">
-                <a14:hiddenLine xmlns:a14="http://schemas.microsoft.com/office/drawing/2010/main" xmlns="" w="9525">
+                <a14:hiddenLine xmlns="" xmlns:a14="http://schemas.microsoft.com/office/drawing/2010/main" w="9525">
                   <a:solidFill>
                     <a:srgbClr val="000000"/>
                   </a:solidFill>
@@ -1703,7 +1703,7 @@
             </a:ln>
             <a:extLst>
               <a:ext uri="{91240B29-F687-4f45-9708-019B960494DF}">
-                <a14:hiddenLine xmlns:a14="http://schemas.microsoft.com/office/drawing/2010/main" xmlns="" w="9525">
+                <a14:hiddenLine xmlns="" xmlns:a14="http://schemas.microsoft.com/office/drawing/2010/main" w="9525">
                   <a:solidFill>
                     <a:srgbClr val="000000"/>
                   </a:solidFill>
@@ -1759,7 +1759,7 @@
             </a:ln>
             <a:extLst>
               <a:ext uri="{91240B29-F687-4f45-9708-019B960494DF}">
-                <a14:hiddenLine xmlns:a14="http://schemas.microsoft.com/office/drawing/2010/main" xmlns="" w="9525">
+                <a14:hiddenLine xmlns="" xmlns:a14="http://schemas.microsoft.com/office/drawing/2010/main" w="9525">
                   <a:solidFill>
                     <a:srgbClr val="000000"/>
                   </a:solidFill>
@@ -1849,7 +1849,7 @@
             </a:ln>
             <a:extLst>
               <a:ext uri="{91240B29-F687-4f45-9708-019B960494DF}">
-                <a14:hiddenLine xmlns:a14="http://schemas.microsoft.com/office/drawing/2010/main" xmlns="" w="9525">
+                <a14:hiddenLine xmlns="" xmlns:a14="http://schemas.microsoft.com/office/drawing/2010/main" w="9525">
                   <a:solidFill>
                     <a:srgbClr val="000000"/>
                   </a:solidFill>
@@ -1905,7 +1905,7 @@
             </a:ln>
             <a:extLst>
               <a:ext uri="{91240B29-F687-4f45-9708-019B960494DF}">
-                <a14:hiddenLine xmlns:a14="http://schemas.microsoft.com/office/drawing/2010/main" xmlns="" w="9525">
+                <a14:hiddenLine xmlns="" xmlns:a14="http://schemas.microsoft.com/office/drawing/2010/main" w="9525">
                   <a:solidFill>
                     <a:srgbClr val="000000"/>
                   </a:solidFill>
@@ -1995,7 +1995,7 @@
             </a:ln>
             <a:extLst>
               <a:ext uri="{91240B29-F687-4f45-9708-019B960494DF}">
-                <a14:hiddenLine xmlns:a14="http://schemas.microsoft.com/office/drawing/2010/main" xmlns="" w="9525">
+                <a14:hiddenLine xmlns="" xmlns:a14="http://schemas.microsoft.com/office/drawing/2010/main" w="9525">
                   <a:solidFill>
                     <a:srgbClr val="000000"/>
                   </a:solidFill>
@@ -2063,7 +2063,7 @@
             </a:ln>
             <a:extLst>
               <a:ext uri="{91240B29-F687-4f45-9708-019B960494DF}">
-                <a14:hiddenLine xmlns:a14="http://schemas.microsoft.com/office/drawing/2010/main" xmlns="" w="9525">
+                <a14:hiddenLine xmlns="" xmlns:a14="http://schemas.microsoft.com/office/drawing/2010/main" w="9525">
                   <a:solidFill>
                     <a:srgbClr val="000000"/>
                   </a:solidFill>
@@ -2153,7 +2153,7 @@
             </a:ln>
             <a:extLst>
               <a:ext uri="{91240B29-F687-4f45-9708-019B960494DF}">
-                <a14:hiddenLine xmlns:a14="http://schemas.microsoft.com/office/drawing/2010/main" xmlns="" w="9525">
+                <a14:hiddenLine xmlns="" xmlns:a14="http://schemas.microsoft.com/office/drawing/2010/main" w="9525">
                   <a:solidFill>
                     <a:srgbClr val="000000"/>
                   </a:solidFill>
@@ -2221,7 +2221,7 @@
             </a:ln>
             <a:extLst>
               <a:ext uri="{91240B29-F687-4f45-9708-019B960494DF}">
-                <a14:hiddenLine xmlns:a14="http://schemas.microsoft.com/office/drawing/2010/main" xmlns="" w="9525">
+                <a14:hiddenLine xmlns="" xmlns:a14="http://schemas.microsoft.com/office/drawing/2010/main" w="9525">
                   <a:solidFill>
                     <a:srgbClr val="000000"/>
                   </a:solidFill>
@@ -2311,7 +2311,7 @@
             </a:ln>
             <a:extLst>
               <a:ext uri="{91240B29-F687-4f45-9708-019B960494DF}">
-                <a14:hiddenLine xmlns:a14="http://schemas.microsoft.com/office/drawing/2010/main" xmlns="" w="9525">
+                <a14:hiddenLine xmlns="" xmlns:a14="http://schemas.microsoft.com/office/drawing/2010/main" w="9525">
                   <a:solidFill>
                     <a:srgbClr val="000000"/>
                   </a:solidFill>
@@ -2345,7 +2345,7 @@
             </a:ln>
             <a:extLst>
               <a:ext uri="{91240B29-F687-4f45-9708-019B960494DF}">
-                <a14:hiddenLine xmlns:a14="http://schemas.microsoft.com/office/drawing/2010/main" xmlns="" w="9525">
+                <a14:hiddenLine xmlns="" xmlns:a14="http://schemas.microsoft.com/office/drawing/2010/main" w="9525">
                   <a:solidFill>
                     <a:srgbClr val="000000"/>
                   </a:solidFill>
@@ -2435,7 +2435,7 @@
             </a:ln>
             <a:extLst>
               <a:ext uri="{91240B29-F687-4f45-9708-019B960494DF}">
-                <a14:hiddenLine xmlns:a14="http://schemas.microsoft.com/office/drawing/2010/main" xmlns="" w="9525">
+                <a14:hiddenLine xmlns="" xmlns:a14="http://schemas.microsoft.com/office/drawing/2010/main" w="9525">
                   <a:solidFill>
                     <a:srgbClr val="000000"/>
                   </a:solidFill>
@@ -2497,7 +2497,7 @@
             </a:ln>
             <a:extLst>
               <a:ext uri="{91240B29-F687-4f45-9708-019B960494DF}">
-                <a14:hiddenLine xmlns:a14="http://schemas.microsoft.com/office/drawing/2010/main" xmlns="" w="9525">
+                <a14:hiddenLine xmlns="" xmlns:a14="http://schemas.microsoft.com/office/drawing/2010/main" w="9525">
                   <a:solidFill>
                     <a:srgbClr val="000000"/>
                   </a:solidFill>
@@ -2559,7 +2559,7 @@
             </a:ln>
             <a:extLst>
               <a:ext uri="{91240B29-F687-4f45-9708-019B960494DF}">
-                <a14:hiddenLine xmlns:a14="http://schemas.microsoft.com/office/drawing/2010/main" xmlns="" w="9525">
+                <a14:hiddenLine xmlns="" xmlns:a14="http://schemas.microsoft.com/office/drawing/2010/main" w="9525">
                   <a:solidFill>
                     <a:srgbClr val="000000"/>
                   </a:solidFill>
@@ -2649,7 +2649,7 @@
             </a:ln>
             <a:extLst>
               <a:ext uri="{91240B29-F687-4f45-9708-019B960494DF}">
-                <a14:hiddenLine xmlns:a14="http://schemas.microsoft.com/office/drawing/2010/main" xmlns="" w="9525">
+                <a14:hiddenLine xmlns="" xmlns:a14="http://schemas.microsoft.com/office/drawing/2010/main" w="9525">
                   <a:solidFill>
                     <a:srgbClr val="000000"/>
                   </a:solidFill>
@@ -2717,7 +2717,7 @@
             </a:ln>
             <a:extLst>
               <a:ext uri="{91240B29-F687-4f45-9708-019B960494DF}">
-                <a14:hiddenLine xmlns:a14="http://schemas.microsoft.com/office/drawing/2010/main" xmlns="" w="9525">
+                <a14:hiddenLine xmlns="" xmlns:a14="http://schemas.microsoft.com/office/drawing/2010/main" w="9525">
                   <a:solidFill>
                     <a:srgbClr val="000000"/>
                   </a:solidFill>
@@ -2779,7 +2779,7 @@
             </a:ln>
             <a:extLst>
               <a:ext uri="{91240B29-F687-4f45-9708-019B960494DF}">
-                <a14:hiddenLine xmlns:a14="http://schemas.microsoft.com/office/drawing/2010/main" xmlns="" w="9525">
+                <a14:hiddenLine xmlns="" xmlns:a14="http://schemas.microsoft.com/office/drawing/2010/main" w="9525">
                   <a:solidFill>
                     <a:srgbClr val="000000"/>
                   </a:solidFill>
@@ -2869,7 +2869,7 @@
             </a:ln>
             <a:extLst>
               <a:ext uri="{91240B29-F687-4f45-9708-019B960494DF}">
-                <a14:hiddenLine xmlns:a14="http://schemas.microsoft.com/office/drawing/2010/main" xmlns="" w="9525">
+                <a14:hiddenLine xmlns="" xmlns:a14="http://schemas.microsoft.com/office/drawing/2010/main" w="9525">
                   <a:solidFill>
                     <a:srgbClr val="000000"/>
                   </a:solidFill>
@@ -2931,7 +2931,7 @@
             </a:ln>
             <a:extLst>
               <a:ext uri="{91240B29-F687-4f45-9708-019B960494DF}">
-                <a14:hiddenLine xmlns:a14="http://schemas.microsoft.com/office/drawing/2010/main" xmlns="" w="9525">
+                <a14:hiddenLine xmlns="" xmlns:a14="http://schemas.microsoft.com/office/drawing/2010/main" w="9525">
                   <a:solidFill>
                     <a:srgbClr val="000000"/>
                   </a:solidFill>
@@ -3021,7 +3021,7 @@
             </a:ln>
             <a:extLst>
               <a:ext uri="{91240B29-F687-4f45-9708-019B960494DF}">
-                <a14:hiddenLine xmlns:a14="http://schemas.microsoft.com/office/drawing/2010/main" xmlns="" w="9525">
+                <a14:hiddenLine xmlns="" xmlns:a14="http://schemas.microsoft.com/office/drawing/2010/main" w="9525">
                   <a:solidFill>
                     <a:srgbClr val="000000"/>
                   </a:solidFill>
@@ -3083,7 +3083,7 @@
             </a:ln>
             <a:extLst>
               <a:ext uri="{91240B29-F687-4f45-9708-019B960494DF}">
-                <a14:hiddenLine xmlns:a14="http://schemas.microsoft.com/office/drawing/2010/main" xmlns="" w="9525">
+                <a14:hiddenLine xmlns="" xmlns:a14="http://schemas.microsoft.com/office/drawing/2010/main" w="9525">
                   <a:solidFill>
                     <a:srgbClr val="000000"/>
                   </a:solidFill>
@@ -3173,7 +3173,7 @@
             </a:ln>
             <a:extLst>
               <a:ext uri="{91240B29-F687-4f45-9708-019B960494DF}">
-                <a14:hiddenLine xmlns:a14="http://schemas.microsoft.com/office/drawing/2010/main" xmlns="" w="9525">
+                <a14:hiddenLine xmlns="" xmlns:a14="http://schemas.microsoft.com/office/drawing/2010/main" w="9525">
                   <a:solidFill>
                     <a:srgbClr val="000000"/>
                   </a:solidFill>
@@ -3207,7 +3207,7 @@
             </a:ln>
             <a:extLst>
               <a:ext uri="{91240B29-F687-4f45-9708-019B960494DF}">
-                <a14:hiddenLine xmlns:a14="http://schemas.microsoft.com/office/drawing/2010/main" xmlns="" w="9525">
+                <a14:hiddenLine xmlns="" xmlns:a14="http://schemas.microsoft.com/office/drawing/2010/main" w="9525">
                   <a:solidFill>
                     <a:srgbClr val="000000"/>
                   </a:solidFill>
@@ -3272,7 +3272,7 @@
             </a:ln>
             <a:extLst>
               <a:ext uri="{91240B29-F687-4f45-9708-019B960494DF}">
-                <a14:hiddenLine xmlns:a14="http://schemas.microsoft.com/office/drawing/2010/main" xmlns="" w="9525">
+                <a14:hiddenLine xmlns="" xmlns:a14="http://schemas.microsoft.com/office/drawing/2010/main" w="9525">
                   <a:solidFill>
                     <a:srgbClr val="000000"/>
                   </a:solidFill>
@@ -3362,7 +3362,7 @@
             </a:ln>
             <a:extLst>
               <a:ext uri="{91240B29-F687-4f45-9708-019B960494DF}">
-                <a14:hiddenLine xmlns:a14="http://schemas.microsoft.com/office/drawing/2010/main" xmlns="" w="9525">
+                <a14:hiddenLine xmlns="" xmlns:a14="http://schemas.microsoft.com/office/drawing/2010/main" w="9525">
                   <a:solidFill>
                     <a:srgbClr val="000000"/>
                   </a:solidFill>
@@ -3424,7 +3424,7 @@
             </a:ln>
             <a:extLst>
               <a:ext uri="{91240B29-F687-4f45-9708-019B960494DF}">
-                <a14:hiddenLine xmlns:a14="http://schemas.microsoft.com/office/drawing/2010/main" xmlns="" w="9525">
+                <a14:hiddenLine xmlns="" xmlns:a14="http://schemas.microsoft.com/office/drawing/2010/main" w="9525">
                   <a:solidFill>
                     <a:srgbClr val="000000"/>
                   </a:solidFill>
@@ -3514,7 +3514,7 @@
             </a:ln>
             <a:extLst>
               <a:ext uri="{91240B29-F687-4f45-9708-019B960494DF}">
-                <a14:hiddenLine xmlns:a14="http://schemas.microsoft.com/office/drawing/2010/main" xmlns="" w="9525">
+                <a14:hiddenLine xmlns="" xmlns:a14="http://schemas.microsoft.com/office/drawing/2010/main" w="9525">
                   <a:solidFill>
                     <a:srgbClr val="000000"/>
                   </a:solidFill>
@@ -3604,7 +3604,7 @@
             </a:ln>
             <a:extLst>
               <a:ext uri="{91240B29-F687-4f45-9708-019B960494DF}">
-                <a14:hiddenLine xmlns:a14="http://schemas.microsoft.com/office/drawing/2010/main" xmlns="" w="9525">
+                <a14:hiddenLine xmlns="" xmlns:a14="http://schemas.microsoft.com/office/drawing/2010/main" w="9525">
                   <a:solidFill>
                     <a:srgbClr val="000000"/>
                   </a:solidFill>
@@ -3669,7 +3669,7 @@
             </a:ln>
             <a:extLst>
               <a:ext uri="{91240B29-F687-4f45-9708-019B960494DF}">
-                <a14:hiddenLine xmlns:a14="http://schemas.microsoft.com/office/drawing/2010/main" xmlns="" w="9525">
+                <a14:hiddenLine xmlns="" xmlns:a14="http://schemas.microsoft.com/office/drawing/2010/main" w="9525">
                   <a:solidFill>
                     <a:srgbClr val="000000"/>
                   </a:solidFill>
@@ -3731,7 +3731,7 @@
             </a:ln>
             <a:extLst>
               <a:ext uri="{91240B29-F687-4f45-9708-019B960494DF}">
-                <a14:hiddenLine xmlns:a14="http://schemas.microsoft.com/office/drawing/2010/main" xmlns="" w="9525">
+                <a14:hiddenLine xmlns="" xmlns:a14="http://schemas.microsoft.com/office/drawing/2010/main" w="9525">
                   <a:solidFill>
                     <a:srgbClr val="000000"/>
                   </a:solidFill>
@@ -3821,7 +3821,7 @@
             </a:ln>
             <a:extLst>
               <a:ext uri="{91240B29-F687-4f45-9708-019B960494DF}">
-                <a14:hiddenLine xmlns:a14="http://schemas.microsoft.com/office/drawing/2010/main" xmlns="" w="9525">
+                <a14:hiddenLine xmlns="" xmlns:a14="http://schemas.microsoft.com/office/drawing/2010/main" w="9525">
                   <a:solidFill>
                     <a:srgbClr val="000000"/>
                   </a:solidFill>
@@ -3911,7 +3911,7 @@
             </a:ln>
             <a:extLst>
               <a:ext uri="{91240B29-F687-4f45-9708-019B960494DF}">
-                <a14:hiddenLine xmlns:a14="http://schemas.microsoft.com/office/drawing/2010/main" xmlns="" w="9525">
+                <a14:hiddenLine xmlns="" xmlns:a14="http://schemas.microsoft.com/office/drawing/2010/main" w="9525">
                   <a:solidFill>
                     <a:srgbClr val="000000"/>
                   </a:solidFill>
@@ -3973,7 +3973,7 @@
             </a:ln>
             <a:extLst>
               <a:ext uri="{91240B29-F687-4f45-9708-019B960494DF}">
-                <a14:hiddenLine xmlns:a14="http://schemas.microsoft.com/office/drawing/2010/main" xmlns="" w="9525">
+                <a14:hiddenLine xmlns="" xmlns:a14="http://schemas.microsoft.com/office/drawing/2010/main" w="9525">
                   <a:solidFill>
                     <a:srgbClr val="000000"/>
                   </a:solidFill>
@@ -4093,7 +4093,7 @@
             </a:ln>
             <a:extLst>
               <a:ext uri="{91240B29-F687-4f45-9708-019B960494DF}">
-                <a14:hiddenLine xmlns:a14="http://schemas.microsoft.com/office/drawing/2010/main" xmlns="" w="9525">
+                <a14:hiddenLine xmlns="" xmlns:a14="http://schemas.microsoft.com/office/drawing/2010/main" w="9525">
                   <a:solidFill>
                     <a:srgbClr val="000000"/>
                   </a:solidFill>
@@ -4161,7 +4161,7 @@
             </a:ln>
             <a:extLst>
               <a:ext uri="{91240B29-F687-4f45-9708-019B960494DF}">
-                <a14:hiddenLine xmlns:a14="http://schemas.microsoft.com/office/drawing/2010/main" xmlns="" w="9525">
+                <a14:hiddenLine xmlns="" xmlns:a14="http://schemas.microsoft.com/office/drawing/2010/main" w="9525">
                   <a:solidFill>
                     <a:srgbClr val="000000"/>
                   </a:solidFill>
@@ -4251,7 +4251,7 @@
             </a:ln>
             <a:extLst>
               <a:ext uri="{91240B29-F687-4f45-9708-019B960494DF}">
-                <a14:hiddenLine xmlns:a14="http://schemas.microsoft.com/office/drawing/2010/main" xmlns="" w="9525">
+                <a14:hiddenLine xmlns="" xmlns:a14="http://schemas.microsoft.com/office/drawing/2010/main" w="9525">
                   <a:solidFill>
                     <a:srgbClr val="000000"/>
                   </a:solidFill>
@@ -8973,7 +8973,7 @@
           <a:noFill/>
           <a:extLst>
             <a:ext uri="{909E8E84-426E-40dd-AFC4-6F175D3DCCD1}">
-              <a14:hiddenFill xmlns:a14="http://schemas.microsoft.com/office/drawing/2010/main" xmlns="">
+              <a14:hiddenFill xmlns="" xmlns:a14="http://schemas.microsoft.com/office/drawing/2010/main">
                 <a:solidFill>
                   <a:srgbClr val="FFFFFF"/>
                 </a:solidFill>
@@ -9047,7 +9047,7 @@
               </a:ln>
               <a:extLst>
                 <a:ext uri="{91240B29-F687-4f45-9708-019B960494DF}">
-                  <a14:hiddenLine xmlns:a14="http://schemas.microsoft.com/office/drawing/2010/main" xmlns="" w="9525">
+                  <a14:hiddenLine xmlns="" xmlns:a14="http://schemas.microsoft.com/office/drawing/2010/main" w="9525">
                     <a:solidFill>
                       <a:srgbClr val="000000"/>
                     </a:solidFill>
@@ -9137,7 +9137,7 @@
               </a:ln>
               <a:extLst>
                 <a:ext uri="{91240B29-F687-4f45-9708-019B960494DF}">
-                  <a14:hiddenLine xmlns:a14="http://schemas.microsoft.com/office/drawing/2010/main" xmlns="" w="9525">
+                  <a14:hiddenLine xmlns="" xmlns:a14="http://schemas.microsoft.com/office/drawing/2010/main" w="9525">
                     <a:solidFill>
                       <a:srgbClr val="000000"/>
                     </a:solidFill>
@@ -9227,7 +9227,7 @@
               </a:ln>
               <a:extLst>
                 <a:ext uri="{91240B29-F687-4f45-9708-019B960494DF}">
-                  <a14:hiddenLine xmlns:a14="http://schemas.microsoft.com/office/drawing/2010/main" xmlns="" w="9525">
+                  <a14:hiddenLine xmlns="" xmlns:a14="http://schemas.microsoft.com/office/drawing/2010/main" w="9525">
                     <a:solidFill>
                       <a:srgbClr val="000000"/>
                     </a:solidFill>
@@ -9289,7 +9289,7 @@
               </a:ln>
               <a:extLst>
                 <a:ext uri="{91240B29-F687-4f45-9708-019B960494DF}">
-                  <a14:hiddenLine xmlns:a14="http://schemas.microsoft.com/office/drawing/2010/main" xmlns="" w="9525">
+                  <a14:hiddenLine xmlns="" xmlns:a14="http://schemas.microsoft.com/office/drawing/2010/main" w="9525">
                     <a:solidFill>
                       <a:srgbClr val="000000"/>
                     </a:solidFill>
@@ -9379,7 +9379,7 @@
               </a:ln>
               <a:extLst>
                 <a:ext uri="{91240B29-F687-4f45-9708-019B960494DF}">
-                  <a14:hiddenLine xmlns:a14="http://schemas.microsoft.com/office/drawing/2010/main" xmlns="" w="9525">
+                  <a14:hiddenLine xmlns="" xmlns:a14="http://schemas.microsoft.com/office/drawing/2010/main" w="9525">
                     <a:solidFill>
                       <a:srgbClr val="000000"/>
                     </a:solidFill>
@@ -9441,7 +9441,7 @@
               </a:ln>
               <a:extLst>
                 <a:ext uri="{91240B29-F687-4f45-9708-019B960494DF}">
-                  <a14:hiddenLine xmlns:a14="http://schemas.microsoft.com/office/drawing/2010/main" xmlns="" w="9525">
+                  <a14:hiddenLine xmlns="" xmlns:a14="http://schemas.microsoft.com/office/drawing/2010/main" w="9525">
                     <a:solidFill>
                       <a:srgbClr val="000000"/>
                     </a:solidFill>
@@ -9503,7 +9503,7 @@
               </a:ln>
               <a:extLst>
                 <a:ext uri="{91240B29-F687-4f45-9708-019B960494DF}">
-                  <a14:hiddenLine xmlns:a14="http://schemas.microsoft.com/office/drawing/2010/main" xmlns="" w="9525">
+                  <a14:hiddenLine xmlns="" xmlns:a14="http://schemas.microsoft.com/office/drawing/2010/main" w="9525">
                     <a:solidFill>
                       <a:srgbClr val="000000"/>
                     </a:solidFill>
@@ -9593,7 +9593,7 @@
               </a:ln>
               <a:extLst>
                 <a:ext uri="{91240B29-F687-4f45-9708-019B960494DF}">
-                  <a14:hiddenLine xmlns:a14="http://schemas.microsoft.com/office/drawing/2010/main" xmlns="" w="9525">
+                  <a14:hiddenLine xmlns="" xmlns:a14="http://schemas.microsoft.com/office/drawing/2010/main" w="9525">
                     <a:solidFill>
                       <a:srgbClr val="000000"/>
                     </a:solidFill>
@@ -9683,7 +9683,7 @@
               </a:ln>
               <a:extLst>
                 <a:ext uri="{91240B29-F687-4f45-9708-019B960494DF}">
-                  <a14:hiddenLine xmlns:a14="http://schemas.microsoft.com/office/drawing/2010/main" xmlns="" w="9525">
+                  <a14:hiddenLine xmlns="" xmlns:a14="http://schemas.microsoft.com/office/drawing/2010/main" w="9525">
                     <a:solidFill>
                       <a:srgbClr val="000000"/>
                     </a:solidFill>
@@ -9745,7 +9745,7 @@
               </a:ln>
               <a:extLst>
                 <a:ext uri="{91240B29-F687-4f45-9708-019B960494DF}">
-                  <a14:hiddenLine xmlns:a14="http://schemas.microsoft.com/office/drawing/2010/main" xmlns="" w="9525">
+                  <a14:hiddenLine xmlns="" xmlns:a14="http://schemas.microsoft.com/office/drawing/2010/main" w="9525">
                     <a:solidFill>
                       <a:srgbClr val="000000"/>
                     </a:solidFill>
@@ -9855,7 +9855,7 @@
               </a:ln>
               <a:extLst>
                 <a:ext uri="{91240B29-F687-4f45-9708-019B960494DF}">
-                  <a14:hiddenLine xmlns:a14="http://schemas.microsoft.com/office/drawing/2010/main" xmlns="" w="9525">
+                  <a14:hiddenLine xmlns="" xmlns:a14="http://schemas.microsoft.com/office/drawing/2010/main" w="9525">
                     <a:solidFill>
                       <a:srgbClr val="000000"/>
                     </a:solidFill>
@@ -9939,7 +9939,7 @@
               </a:ln>
               <a:extLst>
                 <a:ext uri="{91240B29-F687-4f45-9708-019B960494DF}">
-                  <a14:hiddenLine xmlns:a14="http://schemas.microsoft.com/office/drawing/2010/main" xmlns="" w="9525">
+                  <a14:hiddenLine xmlns="" xmlns:a14="http://schemas.microsoft.com/office/drawing/2010/main" w="9525">
                     <a:solidFill>
                       <a:srgbClr val="000000"/>
                     </a:solidFill>
@@ -10001,7 +10001,7 @@
               </a:ln>
               <a:extLst>
                 <a:ext uri="{91240B29-F687-4f45-9708-019B960494DF}">
-                  <a14:hiddenLine xmlns:a14="http://schemas.microsoft.com/office/drawing/2010/main" xmlns="" w="9525">
+                  <a14:hiddenLine xmlns="" xmlns:a14="http://schemas.microsoft.com/office/drawing/2010/main" w="9525">
                     <a:solidFill>
                       <a:srgbClr val="000000"/>
                     </a:solidFill>
@@ -10063,7 +10063,7 @@
               </a:ln>
               <a:extLst>
                 <a:ext uri="{91240B29-F687-4f45-9708-019B960494DF}">
-                  <a14:hiddenLine xmlns:a14="http://schemas.microsoft.com/office/drawing/2010/main" xmlns="" w="9525">
+                  <a14:hiddenLine xmlns="" xmlns:a14="http://schemas.microsoft.com/office/drawing/2010/main" w="9525">
                     <a:solidFill>
                       <a:srgbClr val="000000"/>
                     </a:solidFill>
@@ -10153,7 +10153,7 @@
               </a:ln>
               <a:extLst>
                 <a:ext uri="{91240B29-F687-4f45-9708-019B960494DF}">
-                  <a14:hiddenLine xmlns:a14="http://schemas.microsoft.com/office/drawing/2010/main" xmlns="" w="9525">
+                  <a14:hiddenLine xmlns="" xmlns:a14="http://schemas.microsoft.com/office/drawing/2010/main" w="9525">
                     <a:solidFill>
                       <a:srgbClr val="000000"/>
                     </a:solidFill>
@@ -10187,7 +10187,7 @@
               </a:ln>
               <a:extLst>
                 <a:ext uri="{91240B29-F687-4f45-9708-019B960494DF}">
-                  <a14:hiddenLine xmlns:a14="http://schemas.microsoft.com/office/drawing/2010/main" xmlns="" w="9525">
+                  <a14:hiddenLine xmlns="" xmlns:a14="http://schemas.microsoft.com/office/drawing/2010/main" w="9525">
                     <a:solidFill>
                       <a:srgbClr val="000000"/>
                     </a:solidFill>
@@ -10252,7 +10252,7 @@
               </a:ln>
               <a:extLst>
                 <a:ext uri="{91240B29-F687-4f45-9708-019B960494DF}">
-                  <a14:hiddenLine xmlns:a14="http://schemas.microsoft.com/office/drawing/2010/main" xmlns="" w="9525">
+                  <a14:hiddenLine xmlns="" xmlns:a14="http://schemas.microsoft.com/office/drawing/2010/main" w="9525">
                     <a:solidFill>
                       <a:srgbClr val="000000"/>
                     </a:solidFill>
@@ -10342,7 +10342,7 @@
               </a:ln>
               <a:extLst>
                 <a:ext uri="{91240B29-F687-4f45-9708-019B960494DF}">
-                  <a14:hiddenLine xmlns:a14="http://schemas.microsoft.com/office/drawing/2010/main" xmlns="" w="9525">
+                  <a14:hiddenLine xmlns="" xmlns:a14="http://schemas.microsoft.com/office/drawing/2010/main" w="9525">
                     <a:solidFill>
                       <a:srgbClr val="000000"/>
                     </a:solidFill>
@@ -10404,7 +10404,7 @@
               </a:ln>
               <a:extLst>
                 <a:ext uri="{91240B29-F687-4f45-9708-019B960494DF}">
-                  <a14:hiddenLine xmlns:a14="http://schemas.microsoft.com/office/drawing/2010/main" xmlns="" w="9525">
+                  <a14:hiddenLine xmlns="" xmlns:a14="http://schemas.microsoft.com/office/drawing/2010/main" w="9525">
                     <a:solidFill>
                       <a:srgbClr val="000000"/>
                     </a:solidFill>
@@ -10494,7 +10494,7 @@
               </a:ln>
               <a:extLst>
                 <a:ext uri="{91240B29-F687-4f45-9708-019B960494DF}">
-                  <a14:hiddenLine xmlns:a14="http://schemas.microsoft.com/office/drawing/2010/main" xmlns="" w="9525">
+                  <a14:hiddenLine xmlns="" xmlns:a14="http://schemas.microsoft.com/office/drawing/2010/main" w="9525">
                     <a:solidFill>
                       <a:srgbClr val="000000"/>
                     </a:solidFill>
@@ -10559,7 +10559,7 @@
               </a:ln>
               <a:extLst>
                 <a:ext uri="{91240B29-F687-4f45-9708-019B960494DF}">
-                  <a14:hiddenLine xmlns:a14="http://schemas.microsoft.com/office/drawing/2010/main" xmlns="" w="9525">
+                  <a14:hiddenLine xmlns="" xmlns:a14="http://schemas.microsoft.com/office/drawing/2010/main" w="9525">
                     <a:solidFill>
                       <a:srgbClr val="000000"/>
                     </a:solidFill>
@@ -10621,7 +10621,7 @@
               </a:ln>
               <a:extLst>
                 <a:ext uri="{91240B29-F687-4f45-9708-019B960494DF}">
-                  <a14:hiddenLine xmlns:a14="http://schemas.microsoft.com/office/drawing/2010/main" xmlns="" w="9525">
+                  <a14:hiddenLine xmlns="" xmlns:a14="http://schemas.microsoft.com/office/drawing/2010/main" w="9525">
                     <a:solidFill>
                       <a:srgbClr val="000000"/>
                     </a:solidFill>
@@ -10711,7 +10711,7 @@
               </a:ln>
               <a:extLst>
                 <a:ext uri="{91240B29-F687-4f45-9708-019B960494DF}">
-                  <a14:hiddenLine xmlns:a14="http://schemas.microsoft.com/office/drawing/2010/main" xmlns="" w="9525">
+                  <a14:hiddenLine xmlns="" xmlns:a14="http://schemas.microsoft.com/office/drawing/2010/main" w="9525">
                     <a:solidFill>
                       <a:srgbClr val="000000"/>
                     </a:solidFill>
@@ -10801,7 +10801,7 @@
               </a:ln>
               <a:extLst>
                 <a:ext uri="{91240B29-F687-4f45-9708-019B960494DF}">
-                  <a14:hiddenLine xmlns:a14="http://schemas.microsoft.com/office/drawing/2010/main" xmlns="" w="9525">
+                  <a14:hiddenLine xmlns="" xmlns:a14="http://schemas.microsoft.com/office/drawing/2010/main" w="9525">
                     <a:solidFill>
                       <a:srgbClr val="000000"/>
                     </a:solidFill>
@@ -10866,7 +10866,7 @@
               </a:ln>
               <a:extLst>
                 <a:ext uri="{91240B29-F687-4f45-9708-019B960494DF}">
-                  <a14:hiddenLine xmlns:a14="http://schemas.microsoft.com/office/drawing/2010/main" xmlns="" w="9525">
+                  <a14:hiddenLine xmlns="" xmlns:a14="http://schemas.microsoft.com/office/drawing/2010/main" w="9525">
                     <a:solidFill>
                       <a:srgbClr val="000000"/>
                     </a:solidFill>
@@ -10986,7 +10986,7 @@
               </a:ln>
               <a:extLst>
                 <a:ext uri="{91240B29-F687-4f45-9708-019B960494DF}">
-                  <a14:hiddenLine xmlns:a14="http://schemas.microsoft.com/office/drawing/2010/main" xmlns="" w="9525">
+                  <a14:hiddenLine xmlns="" xmlns:a14="http://schemas.microsoft.com/office/drawing/2010/main" w="9525">
                     <a:solidFill>
                       <a:srgbClr val="000000"/>
                     </a:solidFill>
@@ -11084,7 +11084,7 @@
               </a:ln>
               <a:extLst>
                 <a:ext uri="{91240B29-F687-4f45-9708-019B960494DF}">
-                  <a14:hiddenLine xmlns:a14="http://schemas.microsoft.com/office/drawing/2010/main" xmlns="" w="9525">
+                  <a14:hiddenLine xmlns="" xmlns:a14="http://schemas.microsoft.com/office/drawing/2010/main" w="9525">
                     <a:solidFill>
                       <a:srgbClr val="000000"/>
                     </a:solidFill>
@@ -11199,7 +11199,7 @@
               </a:ln>
               <a:extLst>
                 <a:ext uri="{91240B29-F687-4f45-9708-019B960494DF}">
-                  <a14:hiddenLine xmlns:a14="http://schemas.microsoft.com/office/drawing/2010/main" xmlns="" w="9525">
+                  <a14:hiddenLine xmlns="" xmlns:a14="http://schemas.microsoft.com/office/drawing/2010/main" w="9525">
                     <a:solidFill>
                       <a:srgbClr val="000000"/>
                     </a:solidFill>
@@ -11289,7 +11289,7 @@
               </a:ln>
               <a:extLst>
                 <a:ext uri="{91240B29-F687-4f45-9708-019B960494DF}">
-                  <a14:hiddenLine xmlns:a14="http://schemas.microsoft.com/office/drawing/2010/main" xmlns="" w="9525">
+                  <a14:hiddenLine xmlns="" xmlns:a14="http://schemas.microsoft.com/office/drawing/2010/main" w="9525">
                     <a:solidFill>
                       <a:srgbClr val="000000"/>
                     </a:solidFill>
@@ -11354,7 +11354,7 @@
               </a:ln>
               <a:extLst>
                 <a:ext uri="{91240B29-F687-4f45-9708-019B960494DF}">
-                  <a14:hiddenLine xmlns:a14="http://schemas.microsoft.com/office/drawing/2010/main" xmlns="" w="9525">
+                  <a14:hiddenLine xmlns="" xmlns:a14="http://schemas.microsoft.com/office/drawing/2010/main" w="9525">
                     <a:solidFill>
                       <a:srgbClr val="000000"/>
                     </a:solidFill>
@@ -11444,7 +11444,7 @@
               </a:ln>
               <a:extLst>
                 <a:ext uri="{91240B29-F687-4f45-9708-019B960494DF}">
-                  <a14:hiddenLine xmlns:a14="http://schemas.microsoft.com/office/drawing/2010/main" xmlns="" w="9525">
+                  <a14:hiddenLine xmlns="" xmlns:a14="http://schemas.microsoft.com/office/drawing/2010/main" w="9525">
                     <a:solidFill>
                       <a:srgbClr val="000000"/>
                     </a:solidFill>
@@ -11512,7 +11512,7 @@
               </a:ln>
               <a:extLst>
                 <a:ext uri="{91240B29-F687-4f45-9708-019B960494DF}">
-                  <a14:hiddenLine xmlns:a14="http://schemas.microsoft.com/office/drawing/2010/main" xmlns="" w="9525">
+                  <a14:hiddenLine xmlns="" xmlns:a14="http://schemas.microsoft.com/office/drawing/2010/main" w="9525">
                     <a:solidFill>
                       <a:srgbClr val="000000"/>
                     </a:solidFill>
@@ -11602,7 +11602,7 @@
               </a:ln>
               <a:extLst>
                 <a:ext uri="{91240B29-F687-4f45-9708-019B960494DF}">
-                  <a14:hiddenLine xmlns:a14="http://schemas.microsoft.com/office/drawing/2010/main" xmlns="" w="9525">
+                  <a14:hiddenLine xmlns="" xmlns:a14="http://schemas.microsoft.com/office/drawing/2010/main" w="9525">
                     <a:solidFill>
                       <a:srgbClr val="000000"/>
                     </a:solidFill>
@@ -11670,7 +11670,7 @@
               </a:ln>
               <a:extLst>
                 <a:ext uri="{91240B29-F687-4f45-9708-019B960494DF}">
-                  <a14:hiddenLine xmlns:a14="http://schemas.microsoft.com/office/drawing/2010/main" xmlns="" w="9525">
+                  <a14:hiddenLine xmlns="" xmlns:a14="http://schemas.microsoft.com/office/drawing/2010/main" w="9525">
                     <a:solidFill>
                       <a:srgbClr val="000000"/>
                     </a:solidFill>
@@ -11760,7 +11760,7 @@
               </a:ln>
               <a:extLst>
                 <a:ext uri="{91240B29-F687-4f45-9708-019B960494DF}">
-                  <a14:hiddenLine xmlns:a14="http://schemas.microsoft.com/office/drawing/2010/main" xmlns="" w="9525">
+                  <a14:hiddenLine xmlns="" xmlns:a14="http://schemas.microsoft.com/office/drawing/2010/main" w="9525">
                     <a:solidFill>
                       <a:srgbClr val="000000"/>
                     </a:solidFill>
@@ -11794,7 +11794,7 @@
               </a:ln>
               <a:extLst>
                 <a:ext uri="{91240B29-F687-4f45-9708-019B960494DF}">
-                  <a14:hiddenLine xmlns:a14="http://schemas.microsoft.com/office/drawing/2010/main" xmlns="" w="9525">
+                  <a14:hiddenLine xmlns="" xmlns:a14="http://schemas.microsoft.com/office/drawing/2010/main" w="9525">
                     <a:solidFill>
                       <a:srgbClr val="000000"/>
                     </a:solidFill>
@@ -12491,15 +12491,24 @@
           <a:lstStyle/>
           <a:p>
             <a:r>
-              <a:rPr lang="en-US" sz="1400" dirty="0"/>
+              <a:rPr lang="en-US" sz="1400" dirty="0">
+                <a:latin typeface="Roboto" panose="02000000000000000000" pitchFamily="2" charset="0"/>
+                <a:ea typeface="Roboto" panose="02000000000000000000" pitchFamily="2" charset="0"/>
+              </a:rPr>
               <a:t>07 </a:t>
             </a:r>
             <a:r>
-              <a:rPr lang="en-US" sz="1400" dirty="0" err="1"/>
+              <a:rPr lang="en-US" sz="1400" dirty="0" err="1">
+                <a:latin typeface="Roboto" panose="02000000000000000000" pitchFamily="2" charset="0"/>
+                <a:ea typeface="Roboto" panose="02000000000000000000" pitchFamily="2" charset="0"/>
+              </a:rPr>
               <a:t>Januar</a:t>
             </a:r>
             <a:r>
-              <a:rPr lang="en-US" sz="1400" dirty="0"/>
+              <a:rPr lang="en-US" sz="1400" dirty="0">
+                <a:latin typeface="Roboto" panose="02000000000000000000" pitchFamily="2" charset="0"/>
+                <a:ea typeface="Roboto" panose="02000000000000000000" pitchFamily="2" charset="0"/>
+              </a:rPr>
               <a:t> 2019</a:t>
             </a:r>
           </a:p>
@@ -12869,7 +12878,7 @@
           <a:noFill/>
           <a:extLst>
             <a:ext uri="{909E8E84-426E-40dd-AFC4-6F175D3DCCD1}">
-              <a14:hiddenFill xmlns:a14="http://schemas.microsoft.com/office/drawing/2010/main" xmlns:p14="http://schemas.microsoft.com/office/powerpoint/2010/main" xmlns:a16="http://schemas.microsoft.com/office/drawing/2014/main" xmlns="">
+              <a14:hiddenFill xmlns="" xmlns:a16="http://schemas.microsoft.com/office/drawing/2014/main" xmlns:p14="http://schemas.microsoft.com/office/powerpoint/2010/main" xmlns:a14="http://schemas.microsoft.com/office/drawing/2010/main">
                 <a:solidFill>
                   <a:srgbClr val="FFFFFF"/>
                 </a:solidFill>
@@ -13120,7 +13129,7 @@
             </a:ln>
             <a:extLst>
               <a:ext uri="{91240B29-F687-4f45-9708-019B960494DF}">
-                <a14:hiddenLine xmlns:a14="http://schemas.microsoft.com/office/drawing/2010/main" xmlns:p14="http://schemas.microsoft.com/office/powerpoint/2010/main" xmlns:a16="http://schemas.microsoft.com/office/drawing/2014/main" xmlns="" w="9525">
+                <a14:hiddenLine xmlns="" xmlns:a16="http://schemas.microsoft.com/office/drawing/2014/main" xmlns:p14="http://schemas.microsoft.com/office/powerpoint/2010/main" xmlns:a14="http://schemas.microsoft.com/office/drawing/2010/main" w="9525">
                   <a:solidFill>
                     <a:srgbClr val="000000"/>
                   </a:solidFill>
@@ -13225,7 +13234,7 @@
             </a:ln>
             <a:extLst>
               <a:ext uri="{91240B29-F687-4f45-9708-019B960494DF}">
-                <a14:hiddenLine xmlns:a14="http://schemas.microsoft.com/office/drawing/2010/main" xmlns:p14="http://schemas.microsoft.com/office/powerpoint/2010/main" xmlns:a16="http://schemas.microsoft.com/office/drawing/2014/main" xmlns="" w="9525">
+                <a14:hiddenLine xmlns="" xmlns:a16="http://schemas.microsoft.com/office/drawing/2014/main" xmlns:p14="http://schemas.microsoft.com/office/powerpoint/2010/main" xmlns:a14="http://schemas.microsoft.com/office/drawing/2010/main" w="9525">
                   <a:solidFill>
                     <a:srgbClr val="000000"/>
                   </a:solidFill>
@@ -13330,7 +13339,7 @@
             </a:ln>
             <a:extLst>
               <a:ext uri="{91240B29-F687-4f45-9708-019B960494DF}">
-                <a14:hiddenLine xmlns:a14="http://schemas.microsoft.com/office/drawing/2010/main" xmlns:p14="http://schemas.microsoft.com/office/powerpoint/2010/main" xmlns:a16="http://schemas.microsoft.com/office/drawing/2014/main" xmlns="" w="9525">
+                <a14:hiddenLine xmlns="" xmlns:a16="http://schemas.microsoft.com/office/drawing/2014/main" xmlns:p14="http://schemas.microsoft.com/office/powerpoint/2010/main" xmlns:a14="http://schemas.microsoft.com/office/drawing/2010/main" w="9525">
                   <a:solidFill>
                     <a:srgbClr val="000000"/>
                   </a:solidFill>
@@ -13407,7 +13416,7 @@
             </a:ln>
             <a:extLst>
               <a:ext uri="{91240B29-F687-4f45-9708-019B960494DF}">
-                <a14:hiddenLine xmlns:a14="http://schemas.microsoft.com/office/drawing/2010/main" xmlns:p14="http://schemas.microsoft.com/office/powerpoint/2010/main" xmlns:a16="http://schemas.microsoft.com/office/drawing/2014/main" xmlns="" w="9525">
+                <a14:hiddenLine xmlns="" xmlns:a16="http://schemas.microsoft.com/office/drawing/2014/main" xmlns:p14="http://schemas.microsoft.com/office/powerpoint/2010/main" xmlns:a14="http://schemas.microsoft.com/office/drawing/2010/main" w="9525">
                   <a:solidFill>
                     <a:srgbClr val="000000"/>
                   </a:solidFill>
@@ -13512,7 +13521,7 @@
             </a:ln>
             <a:extLst>
               <a:ext uri="{91240B29-F687-4f45-9708-019B960494DF}">
-                <a14:hiddenLine xmlns:a14="http://schemas.microsoft.com/office/drawing/2010/main" xmlns:p14="http://schemas.microsoft.com/office/powerpoint/2010/main" xmlns:a16="http://schemas.microsoft.com/office/drawing/2014/main" xmlns="" w="9525">
+                <a14:hiddenLine xmlns="" xmlns:a16="http://schemas.microsoft.com/office/drawing/2014/main" xmlns:p14="http://schemas.microsoft.com/office/powerpoint/2010/main" xmlns:a14="http://schemas.microsoft.com/office/drawing/2010/main" w="9525">
                   <a:solidFill>
                     <a:srgbClr val="000000"/>
                   </a:solidFill>
@@ -13589,7 +13598,7 @@
             </a:ln>
             <a:extLst>
               <a:ext uri="{91240B29-F687-4f45-9708-019B960494DF}">
-                <a14:hiddenLine xmlns:a14="http://schemas.microsoft.com/office/drawing/2010/main" xmlns:p14="http://schemas.microsoft.com/office/powerpoint/2010/main" xmlns:a16="http://schemas.microsoft.com/office/drawing/2014/main" xmlns="" w="9525">
+                <a14:hiddenLine xmlns="" xmlns:a16="http://schemas.microsoft.com/office/drawing/2014/main" xmlns:p14="http://schemas.microsoft.com/office/powerpoint/2010/main" xmlns:a14="http://schemas.microsoft.com/office/drawing/2010/main" w="9525">
                   <a:solidFill>
                     <a:srgbClr val="000000"/>
                   </a:solidFill>
@@ -13666,7 +13675,7 @@
             </a:ln>
             <a:extLst>
               <a:ext uri="{91240B29-F687-4f45-9708-019B960494DF}">
-                <a14:hiddenLine xmlns:a14="http://schemas.microsoft.com/office/drawing/2010/main" xmlns:p14="http://schemas.microsoft.com/office/powerpoint/2010/main" xmlns:a16="http://schemas.microsoft.com/office/drawing/2014/main" xmlns="" w="9525">
+                <a14:hiddenLine xmlns="" xmlns:a16="http://schemas.microsoft.com/office/drawing/2014/main" xmlns:p14="http://schemas.microsoft.com/office/powerpoint/2010/main" xmlns:a14="http://schemas.microsoft.com/office/drawing/2010/main" w="9525">
                   <a:solidFill>
                     <a:srgbClr val="000000"/>
                   </a:solidFill>
@@ -13771,7 +13780,7 @@
             </a:ln>
             <a:extLst>
               <a:ext uri="{91240B29-F687-4f45-9708-019B960494DF}">
-                <a14:hiddenLine xmlns:a14="http://schemas.microsoft.com/office/drawing/2010/main" xmlns:p14="http://schemas.microsoft.com/office/powerpoint/2010/main" xmlns:a16="http://schemas.microsoft.com/office/drawing/2014/main" xmlns="" w="9525">
+                <a14:hiddenLine xmlns="" xmlns:a16="http://schemas.microsoft.com/office/drawing/2014/main" xmlns:p14="http://schemas.microsoft.com/office/powerpoint/2010/main" xmlns:a14="http://schemas.microsoft.com/office/drawing/2010/main" w="9525">
                   <a:solidFill>
                     <a:srgbClr val="000000"/>
                   </a:solidFill>
@@ -13876,7 +13885,7 @@
             </a:ln>
             <a:extLst>
               <a:ext uri="{91240B29-F687-4f45-9708-019B960494DF}">
-                <a14:hiddenLine xmlns:a14="http://schemas.microsoft.com/office/drawing/2010/main" xmlns:p14="http://schemas.microsoft.com/office/powerpoint/2010/main" xmlns:a16="http://schemas.microsoft.com/office/drawing/2014/main" xmlns="" w="9525">
+                <a14:hiddenLine xmlns="" xmlns:a16="http://schemas.microsoft.com/office/drawing/2014/main" xmlns:p14="http://schemas.microsoft.com/office/powerpoint/2010/main" xmlns:a14="http://schemas.microsoft.com/office/drawing/2010/main" w="9525">
                   <a:solidFill>
                     <a:srgbClr val="000000"/>
                   </a:solidFill>
@@ -13953,7 +13962,7 @@
             </a:ln>
             <a:extLst>
               <a:ext uri="{91240B29-F687-4f45-9708-019B960494DF}">
-                <a14:hiddenLine xmlns:a14="http://schemas.microsoft.com/office/drawing/2010/main" xmlns:p14="http://schemas.microsoft.com/office/powerpoint/2010/main" xmlns:a16="http://schemas.microsoft.com/office/drawing/2014/main" xmlns="" w="9525">
+                <a14:hiddenLine xmlns="" xmlns:a16="http://schemas.microsoft.com/office/drawing/2014/main" xmlns:p14="http://schemas.microsoft.com/office/powerpoint/2010/main" xmlns:a14="http://schemas.microsoft.com/office/drawing/2010/main" w="9525">
                   <a:solidFill>
                     <a:srgbClr val="000000"/>
                   </a:solidFill>
@@ -14078,7 +14087,7 @@
             </a:ln>
             <a:extLst>
               <a:ext uri="{91240B29-F687-4f45-9708-019B960494DF}">
-                <a14:hiddenLine xmlns:a14="http://schemas.microsoft.com/office/drawing/2010/main" xmlns:p14="http://schemas.microsoft.com/office/powerpoint/2010/main" xmlns:a16="http://schemas.microsoft.com/office/drawing/2014/main" xmlns="" w="9525">
+                <a14:hiddenLine xmlns="" xmlns:a16="http://schemas.microsoft.com/office/drawing/2014/main" xmlns:p14="http://schemas.microsoft.com/office/powerpoint/2010/main" xmlns:a14="http://schemas.microsoft.com/office/drawing/2010/main" w="9525">
                   <a:solidFill>
                     <a:srgbClr val="000000"/>
                   </a:solidFill>
@@ -14192,7 +14201,7 @@
             </a:ln>
             <a:extLst>
               <a:ext uri="{91240B29-F687-4f45-9708-019B960494DF}">
-                <a14:hiddenLine xmlns:a14="http://schemas.microsoft.com/office/drawing/2010/main" xmlns:p14="http://schemas.microsoft.com/office/powerpoint/2010/main" xmlns:a16="http://schemas.microsoft.com/office/drawing/2014/main" xmlns="" w="9525">
+                <a14:hiddenLine xmlns="" xmlns:a16="http://schemas.microsoft.com/office/drawing/2014/main" xmlns:p14="http://schemas.microsoft.com/office/powerpoint/2010/main" xmlns:a14="http://schemas.microsoft.com/office/drawing/2010/main" w="9525">
                   <a:solidFill>
                     <a:srgbClr val="000000"/>
                   </a:solidFill>
@@ -14269,7 +14278,7 @@
             </a:ln>
             <a:extLst>
               <a:ext uri="{91240B29-F687-4f45-9708-019B960494DF}">
-                <a14:hiddenLine xmlns:a14="http://schemas.microsoft.com/office/drawing/2010/main" xmlns:p14="http://schemas.microsoft.com/office/powerpoint/2010/main" xmlns:a16="http://schemas.microsoft.com/office/drawing/2014/main" xmlns="" w="9525">
+                <a14:hiddenLine xmlns="" xmlns:a16="http://schemas.microsoft.com/office/drawing/2014/main" xmlns:p14="http://schemas.microsoft.com/office/powerpoint/2010/main" xmlns:a14="http://schemas.microsoft.com/office/drawing/2010/main" w="9525">
                   <a:solidFill>
                     <a:srgbClr val="000000"/>
                   </a:solidFill>
@@ -14346,7 +14355,7 @@
             </a:ln>
             <a:extLst>
               <a:ext uri="{91240B29-F687-4f45-9708-019B960494DF}">
-                <a14:hiddenLine xmlns:a14="http://schemas.microsoft.com/office/drawing/2010/main" xmlns:p14="http://schemas.microsoft.com/office/powerpoint/2010/main" xmlns:a16="http://schemas.microsoft.com/office/drawing/2014/main" xmlns="" w="9525">
+                <a14:hiddenLine xmlns="" xmlns:a16="http://schemas.microsoft.com/office/drawing/2014/main" xmlns:p14="http://schemas.microsoft.com/office/powerpoint/2010/main" xmlns:a14="http://schemas.microsoft.com/office/drawing/2010/main" w="9525">
                   <a:solidFill>
                     <a:srgbClr val="000000"/>
                   </a:solidFill>
@@ -14451,7 +14460,7 @@
             </a:ln>
             <a:extLst>
               <a:ext uri="{91240B29-F687-4f45-9708-019B960494DF}">
-                <a14:hiddenLine xmlns:a14="http://schemas.microsoft.com/office/drawing/2010/main" xmlns:p14="http://schemas.microsoft.com/office/powerpoint/2010/main" xmlns:a16="http://schemas.microsoft.com/office/drawing/2014/main" xmlns="" w="9525">
+                <a14:hiddenLine xmlns="" xmlns:a16="http://schemas.microsoft.com/office/drawing/2014/main" xmlns:p14="http://schemas.microsoft.com/office/powerpoint/2010/main" xmlns:a14="http://schemas.microsoft.com/office/drawing/2010/main" w="9525">
                   <a:solidFill>
                     <a:srgbClr val="000000"/>
                   </a:solidFill>
@@ -14500,7 +14509,7 @@
             </a:ln>
             <a:extLst>
               <a:ext uri="{91240B29-F687-4f45-9708-019B960494DF}">
-                <a14:hiddenLine xmlns:a14="http://schemas.microsoft.com/office/drawing/2010/main" xmlns:p14="http://schemas.microsoft.com/office/powerpoint/2010/main" xmlns:a16="http://schemas.microsoft.com/office/drawing/2014/main" xmlns="" w="9525">
+                <a14:hiddenLine xmlns="" xmlns:a16="http://schemas.microsoft.com/office/drawing/2014/main" xmlns:p14="http://schemas.microsoft.com/office/powerpoint/2010/main" xmlns:a14="http://schemas.microsoft.com/office/drawing/2010/main" w="9525">
                   <a:solidFill>
                     <a:srgbClr val="000000"/>
                   </a:solidFill>
@@ -14580,7 +14589,7 @@
             </a:ln>
             <a:extLst>
               <a:ext uri="{91240B29-F687-4f45-9708-019B960494DF}">
-                <a14:hiddenLine xmlns:a14="http://schemas.microsoft.com/office/drawing/2010/main" xmlns:p14="http://schemas.microsoft.com/office/powerpoint/2010/main" xmlns:a16="http://schemas.microsoft.com/office/drawing/2014/main" xmlns="" w="9525">
+                <a14:hiddenLine xmlns="" xmlns:a16="http://schemas.microsoft.com/office/drawing/2014/main" xmlns:p14="http://schemas.microsoft.com/office/powerpoint/2010/main" xmlns:a14="http://schemas.microsoft.com/office/drawing/2010/main" w="9525">
                   <a:solidFill>
                     <a:srgbClr val="000000"/>
                   </a:solidFill>
@@ -14685,7 +14694,7 @@
             </a:ln>
             <a:extLst>
               <a:ext uri="{91240B29-F687-4f45-9708-019B960494DF}">
-                <a14:hiddenLine xmlns:a14="http://schemas.microsoft.com/office/drawing/2010/main" xmlns:p14="http://schemas.microsoft.com/office/powerpoint/2010/main" xmlns:a16="http://schemas.microsoft.com/office/drawing/2014/main" xmlns="" w="9525">
+                <a14:hiddenLine xmlns="" xmlns:a16="http://schemas.microsoft.com/office/drawing/2014/main" xmlns:p14="http://schemas.microsoft.com/office/powerpoint/2010/main" xmlns:a14="http://schemas.microsoft.com/office/drawing/2010/main" w="9525">
                   <a:solidFill>
                     <a:srgbClr val="000000"/>
                   </a:solidFill>
@@ -14762,7 +14771,7 @@
             </a:ln>
             <a:extLst>
               <a:ext uri="{91240B29-F687-4f45-9708-019B960494DF}">
-                <a14:hiddenLine xmlns:a14="http://schemas.microsoft.com/office/drawing/2010/main" xmlns:p14="http://schemas.microsoft.com/office/powerpoint/2010/main" xmlns:a16="http://schemas.microsoft.com/office/drawing/2014/main" xmlns="" w="9525">
+                <a14:hiddenLine xmlns="" xmlns:a16="http://schemas.microsoft.com/office/drawing/2014/main" xmlns:p14="http://schemas.microsoft.com/office/powerpoint/2010/main" xmlns:a14="http://schemas.microsoft.com/office/drawing/2010/main" w="9525">
                   <a:solidFill>
                     <a:srgbClr val="000000"/>
                   </a:solidFill>
@@ -14867,7 +14876,7 @@
             </a:ln>
             <a:extLst>
               <a:ext uri="{91240B29-F687-4f45-9708-019B960494DF}">
-                <a14:hiddenLine xmlns:a14="http://schemas.microsoft.com/office/drawing/2010/main" xmlns:p14="http://schemas.microsoft.com/office/powerpoint/2010/main" xmlns:a16="http://schemas.microsoft.com/office/drawing/2014/main" xmlns="" w="9525">
+                <a14:hiddenLine xmlns="" xmlns:a16="http://schemas.microsoft.com/office/drawing/2014/main" xmlns:p14="http://schemas.microsoft.com/office/powerpoint/2010/main" xmlns:a14="http://schemas.microsoft.com/office/drawing/2010/main" w="9525">
                   <a:solidFill>
                     <a:srgbClr val="000000"/>
                   </a:solidFill>
@@ -14947,7 +14956,7 @@
             </a:ln>
             <a:extLst>
               <a:ext uri="{91240B29-F687-4f45-9708-019B960494DF}">
-                <a14:hiddenLine xmlns:a14="http://schemas.microsoft.com/office/drawing/2010/main" xmlns:p14="http://schemas.microsoft.com/office/powerpoint/2010/main" xmlns:a16="http://schemas.microsoft.com/office/drawing/2014/main" xmlns="" w="9525">
+                <a14:hiddenLine xmlns="" xmlns:a16="http://schemas.microsoft.com/office/drawing/2014/main" xmlns:p14="http://schemas.microsoft.com/office/powerpoint/2010/main" xmlns:a14="http://schemas.microsoft.com/office/drawing/2010/main" w="9525">
                   <a:solidFill>
                     <a:srgbClr val="000000"/>
                   </a:solidFill>
@@ -15024,7 +15033,7 @@
             </a:ln>
             <a:extLst>
               <a:ext uri="{91240B29-F687-4f45-9708-019B960494DF}">
-                <a14:hiddenLine xmlns:a14="http://schemas.microsoft.com/office/drawing/2010/main" xmlns:p14="http://schemas.microsoft.com/office/powerpoint/2010/main" xmlns:a16="http://schemas.microsoft.com/office/drawing/2014/main" xmlns="" w="9525">
+                <a14:hiddenLine xmlns="" xmlns:a16="http://schemas.microsoft.com/office/drawing/2014/main" xmlns:p14="http://schemas.microsoft.com/office/powerpoint/2010/main" xmlns:a14="http://schemas.microsoft.com/office/drawing/2010/main" w="9525">
                   <a:solidFill>
                     <a:srgbClr val="000000"/>
                   </a:solidFill>
@@ -15129,7 +15138,7 @@
             </a:ln>
             <a:extLst>
               <a:ext uri="{91240B29-F687-4f45-9708-019B960494DF}">
-                <a14:hiddenLine xmlns:a14="http://schemas.microsoft.com/office/drawing/2010/main" xmlns:p14="http://schemas.microsoft.com/office/powerpoint/2010/main" xmlns:a16="http://schemas.microsoft.com/office/drawing/2014/main" xmlns="" w="9525">
+                <a14:hiddenLine xmlns="" xmlns:a16="http://schemas.microsoft.com/office/drawing/2014/main" xmlns:p14="http://schemas.microsoft.com/office/powerpoint/2010/main" xmlns:a14="http://schemas.microsoft.com/office/drawing/2010/main" w="9525">
                   <a:solidFill>
                     <a:srgbClr val="000000"/>
                   </a:solidFill>
@@ -15234,7 +15243,7 @@
             </a:ln>
             <a:extLst>
               <a:ext uri="{91240B29-F687-4f45-9708-019B960494DF}">
-                <a14:hiddenLine xmlns:a14="http://schemas.microsoft.com/office/drawing/2010/main" xmlns:p14="http://schemas.microsoft.com/office/powerpoint/2010/main" xmlns:a16="http://schemas.microsoft.com/office/drawing/2014/main" xmlns="" w="9525">
+                <a14:hiddenLine xmlns="" xmlns:a16="http://schemas.microsoft.com/office/drawing/2014/main" xmlns:p14="http://schemas.microsoft.com/office/powerpoint/2010/main" xmlns:a14="http://schemas.microsoft.com/office/drawing/2010/main" w="9525">
                   <a:solidFill>
                     <a:srgbClr val="000000"/>
                   </a:solidFill>
@@ -15314,7 +15323,7 @@
             </a:ln>
             <a:extLst>
               <a:ext uri="{91240B29-F687-4f45-9708-019B960494DF}">
-                <a14:hiddenLine xmlns:a14="http://schemas.microsoft.com/office/drawing/2010/main" xmlns:p14="http://schemas.microsoft.com/office/powerpoint/2010/main" xmlns:a16="http://schemas.microsoft.com/office/drawing/2014/main" xmlns="" w="9525">
+                <a14:hiddenLine xmlns="" xmlns:a16="http://schemas.microsoft.com/office/drawing/2014/main" xmlns:p14="http://schemas.microsoft.com/office/powerpoint/2010/main" xmlns:a14="http://schemas.microsoft.com/office/drawing/2010/main" w="9525">
                   <a:solidFill>
                     <a:srgbClr val="000000"/>
                   </a:solidFill>
@@ -15449,7 +15458,7 @@
             </a:ln>
             <a:extLst>
               <a:ext uri="{91240B29-F687-4f45-9708-019B960494DF}">
-                <a14:hiddenLine xmlns:a14="http://schemas.microsoft.com/office/drawing/2010/main" xmlns:p14="http://schemas.microsoft.com/office/powerpoint/2010/main" xmlns:a16="http://schemas.microsoft.com/office/drawing/2014/main" xmlns="" w="9525">
+                <a14:hiddenLine xmlns="" xmlns:a16="http://schemas.microsoft.com/office/drawing/2014/main" xmlns:p14="http://schemas.microsoft.com/office/powerpoint/2010/main" xmlns:a14="http://schemas.microsoft.com/office/drawing/2010/main" w="9525">
                   <a:solidFill>
                     <a:srgbClr val="000000"/>
                   </a:solidFill>
